--- a/course/Spring-Day1.pptx
+++ b/course/Spring-Day1.pptx
@@ -2,7 +2,7 @@
 <file path=ppt/presentation.xml><?xml version="1.0" encoding="utf-8"?>
 <p:presentation xmlns:a="http://schemas.openxmlformats.org/drawingml/2006/main" xmlns:r="http://schemas.openxmlformats.org/officeDocument/2006/relationships" xmlns:p="http://schemas.openxmlformats.org/presentationml/2006/main" saveSubsetFonts="1">
   <p:sldMasterIdLst>
-    <p:sldMasterId id="2147483660" r:id="rId1"/>
+    <p:sldMasterId id="2147483672" r:id="rId1"/>
   </p:sldMasterIdLst>
   <p:sldIdLst>
     <p:sldId id="256" r:id="rId2"/>
@@ -158,7 +158,7 @@
 </file>
 
 <file path=ppt/slideLayouts/slideLayout1.xml><?xml version="1.0" encoding="utf-8"?>
-<p:sldLayout xmlns:a="http://schemas.openxmlformats.org/drawingml/2006/main" xmlns:r="http://schemas.openxmlformats.org/officeDocument/2006/relationships" xmlns:p="http://schemas.openxmlformats.org/presentationml/2006/main" showMasterSp="0" type="title" preserve="1">
+<p:sldLayout xmlns:a="http://schemas.openxmlformats.org/drawingml/2006/main" xmlns:r="http://schemas.openxmlformats.org/officeDocument/2006/relationships" xmlns:p="http://schemas.openxmlformats.org/presentationml/2006/main" type="title" preserve="1">
   <p:cSld name="Title Slide">
     <p:spTree>
       <p:nvGrpSpPr>
@@ -177,22 +177,26 @@
       <p:sp>
         <p:nvSpPr>
           <p:cNvPr id="7" name="Rectangle 6"/>
-          <p:cNvSpPr/>
+          <p:cNvSpPr>
+            <a:spLocks noChangeAspect="1"/>
+          </p:cNvSpPr>
           <p:nvPr/>
         </p:nvSpPr>
         <p:spPr>
           <a:xfrm>
-            <a:off x="3175" y="6400800"/>
-            <a:ext cx="12188825" cy="457200"/>
+            <a:off x="231140" y="243840"/>
+            <a:ext cx="11724640" cy="6377939"/>
           </a:xfrm>
           <a:prstGeom prst="rect">
             <a:avLst/>
           </a:prstGeom>
           <a:solidFill>
-            <a:schemeClr val="accent2"/>
+            <a:schemeClr val="accent1"/>
           </a:solidFill>
-          <a:ln>
-            <a:noFill/>
+          <a:ln w="12700">
+            <a:solidFill>
+              <a:srgbClr val="FFFFFF"/>
+            </a:solidFill>
           </a:ln>
         </p:spPr>
         <p:style>
@@ -214,56 +218,18 @@
       </p:sp>
       <p:sp>
         <p:nvSpPr>
-          <p:cNvPr id="8" name="Rectangle 7"/>
-          <p:cNvSpPr/>
-          <p:nvPr/>
+          <p:cNvPr id="2" name="Title 1"/>
+          <p:cNvSpPr>
+            <a:spLocks noGrp="1"/>
+          </p:cNvSpPr>
+          <p:nvPr>
+            <p:ph type="ctrTitle"/>
+          </p:nvPr>
         </p:nvSpPr>
         <p:spPr>
           <a:xfrm>
-            <a:off x="15" y="6334316"/>
-            <a:ext cx="12188825" cy="64008"/>
-          </a:xfrm>
-          <a:prstGeom prst="rect">
-            <a:avLst/>
-          </a:prstGeom>
-          <a:solidFill>
-            <a:schemeClr val="accent1"/>
-          </a:solidFill>
-          <a:ln>
-            <a:noFill/>
-          </a:ln>
-        </p:spPr>
-        <p:style>
-          <a:lnRef idx="2">
-            <a:schemeClr val="accent1">
-              <a:shade val="50000"/>
-            </a:schemeClr>
-          </a:lnRef>
-          <a:fillRef idx="1">
-            <a:schemeClr val="accent1"/>
-          </a:fillRef>
-          <a:effectRef idx="0">
-            <a:schemeClr val="accent1"/>
-          </a:effectRef>
-          <a:fontRef idx="minor">
-            <a:schemeClr val="lt1"/>
-          </a:fontRef>
-        </p:style>
-      </p:sp>
-      <p:sp>
-        <p:nvSpPr>
-          <p:cNvPr id="2" name="Title 1"/>
-          <p:cNvSpPr>
-            <a:spLocks noGrp="1"/>
-          </p:cNvSpPr>
-          <p:nvPr>
-            <p:ph type="ctrTitle"/>
-          </p:nvPr>
-        </p:nvSpPr>
-        <p:spPr>
-          <a:xfrm>
-            <a:off x="1097280" y="758952"/>
-            <a:ext cx="10058400" cy="3566160"/>
+            <a:off x="1109980" y="882376"/>
+            <a:ext cx="9966960" cy="2926080"/>
           </a:xfrm>
         </p:spPr>
         <p:txBody>
@@ -271,16 +237,13 @@
             <a:normAutofit/>
           </a:bodyPr>
           <a:lstStyle>
-            <a:lvl1pPr algn="l">
+            <a:lvl1pPr algn="ctr">
               <a:lnSpc>
                 <a:spcPct val="85000"/>
               </a:lnSpc>
-              <a:defRPr sz="8000" spc="-50" baseline="0">
+              <a:defRPr sz="7200" b="1" cap="all" baseline="0">
                 <a:solidFill>
-                  <a:schemeClr val="tx1">
-                    <a:lumMod val="85000"/>
-                    <a:lumOff val="15000"/>
-                  </a:schemeClr>
+                  <a:srgbClr val="FFFFFF"/>
                 </a:solidFill>
               </a:defRPr>
             </a:lvl1pPr>
@@ -306,31 +269,30 @@
         </p:nvSpPr>
         <p:spPr>
           <a:xfrm>
-            <a:off x="1100051" y="4455620"/>
-            <a:ext cx="10058400" cy="1143000"/>
+            <a:off x="1709530" y="3869634"/>
+            <a:ext cx="8767860" cy="1388165"/>
           </a:xfrm>
         </p:spPr>
         <p:txBody>
-          <a:bodyPr lIns="91440" rIns="91440">
+          <a:bodyPr>
             <a:normAutofit/>
           </a:bodyPr>
           <a:lstStyle>
-            <a:lvl1pPr marL="0" indent="0" algn="l">
+            <a:lvl1pPr marL="0" indent="0" algn="ctr">
               <a:buNone/>
-              <a:defRPr sz="2400" cap="all" spc="200" baseline="0">
+              <a:defRPr sz="2200">
                 <a:solidFill>
-                  <a:schemeClr val="tx2"/>
+                  <a:srgbClr val="FFFFFF"/>
                 </a:solidFill>
-                <a:latin typeface="+mj-lt"/>
               </a:defRPr>
             </a:lvl1pPr>
             <a:lvl2pPr marL="457200" indent="0" algn="ctr">
               <a:buNone/>
-              <a:defRPr sz="2400"/>
+              <a:defRPr sz="2200"/>
             </a:lvl2pPr>
             <a:lvl3pPr marL="914400" indent="0" algn="ctr">
               <a:buNone/>
-              <a:defRPr sz="2400"/>
+              <a:defRPr sz="2200"/>
             </a:lvl3pPr>
             <a:lvl4pPr marL="1371600" indent="0" algn="ctr">
               <a:buNone/>
@@ -379,11 +341,19 @@
         <p:spPr/>
         <p:txBody>
           <a:bodyPr/>
-          <a:lstStyle/>
+          <a:lstStyle>
+            <a:lvl1pPr>
+              <a:defRPr>
+                <a:solidFill>
+                  <a:srgbClr val="FFFFFF"/>
+                </a:solidFill>
+              </a:defRPr>
+            </a:lvl1pPr>
+          </a:lstStyle>
           <a:p>
             <a:fld id="{46D9A6F5-1E9F-4F7F-B335-C9B2093BF1AB}" type="datetimeFigureOut">
               <a:rPr lang="en-GB" smtClean="0"/>
-              <a:t>27/07/2016</a:t>
+              <a:t>04/08/2016</a:t>
             </a:fld>
             <a:endParaRPr lang="en-GB"/>
           </a:p>
@@ -402,7 +372,15 @@
         <p:spPr/>
         <p:txBody>
           <a:bodyPr/>
-          <a:lstStyle/>
+          <a:lstStyle>
+            <a:lvl1pPr>
+              <a:defRPr>
+                <a:solidFill>
+                  <a:srgbClr val="FFFFFF"/>
+                </a:solidFill>
+              </a:defRPr>
+            </a:lvl1pPr>
+          </a:lstStyle>
           <a:p>
             <a:endParaRPr lang="en-GB"/>
           </a:p>
@@ -421,7 +399,15 @@
         <p:spPr/>
         <p:txBody>
           <a:bodyPr/>
-          <a:lstStyle/>
+          <a:lstStyle>
+            <a:lvl1pPr>
+              <a:defRPr>
+                <a:solidFill>
+                  <a:srgbClr val="FFFFFF"/>
+                </a:solidFill>
+              </a:defRPr>
+            </a:lvl1pPr>
+          </a:lstStyle>
           <a:p>
             <a:fld id="{AEBEC5AE-8EEF-40C7-BCCC-42762EAC50D4}" type="slidenum">
               <a:rPr lang="en-GB" smtClean="0"/>
@@ -433,24 +419,21 @@
       </p:sp>
       <p:cxnSp>
         <p:nvCxnSpPr>
-          <p:cNvPr id="9" name="Straight Connector 8"/>
+          <p:cNvPr id="8" name="Straight Connector 7"/>
           <p:cNvCxnSpPr/>
           <p:nvPr/>
         </p:nvCxnSpPr>
         <p:spPr>
           <a:xfrm>
-            <a:off x="1207658" y="4343400"/>
-            <a:ext cx="9875520" cy="0"/>
+            <a:off x="1978660" y="3733800"/>
+            <a:ext cx="8229601" cy="0"/>
           </a:xfrm>
           <a:prstGeom prst="line">
             <a:avLst/>
           </a:prstGeom>
-          <a:ln w="6350">
+          <a:ln>
             <a:solidFill>
-              <a:schemeClr val="tx1">
-                <a:lumMod val="50000"/>
-                <a:lumOff val="50000"/>
-              </a:schemeClr>
+              <a:srgbClr val="FFFFFF"/>
             </a:solidFill>
           </a:ln>
         </p:spPr>
@@ -472,7 +455,7 @@
     </p:spTree>
     <p:extLst>
       <p:ext uri="{BB962C8B-B14F-4D97-AF65-F5344CB8AC3E}">
-        <p14:creationId xmlns:p14="http://schemas.microsoft.com/office/powerpoint/2010/main" val="76219909"/>
+        <p14:creationId xmlns:p14="http://schemas.microsoft.com/office/powerpoint/2010/main" val="141586539"/>
       </p:ext>
     </p:extLst>
   </p:cSld>
@@ -534,7 +517,7 @@
         </p:nvSpPr>
         <p:spPr/>
         <p:txBody>
-          <a:bodyPr vert="eaVert" lIns="45720" tIns="0" rIns="45720" bIns="0"/>
+          <a:bodyPr vert="eaVert"/>
           <a:lstStyle/>
           <a:p>
             <a:pPr lvl="0"/>
@@ -591,7 +574,7 @@
           <a:p>
             <a:fld id="{46D9A6F5-1E9F-4F7F-B335-C9B2093BF1AB}" type="datetimeFigureOut">
               <a:rPr lang="en-GB" smtClean="0"/>
-              <a:t>27/07/2016</a:t>
+              <a:t>04/08/2016</a:t>
             </a:fld>
             <a:endParaRPr lang="en-GB"/>
           </a:p>
@@ -642,7 +625,7 @@
     </p:spTree>
     <p:extLst>
       <p:ext uri="{BB962C8B-B14F-4D97-AF65-F5344CB8AC3E}">
-        <p14:creationId xmlns:p14="http://schemas.microsoft.com/office/powerpoint/2010/main" val="2389148448"/>
+        <p14:creationId xmlns:p14="http://schemas.microsoft.com/office/powerpoint/2010/main" val="1892842111"/>
       </p:ext>
     </p:extLst>
   </p:cSld>
@@ -653,7 +636,7 @@
 </file>
 
 <file path=ppt/slideLayouts/slideLayout11.xml><?xml version="1.0" encoding="utf-8"?>
-<p:sldLayout xmlns:a="http://schemas.openxmlformats.org/drawingml/2006/main" xmlns:r="http://schemas.openxmlformats.org/officeDocument/2006/relationships" xmlns:p="http://schemas.openxmlformats.org/presentationml/2006/main" showMasterSp="0" type="vertTitleAndTx" preserve="1">
+<p:sldLayout xmlns:a="http://schemas.openxmlformats.org/drawingml/2006/main" xmlns:r="http://schemas.openxmlformats.org/officeDocument/2006/relationships" xmlns:p="http://schemas.openxmlformats.org/presentationml/2006/main" type="vertTitleAndTx" preserve="1">
   <p:cSld name="Vertical Title and Text">
     <p:spTree>
       <p:nvGrpSpPr>
@@ -671,128 +654,52 @@
       </p:grpSpPr>
       <p:sp>
         <p:nvSpPr>
-          <p:cNvPr id="7" name="Rectangle 6"/>
-          <p:cNvSpPr/>
-          <p:nvPr/>
+          <p:cNvPr id="2" name="Vertical Title 1"/>
+          <p:cNvSpPr>
+            <a:spLocks noGrp="1"/>
+          </p:cNvSpPr>
+          <p:nvPr>
+            <p:ph type="title" orient="vert"/>
+          </p:nvPr>
         </p:nvSpPr>
         <p:spPr>
           <a:xfrm>
-            <a:off x="3175" y="6400800"/>
-            <a:ext cx="12188825" cy="457200"/>
+            <a:off x="8724900" y="762000"/>
+            <a:ext cx="2324100" cy="5410200"/>
           </a:xfrm>
-          <a:prstGeom prst="rect">
-            <a:avLst/>
-          </a:prstGeom>
-          <a:solidFill>
-            <a:schemeClr val="accent2"/>
-          </a:solidFill>
-          <a:ln>
-            <a:noFill/>
-          </a:ln>
         </p:spPr>
-        <p:style>
-          <a:lnRef idx="2">
-            <a:schemeClr val="accent1">
-              <a:shade val="50000"/>
-            </a:schemeClr>
-          </a:lnRef>
-          <a:fillRef idx="1">
-            <a:schemeClr val="accent1"/>
-          </a:fillRef>
-          <a:effectRef idx="0">
-            <a:schemeClr val="accent1"/>
-          </a:effectRef>
-          <a:fontRef idx="minor">
-            <a:schemeClr val="lt1"/>
-          </a:fontRef>
-        </p:style>
-      </p:sp>
-      <p:sp>
-        <p:nvSpPr>
-          <p:cNvPr id="8" name="Rectangle 7"/>
-          <p:cNvSpPr/>
-          <p:nvPr/>
+        <p:txBody>
+          <a:bodyPr vert="eaVert"/>
+          <a:lstStyle/>
+          <a:p>
+            <a:r>
+              <a:rPr lang="en-US" smtClean="0"/>
+              <a:t>Click to edit Master title style</a:t>
+            </a:r>
+            <a:endParaRPr lang="en-US" dirty="0"/>
+          </a:p>
+        </p:txBody>
+      </p:sp>
+      <p:sp>
+        <p:nvSpPr>
+          <p:cNvPr id="3" name="Vertical Text Placeholder 2"/>
+          <p:cNvSpPr>
+            <a:spLocks noGrp="1"/>
+          </p:cNvSpPr>
+          <p:nvPr>
+            <p:ph type="body" orient="vert" idx="1"/>
+          </p:nvPr>
         </p:nvSpPr>
         <p:spPr>
           <a:xfrm>
-            <a:off x="15" y="6334316"/>
-            <a:ext cx="12188825" cy="64008"/>
-          </a:xfrm>
-          <a:prstGeom prst="rect">
-            <a:avLst/>
-          </a:prstGeom>
-          <a:solidFill>
-            <a:schemeClr val="accent1"/>
-          </a:solidFill>
-          <a:ln>
-            <a:noFill/>
-          </a:ln>
-        </p:spPr>
-        <p:style>
-          <a:lnRef idx="2">
-            <a:schemeClr val="accent1">
-              <a:shade val="50000"/>
-            </a:schemeClr>
-          </a:lnRef>
-          <a:fillRef idx="1">
-            <a:schemeClr val="accent1"/>
-          </a:fillRef>
-          <a:effectRef idx="0">
-            <a:schemeClr val="accent1"/>
-          </a:effectRef>
-          <a:fontRef idx="minor">
-            <a:schemeClr val="lt1"/>
-          </a:fontRef>
-        </p:style>
-      </p:sp>
-      <p:sp>
-        <p:nvSpPr>
-          <p:cNvPr id="2" name="Vertical Title 1"/>
-          <p:cNvSpPr>
-            <a:spLocks noGrp="1"/>
-          </p:cNvSpPr>
-          <p:nvPr>
-            <p:ph type="title" orient="vert"/>
-          </p:nvPr>
-        </p:nvSpPr>
-        <p:spPr>
-          <a:xfrm>
-            <a:off x="8724900" y="414778"/>
-            <a:ext cx="2628900" cy="5757421"/>
+            <a:off x="1143000" y="762000"/>
+            <a:ext cx="7429500" cy="5410200"/>
           </a:xfrm>
         </p:spPr>
         <p:txBody>
           <a:bodyPr vert="eaVert"/>
           <a:lstStyle/>
           <a:p>
-            <a:r>
-              <a:rPr lang="en-US" smtClean="0"/>
-              <a:t>Click to edit Master title style</a:t>
-            </a:r>
-            <a:endParaRPr lang="en-US" dirty="0"/>
-          </a:p>
-        </p:txBody>
-      </p:sp>
-      <p:sp>
-        <p:nvSpPr>
-          <p:cNvPr id="3" name="Vertical Text Placeholder 2"/>
-          <p:cNvSpPr>
-            <a:spLocks noGrp="1"/>
-          </p:cNvSpPr>
-          <p:nvPr>
-            <p:ph type="body" orient="vert" idx="1"/>
-          </p:nvPr>
-        </p:nvSpPr>
-        <p:spPr>
-          <a:xfrm>
-            <a:off x="838200" y="414778"/>
-            <a:ext cx="7734300" cy="5757422"/>
-          </a:xfrm>
-        </p:spPr>
-        <p:txBody>
-          <a:bodyPr vert="eaVert" lIns="45720" tIns="0" rIns="45720" bIns="0"/>
-          <a:lstStyle/>
-          <a:p>
             <a:pPr lvl="0"/>
             <a:r>
               <a:rPr lang="en-US" smtClean="0"/>
@@ -847,7 +754,7 @@
           <a:p>
             <a:fld id="{46D9A6F5-1E9F-4F7F-B335-C9B2093BF1AB}" type="datetimeFigureOut">
               <a:rPr lang="en-GB" smtClean="0"/>
-              <a:t>27/07/2016</a:t>
+              <a:t>04/08/2016</a:t>
             </a:fld>
             <a:endParaRPr lang="en-GB"/>
           </a:p>
@@ -898,7 +805,7 @@
     </p:spTree>
     <p:extLst>
       <p:ext uri="{BB962C8B-B14F-4D97-AF65-F5344CB8AC3E}">
-        <p14:creationId xmlns:p14="http://schemas.microsoft.com/office/powerpoint/2010/main" val="281285355"/>
+        <p14:creationId xmlns:p14="http://schemas.microsoft.com/office/powerpoint/2010/main" val="2650844734"/>
       </p:ext>
     </p:extLst>
   </p:cSld>
@@ -938,11 +845,7 @@
         <p:spPr/>
         <p:txBody>
           <a:bodyPr/>
-          <a:lstStyle>
-            <a:lvl1pPr marL="0">
-              <a:defRPr/>
-            </a:lvl1pPr>
-          </a:lstStyle>
+          <a:lstStyle/>
           <a:p>
             <a:r>
               <a:rPr lang="en-US" smtClean="0"/>
@@ -1021,7 +924,7 @@
           <a:p>
             <a:fld id="{46D9A6F5-1E9F-4F7F-B335-C9B2093BF1AB}" type="datetimeFigureOut">
               <a:rPr lang="en-GB" smtClean="0"/>
-              <a:t>27/07/2016</a:t>
+              <a:t>04/08/2016</a:t>
             </a:fld>
             <a:endParaRPr lang="en-GB"/>
           </a:p>
@@ -1072,7 +975,7 @@
     </p:spTree>
     <p:extLst>
       <p:ext uri="{BB962C8B-B14F-4D97-AF65-F5344CB8AC3E}">
-        <p14:creationId xmlns:p14="http://schemas.microsoft.com/office/powerpoint/2010/main" val="3422039542"/>
+        <p14:creationId xmlns:p14="http://schemas.microsoft.com/office/powerpoint/2010/main" val="1593912986"/>
       </p:ext>
     </p:extLst>
   </p:cSld>
@@ -1083,16 +986,8 @@
 </file>
 
 <file path=ppt/slideLayouts/slideLayout3.xml><?xml version="1.0" encoding="utf-8"?>
-<p:sldLayout xmlns:a="http://schemas.openxmlformats.org/drawingml/2006/main" xmlns:r="http://schemas.openxmlformats.org/officeDocument/2006/relationships" xmlns:p="http://schemas.openxmlformats.org/presentationml/2006/main" showMasterSp="0" type="secHead" preserve="1">
+<p:sldLayout xmlns:a="http://schemas.openxmlformats.org/drawingml/2006/main" xmlns:r="http://schemas.openxmlformats.org/officeDocument/2006/relationships" xmlns:p="http://schemas.openxmlformats.org/presentationml/2006/main" type="secHead" preserve="1">
   <p:cSld name="Section Header">
-    <p:bg>
-      <p:bgPr>
-        <a:solidFill>
-          <a:schemeClr val="bg1"/>
-        </a:solidFill>
-        <a:effectLst/>
-      </p:bgPr>
-    </p:bg>
     <p:spTree>
       <p:nvGrpSpPr>
         <p:cNvPr id="1" name=""/>
@@ -1109,152 +1004,68 @@
       </p:grpSpPr>
       <p:sp>
         <p:nvSpPr>
-          <p:cNvPr id="7" name="Rectangle 6"/>
-          <p:cNvSpPr/>
-          <p:nvPr/>
+          <p:cNvPr id="2" name="Title 1"/>
+          <p:cNvSpPr>
+            <a:spLocks noGrp="1"/>
+          </p:cNvSpPr>
+          <p:nvPr>
+            <p:ph type="title"/>
+          </p:nvPr>
         </p:nvSpPr>
         <p:spPr>
           <a:xfrm>
-            <a:off x="3175" y="6400800"/>
-            <a:ext cx="12188825" cy="457200"/>
+            <a:off x="1106424" y="1173575"/>
+            <a:ext cx="9966960" cy="2926080"/>
           </a:xfrm>
-          <a:prstGeom prst="rect">
-            <a:avLst/>
-          </a:prstGeom>
-          <a:solidFill>
-            <a:schemeClr val="accent2"/>
-          </a:solidFill>
-          <a:ln>
-            <a:noFill/>
-          </a:ln>
         </p:spPr>
-        <p:style>
-          <a:lnRef idx="2">
-            <a:schemeClr val="accent1">
-              <a:shade val="50000"/>
-            </a:schemeClr>
-          </a:lnRef>
-          <a:fillRef idx="1">
-            <a:schemeClr val="accent1"/>
-          </a:fillRef>
-          <a:effectRef idx="0">
-            <a:schemeClr val="accent1"/>
-          </a:effectRef>
-          <a:fontRef idx="minor">
-            <a:schemeClr val="lt1"/>
-          </a:fontRef>
-        </p:style>
-      </p:sp>
-      <p:sp>
-        <p:nvSpPr>
-          <p:cNvPr id="8" name="Rectangle 7"/>
-          <p:cNvSpPr/>
-          <p:nvPr/>
+        <p:txBody>
+          <a:bodyPr anchor="b">
+            <a:noAutofit/>
+          </a:bodyPr>
+          <a:lstStyle>
+            <a:lvl1pPr algn="ctr">
+              <a:lnSpc>
+                <a:spcPct val="85000"/>
+              </a:lnSpc>
+              <a:defRPr sz="7200" b="0" cap="all" baseline="0"/>
+            </a:lvl1pPr>
+          </a:lstStyle>
+          <a:p>
+            <a:r>
+              <a:rPr lang="en-US" smtClean="0"/>
+              <a:t>Click to edit Master title style</a:t>
+            </a:r>
+            <a:endParaRPr lang="en-US" dirty="0"/>
+          </a:p>
+        </p:txBody>
+      </p:sp>
+      <p:sp>
+        <p:nvSpPr>
+          <p:cNvPr id="3" name="Text Placeholder 2"/>
+          <p:cNvSpPr>
+            <a:spLocks noGrp="1"/>
+          </p:cNvSpPr>
+          <p:nvPr>
+            <p:ph type="body" idx="1"/>
+          </p:nvPr>
         </p:nvSpPr>
         <p:spPr>
           <a:xfrm>
-            <a:off x="15" y="6334316"/>
-            <a:ext cx="12188825" cy="64008"/>
-          </a:xfrm>
-          <a:prstGeom prst="rect">
-            <a:avLst/>
-          </a:prstGeom>
-          <a:solidFill>
-            <a:schemeClr val="accent1"/>
-          </a:solidFill>
-          <a:ln>
-            <a:noFill/>
-          </a:ln>
-        </p:spPr>
-        <p:style>
-          <a:lnRef idx="2">
-            <a:schemeClr val="accent1">
-              <a:shade val="50000"/>
-            </a:schemeClr>
-          </a:lnRef>
-          <a:fillRef idx="1">
-            <a:schemeClr val="accent1"/>
-          </a:fillRef>
-          <a:effectRef idx="0">
-            <a:schemeClr val="accent1"/>
-          </a:effectRef>
-          <a:fontRef idx="minor">
-            <a:schemeClr val="lt1"/>
-          </a:fontRef>
-        </p:style>
-      </p:sp>
-      <p:sp>
-        <p:nvSpPr>
-          <p:cNvPr id="2" name="Title 1"/>
-          <p:cNvSpPr>
-            <a:spLocks noGrp="1"/>
-          </p:cNvSpPr>
-          <p:nvPr>
-            <p:ph type="title"/>
-          </p:nvPr>
-        </p:nvSpPr>
-        <p:spPr>
-          <a:xfrm>
-            <a:off x="1097280" y="758952"/>
-            <a:ext cx="10058400" cy="3566160"/>
+            <a:off x="1709928" y="4154520"/>
+            <a:ext cx="8769096" cy="1363806"/>
           </a:xfrm>
         </p:spPr>
         <p:txBody>
-          <a:bodyPr anchor="b" anchorCtr="0">
+          <a:bodyPr anchor="t">
             <a:normAutofit/>
           </a:bodyPr>
           <a:lstStyle>
-            <a:lvl1pPr>
-              <a:lnSpc>
-                <a:spcPct val="85000"/>
-              </a:lnSpc>
-              <a:defRPr sz="8000" b="0">
+            <a:lvl1pPr marL="0" indent="0" algn="ctr">
+              <a:buNone/>
+              <a:defRPr sz="2200">
                 <a:solidFill>
-                  <a:schemeClr val="tx1">
-                    <a:lumMod val="85000"/>
-                    <a:lumOff val="15000"/>
-                  </a:schemeClr>
+                  <a:schemeClr val="accent1"/>
                 </a:solidFill>
-              </a:defRPr>
-            </a:lvl1pPr>
-          </a:lstStyle>
-          <a:p>
-            <a:r>
-              <a:rPr lang="en-US" smtClean="0"/>
-              <a:t>Click to edit Master title style</a:t>
-            </a:r>
-            <a:endParaRPr lang="en-US" dirty="0"/>
-          </a:p>
-        </p:txBody>
-      </p:sp>
-      <p:sp>
-        <p:nvSpPr>
-          <p:cNvPr id="3" name="Text Placeholder 2"/>
-          <p:cNvSpPr>
-            <a:spLocks noGrp="1"/>
-          </p:cNvSpPr>
-          <p:nvPr>
-            <p:ph type="body" idx="1"/>
-          </p:nvPr>
-        </p:nvSpPr>
-        <p:spPr>
-          <a:xfrm>
-            <a:off x="1097280" y="4453128"/>
-            <a:ext cx="10058400" cy="1143000"/>
-          </a:xfrm>
-        </p:spPr>
-        <p:txBody>
-          <a:bodyPr lIns="91440" rIns="91440" anchor="t" anchorCtr="0">
-            <a:normAutofit/>
-          </a:bodyPr>
-          <a:lstStyle>
-            <a:lvl1pPr marL="0" indent="0">
-              <a:buNone/>
-              <a:defRPr sz="2400" cap="all" spc="200" baseline="0">
-                <a:solidFill>
-                  <a:schemeClr val="tx2"/>
-                </a:solidFill>
-                <a:latin typeface="+mj-lt"/>
               </a:defRPr>
             </a:lvl1pPr>
             <a:lvl2pPr marL="457200" indent="0">
@@ -1364,7 +1175,7 @@
           <a:p>
             <a:fld id="{46D9A6F5-1E9F-4F7F-B335-C9B2093BF1AB}" type="datetimeFigureOut">
               <a:rPr lang="en-GB" smtClean="0"/>
-              <a:t>27/07/2016</a:t>
+              <a:t>04/08/2016</a:t>
             </a:fld>
             <a:endParaRPr lang="en-GB"/>
           </a:p>
@@ -1414,24 +1225,21 @@
       </p:sp>
       <p:cxnSp>
         <p:nvCxnSpPr>
-          <p:cNvPr id="9" name="Straight Connector 8"/>
+          <p:cNvPr id="7" name="Straight Connector 6"/>
           <p:cNvCxnSpPr/>
           <p:nvPr/>
         </p:nvCxnSpPr>
         <p:spPr>
           <a:xfrm>
-            <a:off x="1207658" y="4343400"/>
-            <a:ext cx="9875520" cy="0"/>
+            <a:off x="1981200" y="4020408"/>
+            <a:ext cx="8229601" cy="0"/>
           </a:xfrm>
           <a:prstGeom prst="line">
             <a:avLst/>
           </a:prstGeom>
-          <a:ln w="6350">
+          <a:ln>
             <a:solidFill>
-              <a:schemeClr val="tx1">
-                <a:lumMod val="50000"/>
-                <a:lumOff val="50000"/>
-              </a:schemeClr>
+              <a:schemeClr val="accent1"/>
             </a:solidFill>
           </a:ln>
         </p:spPr>
@@ -1453,7 +1261,7 @@
     </p:spTree>
     <p:extLst>
       <p:ext uri="{BB962C8B-B14F-4D97-AF65-F5344CB8AC3E}">
-        <p14:creationId xmlns:p14="http://schemas.microsoft.com/office/powerpoint/2010/main" val="2585969165"/>
+        <p14:creationId xmlns:p14="http://schemas.microsoft.com/office/powerpoint/2010/main" val="3301359698"/>
       </p:ext>
     </p:extLst>
   </p:cSld>
@@ -1490,19 +1298,99 @@
             <p:ph type="title"/>
           </p:nvPr>
         </p:nvSpPr>
+        <p:spPr/>
+        <p:txBody>
+          <a:bodyPr/>
+          <a:lstStyle/>
+          <a:p>
+            <a:r>
+              <a:rPr lang="en-US" smtClean="0"/>
+              <a:t>Click to edit Master title style</a:t>
+            </a:r>
+            <a:endParaRPr lang="en-US" dirty="0"/>
+          </a:p>
+        </p:txBody>
+      </p:sp>
+      <p:sp>
+        <p:nvSpPr>
+          <p:cNvPr id="3" name="Content Placeholder 2"/>
+          <p:cNvSpPr>
+            <a:spLocks noGrp="1"/>
+          </p:cNvSpPr>
+          <p:nvPr>
+            <p:ph sz="half" idx="1"/>
+          </p:nvPr>
+        </p:nvSpPr>
         <p:spPr>
           <a:xfrm>
-            <a:off x="1097280" y="286603"/>
-            <a:ext cx="10058400" cy="1450757"/>
+            <a:off x="1143000" y="2057399"/>
+            <a:ext cx="4754880" cy="4023360"/>
           </a:xfrm>
         </p:spPr>
         <p:txBody>
           <a:bodyPr/>
-          <a:lstStyle/>
-          <a:p>
+          <a:lstStyle>
+            <a:lvl1pPr>
+              <a:defRPr sz="2200"/>
+            </a:lvl1pPr>
+            <a:lvl2pPr>
+              <a:defRPr sz="2000"/>
+            </a:lvl2pPr>
+            <a:lvl3pPr>
+              <a:defRPr sz="1800"/>
+            </a:lvl3pPr>
+            <a:lvl4pPr>
+              <a:defRPr sz="1600"/>
+            </a:lvl4pPr>
+            <a:lvl5pPr>
+              <a:defRPr sz="1600"/>
+            </a:lvl5pPr>
+            <a:lvl6pPr>
+              <a:defRPr sz="1600"/>
+            </a:lvl6pPr>
+            <a:lvl7pPr>
+              <a:defRPr sz="1600"/>
+            </a:lvl7pPr>
+            <a:lvl8pPr>
+              <a:defRPr sz="1600"/>
+            </a:lvl8pPr>
+            <a:lvl9pPr>
+              <a:defRPr sz="1600"/>
+            </a:lvl9pPr>
+          </a:lstStyle>
+          <a:p>
+            <a:pPr lvl="0"/>
             <a:r>
               <a:rPr lang="en-US" smtClean="0"/>
-              <a:t>Click to edit Master title style</a:t>
+              <a:t>Click to edit Master text styles</a:t>
+            </a:r>
+          </a:p>
+          <a:p>
+            <a:pPr lvl="1"/>
+            <a:r>
+              <a:rPr lang="en-US" smtClean="0"/>
+              <a:t>Second level</a:t>
+            </a:r>
+          </a:p>
+          <a:p>
+            <a:pPr lvl="2"/>
+            <a:r>
+              <a:rPr lang="en-US" smtClean="0"/>
+              <a:t>Third level</a:t>
+            </a:r>
+          </a:p>
+          <a:p>
+            <a:pPr lvl="3"/>
+            <a:r>
+              <a:rPr lang="en-US" smtClean="0"/>
+              <a:t>Fourth level</a:t>
+            </a:r>
+          </a:p>
+          <a:p>
+            <a:pPr lvl="4"/>
+            <a:r>
+              <a:rPr lang="en-US" smtClean="0"/>
+              <a:t>Fifth level</a:t>
             </a:r>
             <a:endParaRPr lang="en-US" dirty="0"/>
           </a:p>
@@ -1510,23 +1398,51 @@
       </p:sp>
       <p:sp>
         <p:nvSpPr>
-          <p:cNvPr id="3" name="Content Placeholder 2"/>
-          <p:cNvSpPr>
-            <a:spLocks noGrp="1"/>
-          </p:cNvSpPr>
-          <p:nvPr>
-            <p:ph sz="half" idx="1"/>
+          <p:cNvPr id="4" name="Content Placeholder 3"/>
+          <p:cNvSpPr>
+            <a:spLocks noGrp="1"/>
+          </p:cNvSpPr>
+          <p:nvPr>
+            <p:ph sz="half" idx="2"/>
           </p:nvPr>
         </p:nvSpPr>
         <p:spPr>
           <a:xfrm>
-            <a:off x="1097279" y="1845734"/>
-            <a:ext cx="4937760" cy="4023360"/>
+            <a:off x="6267612" y="2057400"/>
+            <a:ext cx="4754880" cy="4023360"/>
           </a:xfrm>
         </p:spPr>
         <p:txBody>
           <a:bodyPr/>
-          <a:lstStyle/>
+          <a:lstStyle>
+            <a:lvl1pPr>
+              <a:defRPr sz="2200"/>
+            </a:lvl1pPr>
+            <a:lvl2pPr>
+              <a:defRPr sz="2000"/>
+            </a:lvl2pPr>
+            <a:lvl3pPr>
+              <a:defRPr sz="1800"/>
+            </a:lvl3pPr>
+            <a:lvl4pPr>
+              <a:defRPr sz="1600"/>
+            </a:lvl4pPr>
+            <a:lvl5pPr>
+              <a:defRPr sz="1600"/>
+            </a:lvl5pPr>
+            <a:lvl6pPr>
+              <a:defRPr sz="1600"/>
+            </a:lvl6pPr>
+            <a:lvl7pPr>
+              <a:defRPr sz="1600"/>
+            </a:lvl7pPr>
+            <a:lvl8pPr>
+              <a:defRPr sz="1600"/>
+            </a:lvl8pPr>
+            <a:lvl9pPr>
+              <a:defRPr sz="1600"/>
+            </a:lvl9pPr>
+          </a:lstStyle>
           <a:p>
             <a:pPr lvl="0"/>
             <a:r>
@@ -1567,63 +1483,6 @@
       </p:sp>
       <p:sp>
         <p:nvSpPr>
-          <p:cNvPr id="4" name="Content Placeholder 3"/>
-          <p:cNvSpPr>
-            <a:spLocks noGrp="1"/>
-          </p:cNvSpPr>
-          <p:nvPr>
-            <p:ph sz="half" idx="2"/>
-          </p:nvPr>
-        </p:nvSpPr>
-        <p:spPr>
-          <a:xfrm>
-            <a:off x="6217920" y="1845735"/>
-            <a:ext cx="4937760" cy="4023360"/>
-          </a:xfrm>
-        </p:spPr>
-        <p:txBody>
-          <a:bodyPr/>
-          <a:lstStyle/>
-          <a:p>
-            <a:pPr lvl="0"/>
-            <a:r>
-              <a:rPr lang="en-US" smtClean="0"/>
-              <a:t>Click to edit Master text styles</a:t>
-            </a:r>
-          </a:p>
-          <a:p>
-            <a:pPr lvl="1"/>
-            <a:r>
-              <a:rPr lang="en-US" smtClean="0"/>
-              <a:t>Second level</a:t>
-            </a:r>
-          </a:p>
-          <a:p>
-            <a:pPr lvl="2"/>
-            <a:r>
-              <a:rPr lang="en-US" smtClean="0"/>
-              <a:t>Third level</a:t>
-            </a:r>
-          </a:p>
-          <a:p>
-            <a:pPr lvl="3"/>
-            <a:r>
-              <a:rPr lang="en-US" smtClean="0"/>
-              <a:t>Fourth level</a:t>
-            </a:r>
-          </a:p>
-          <a:p>
-            <a:pPr lvl="4"/>
-            <a:r>
-              <a:rPr lang="en-US" smtClean="0"/>
-              <a:t>Fifth level</a:t>
-            </a:r>
-            <a:endParaRPr lang="en-US" dirty="0"/>
-          </a:p>
-        </p:txBody>
-      </p:sp>
-      <p:sp>
-        <p:nvSpPr>
           <p:cNvPr id="5" name="Date Placeholder 4"/>
           <p:cNvSpPr>
             <a:spLocks noGrp="1"/>
@@ -1639,7 +1498,7 @@
           <a:p>
             <a:fld id="{46D9A6F5-1E9F-4F7F-B335-C9B2093BF1AB}" type="datetimeFigureOut">
               <a:rPr lang="en-GB" smtClean="0"/>
-              <a:t>27/07/2016</a:t>
+              <a:t>04/08/2016</a:t>
             </a:fld>
             <a:endParaRPr lang="en-GB"/>
           </a:p>
@@ -1690,7 +1549,7 @@
     </p:spTree>
     <p:extLst>
       <p:ext uri="{BB962C8B-B14F-4D97-AF65-F5344CB8AC3E}">
-        <p14:creationId xmlns:p14="http://schemas.microsoft.com/office/powerpoint/2010/main" val="3249409914"/>
+        <p14:creationId xmlns:p14="http://schemas.microsoft.com/office/powerpoint/2010/main" val="2871577381"/>
       </p:ext>
     </p:extLst>
   </p:cSld>
@@ -1727,52 +1586,44 @@
             <p:ph type="title"/>
           </p:nvPr>
         </p:nvSpPr>
+        <p:spPr/>
+        <p:txBody>
+          <a:bodyPr/>
+          <a:lstStyle/>
+          <a:p>
+            <a:r>
+              <a:rPr lang="en-US" smtClean="0"/>
+              <a:t>Click to edit Master title style</a:t>
+            </a:r>
+            <a:endParaRPr lang="en-US" dirty="0"/>
+          </a:p>
+        </p:txBody>
+      </p:sp>
+      <p:sp>
+        <p:nvSpPr>
+          <p:cNvPr id="3" name="Text Placeholder 2"/>
+          <p:cNvSpPr>
+            <a:spLocks noGrp="1"/>
+          </p:cNvSpPr>
+          <p:nvPr>
+            <p:ph type="body" idx="1"/>
+          </p:nvPr>
+        </p:nvSpPr>
         <p:spPr>
           <a:xfrm>
-            <a:off x="1097280" y="286603"/>
-            <a:ext cx="10058400" cy="1450757"/>
+            <a:off x="1143000" y="2001511"/>
+            <a:ext cx="4754880" cy="777240"/>
           </a:xfrm>
         </p:spPr>
         <p:txBody>
-          <a:bodyPr/>
-          <a:lstStyle/>
-          <a:p>
-            <a:r>
-              <a:rPr lang="en-US" smtClean="0"/>
-              <a:t>Click to edit Master title style</a:t>
-            </a:r>
-            <a:endParaRPr lang="en-US" dirty="0"/>
-          </a:p>
-        </p:txBody>
-      </p:sp>
-      <p:sp>
-        <p:nvSpPr>
-          <p:cNvPr id="3" name="Text Placeholder 2"/>
-          <p:cNvSpPr>
-            <a:spLocks noGrp="1"/>
-          </p:cNvSpPr>
-          <p:nvPr>
-            <p:ph type="body" idx="1"/>
-          </p:nvPr>
-        </p:nvSpPr>
-        <p:spPr>
-          <a:xfrm>
-            <a:off x="1097280" y="1846052"/>
-            <a:ext cx="4937760" cy="736282"/>
-          </a:xfrm>
-        </p:spPr>
-        <p:txBody>
-          <a:bodyPr lIns="91440" rIns="91440" anchor="ctr">
-            <a:normAutofit/>
-          </a:bodyPr>
+          <a:bodyPr anchor="ctr"/>
           <a:lstStyle>
             <a:lvl1pPr marL="0" indent="0">
+              <a:spcBef>
+                <a:spcPts val="0"/>
+              </a:spcBef>
               <a:buNone/>
-              <a:defRPr sz="2000" b="0" cap="all" baseline="0">
-                <a:solidFill>
-                  <a:schemeClr val="tx2"/>
-                </a:solidFill>
-              </a:defRPr>
+              <a:defRPr sz="2400" b="1"/>
             </a:lvl1pPr>
             <a:lvl2pPr marL="457200" indent="0">
               <a:buNone/>
@@ -1828,13 +1679,41 @@
         </p:nvSpPr>
         <p:spPr>
           <a:xfrm>
-            <a:off x="1097280" y="2582334"/>
-            <a:ext cx="4937760" cy="3378200"/>
+            <a:off x="1143000" y="2721483"/>
+            <a:ext cx="4754880" cy="3383280"/>
           </a:xfrm>
         </p:spPr>
         <p:txBody>
           <a:bodyPr/>
-          <a:lstStyle/>
+          <a:lstStyle>
+            <a:lvl1pPr>
+              <a:defRPr sz="2200"/>
+            </a:lvl1pPr>
+            <a:lvl2pPr>
+              <a:defRPr sz="2000"/>
+            </a:lvl2pPr>
+            <a:lvl3pPr>
+              <a:defRPr sz="1800"/>
+            </a:lvl3pPr>
+            <a:lvl4pPr>
+              <a:defRPr sz="1600"/>
+            </a:lvl4pPr>
+            <a:lvl5pPr>
+              <a:defRPr sz="1600"/>
+            </a:lvl5pPr>
+            <a:lvl6pPr>
+              <a:defRPr sz="1600"/>
+            </a:lvl6pPr>
+            <a:lvl7pPr>
+              <a:defRPr sz="1600"/>
+            </a:lvl7pPr>
+            <a:lvl8pPr>
+              <a:defRPr sz="1600"/>
+            </a:lvl8pPr>
+            <a:lvl9pPr>
+              <a:defRPr sz="1600"/>
+            </a:lvl9pPr>
+          </a:lstStyle>
           <a:p>
             <a:pPr lvl="0"/>
             <a:r>
@@ -1885,22 +1764,19 @@
         </p:nvSpPr>
         <p:spPr>
           <a:xfrm>
-            <a:off x="6217920" y="1846052"/>
-            <a:ext cx="4937760" cy="736282"/>
+            <a:off x="6269173" y="1999032"/>
+            <a:ext cx="4754880" cy="777240"/>
           </a:xfrm>
         </p:spPr>
         <p:txBody>
-          <a:bodyPr lIns="91440" rIns="91440" anchor="ctr">
-            <a:normAutofit/>
-          </a:bodyPr>
+          <a:bodyPr anchor="ctr"/>
           <a:lstStyle>
             <a:lvl1pPr marL="0" indent="0">
+              <a:spcBef>
+                <a:spcPts val="0"/>
+              </a:spcBef>
               <a:buNone/>
-              <a:defRPr sz="2000" b="0" cap="all" baseline="0">
-                <a:solidFill>
-                  <a:schemeClr val="tx2"/>
-                </a:solidFill>
-              </a:defRPr>
+              <a:defRPr sz="2400" b="1"/>
             </a:lvl1pPr>
             <a:lvl2pPr marL="457200" indent="0">
               <a:buNone/>
@@ -1956,13 +1832,41 @@
         </p:nvSpPr>
         <p:spPr>
           <a:xfrm>
-            <a:off x="6217920" y="2582334"/>
-            <a:ext cx="4937760" cy="3378200"/>
+            <a:off x="6269173" y="2719322"/>
+            <a:ext cx="4754880" cy="3383280"/>
           </a:xfrm>
         </p:spPr>
         <p:txBody>
           <a:bodyPr/>
-          <a:lstStyle/>
+          <a:lstStyle>
+            <a:lvl1pPr>
+              <a:defRPr sz="2200"/>
+            </a:lvl1pPr>
+            <a:lvl2pPr>
+              <a:defRPr sz="2000"/>
+            </a:lvl2pPr>
+            <a:lvl3pPr>
+              <a:defRPr sz="1800"/>
+            </a:lvl3pPr>
+            <a:lvl4pPr>
+              <a:defRPr sz="1600"/>
+            </a:lvl4pPr>
+            <a:lvl5pPr>
+              <a:defRPr sz="1600"/>
+            </a:lvl5pPr>
+            <a:lvl6pPr>
+              <a:defRPr sz="1600"/>
+            </a:lvl6pPr>
+            <a:lvl7pPr>
+              <a:defRPr sz="1600"/>
+            </a:lvl7pPr>
+            <a:lvl8pPr>
+              <a:defRPr sz="1600"/>
+            </a:lvl8pPr>
+            <a:lvl9pPr>
+              <a:defRPr sz="1600"/>
+            </a:lvl9pPr>
+          </a:lstStyle>
           <a:p>
             <a:pPr lvl="0"/>
             <a:r>
@@ -2018,7 +1922,7 @@
           <a:p>
             <a:fld id="{46D9A6F5-1E9F-4F7F-B335-C9B2093BF1AB}" type="datetimeFigureOut">
               <a:rPr lang="en-GB" smtClean="0"/>
-              <a:t>27/07/2016</a:t>
+              <a:t>04/08/2016</a:t>
             </a:fld>
             <a:endParaRPr lang="en-GB"/>
           </a:p>
@@ -2069,7 +1973,7 @@
     </p:spTree>
     <p:extLst>
       <p:ext uri="{BB962C8B-B14F-4D97-AF65-F5344CB8AC3E}">
-        <p14:creationId xmlns:p14="http://schemas.microsoft.com/office/powerpoint/2010/main" val="4073359131"/>
+        <p14:creationId xmlns:p14="http://schemas.microsoft.com/office/powerpoint/2010/main" val="2799312443"/>
       </p:ext>
     </p:extLst>
   </p:cSld>
@@ -2136,7 +2040,7 @@
           <a:p>
             <a:fld id="{46D9A6F5-1E9F-4F7F-B335-C9B2093BF1AB}" type="datetimeFigureOut">
               <a:rPr lang="en-GB" smtClean="0"/>
-              <a:t>27/07/2016</a:t>
+              <a:t>04/08/2016</a:t>
             </a:fld>
             <a:endParaRPr lang="en-GB"/>
           </a:p>
@@ -2187,7 +2091,7 @@
     </p:spTree>
     <p:extLst>
       <p:ext uri="{BB962C8B-B14F-4D97-AF65-F5344CB8AC3E}">
-        <p14:creationId xmlns:p14="http://schemas.microsoft.com/office/powerpoint/2010/main" val="2915629447"/>
+        <p14:creationId xmlns:p14="http://schemas.microsoft.com/office/powerpoint/2010/main" val="3462885411"/>
       </p:ext>
     </p:extLst>
   </p:cSld>
@@ -2198,7 +2102,7 @@
 </file>
 
 <file path=ppt/slideLayouts/slideLayout7.xml><?xml version="1.0" encoding="utf-8"?>
-<p:sldLayout xmlns:a="http://schemas.openxmlformats.org/drawingml/2006/main" xmlns:r="http://schemas.openxmlformats.org/officeDocument/2006/relationships" xmlns:p="http://schemas.openxmlformats.org/presentationml/2006/main" showMasterSp="0" type="blank" preserve="1">
+<p:sldLayout xmlns:a="http://schemas.openxmlformats.org/drawingml/2006/main" xmlns:r="http://schemas.openxmlformats.org/officeDocument/2006/relationships" xmlns:p="http://schemas.openxmlformats.org/presentationml/2006/main" type="blank" preserve="1">
   <p:cSld name="Blank">
     <p:spTree>
       <p:nvGrpSpPr>
@@ -2216,83 +2120,7 @@
       </p:grpSpPr>
       <p:sp>
         <p:nvSpPr>
-          <p:cNvPr id="5" name="Rectangle 4"/>
-          <p:cNvSpPr/>
-          <p:nvPr/>
-        </p:nvSpPr>
-        <p:spPr>
-          <a:xfrm>
-            <a:off x="3175" y="6400800"/>
-            <a:ext cx="12188825" cy="457200"/>
-          </a:xfrm>
-          <a:prstGeom prst="rect">
-            <a:avLst/>
-          </a:prstGeom>
-          <a:solidFill>
-            <a:schemeClr val="accent2"/>
-          </a:solidFill>
-          <a:ln>
-            <a:noFill/>
-          </a:ln>
-        </p:spPr>
-        <p:style>
-          <a:lnRef idx="2">
-            <a:schemeClr val="accent1">
-              <a:shade val="50000"/>
-            </a:schemeClr>
-          </a:lnRef>
-          <a:fillRef idx="1">
-            <a:schemeClr val="accent1"/>
-          </a:fillRef>
-          <a:effectRef idx="0">
-            <a:schemeClr val="accent1"/>
-          </a:effectRef>
-          <a:fontRef idx="minor">
-            <a:schemeClr val="lt1"/>
-          </a:fontRef>
-        </p:style>
-      </p:sp>
-      <p:sp>
-        <p:nvSpPr>
-          <p:cNvPr id="6" name="Rectangle 5"/>
-          <p:cNvSpPr/>
-          <p:nvPr/>
-        </p:nvSpPr>
-        <p:spPr>
-          <a:xfrm>
-            <a:off x="15" y="6334316"/>
-            <a:ext cx="12188825" cy="64008"/>
-          </a:xfrm>
-          <a:prstGeom prst="rect">
-            <a:avLst/>
-          </a:prstGeom>
-          <a:solidFill>
-            <a:schemeClr val="accent1"/>
-          </a:solidFill>
-          <a:ln>
-            <a:noFill/>
-          </a:ln>
-        </p:spPr>
-        <p:style>
-          <a:lnRef idx="2">
-            <a:schemeClr val="accent1">
-              <a:shade val="50000"/>
-            </a:schemeClr>
-          </a:lnRef>
-          <a:fillRef idx="1">
-            <a:schemeClr val="accent1"/>
-          </a:fillRef>
-          <a:effectRef idx="0">
-            <a:schemeClr val="accent1"/>
-          </a:effectRef>
-          <a:fontRef idx="minor">
-            <a:schemeClr val="lt1"/>
-          </a:fontRef>
-        </p:style>
-      </p:sp>
-      <p:sp>
-        <p:nvSpPr>
-          <p:cNvPr id="7" name="Date Placeholder 6"/>
+          <p:cNvPr id="2" name="Date Placeholder 1"/>
           <p:cNvSpPr>
             <a:spLocks noGrp="1"/>
           </p:cNvSpPr>
@@ -2307,7 +2135,7 @@
           <a:p>
             <a:fld id="{46D9A6F5-1E9F-4F7F-B335-C9B2093BF1AB}" type="datetimeFigureOut">
               <a:rPr lang="en-GB" smtClean="0"/>
-              <a:t>27/07/2016</a:t>
+              <a:t>04/08/2016</a:t>
             </a:fld>
             <a:endParaRPr lang="en-GB"/>
           </a:p>
@@ -2315,7 +2143,7 @@
       </p:sp>
       <p:sp>
         <p:nvSpPr>
-          <p:cNvPr id="8" name="Footer Placeholder 7"/>
+          <p:cNvPr id="3" name="Footer Placeholder 2"/>
           <p:cNvSpPr>
             <a:spLocks noGrp="1"/>
           </p:cNvSpPr>
@@ -2326,15 +2154,7 @@
         <p:spPr/>
         <p:txBody>
           <a:bodyPr/>
-          <a:lstStyle>
-            <a:lvl1pPr>
-              <a:defRPr>
-                <a:solidFill>
-                  <a:srgbClr val="FFFFFF"/>
-                </a:solidFill>
-              </a:defRPr>
-            </a:lvl1pPr>
-          </a:lstStyle>
+          <a:lstStyle/>
           <a:p>
             <a:endParaRPr lang="en-GB"/>
           </a:p>
@@ -2342,7 +2162,7 @@
       </p:sp>
       <p:sp>
         <p:nvSpPr>
-          <p:cNvPr id="9" name="Slide Number Placeholder 8"/>
+          <p:cNvPr id="4" name="Slide Number Placeholder 3"/>
           <p:cNvSpPr>
             <a:spLocks noGrp="1"/>
           </p:cNvSpPr>
@@ -2366,7 +2186,7 @@
     </p:spTree>
     <p:extLst>
       <p:ext uri="{BB962C8B-B14F-4D97-AF65-F5344CB8AC3E}">
-        <p14:creationId xmlns:p14="http://schemas.microsoft.com/office/powerpoint/2010/main" val="2831117926"/>
+        <p14:creationId xmlns:p14="http://schemas.microsoft.com/office/powerpoint/2010/main" val="234688492"/>
       </p:ext>
     </p:extLst>
   </p:cSld>
@@ -2377,7 +2197,7 @@
 </file>
 
 <file path=ppt/slideLayouts/slideLayout8.xml><?xml version="1.0" encoding="utf-8"?>
-<p:sldLayout xmlns:a="http://schemas.openxmlformats.org/drawingml/2006/main" xmlns:r="http://schemas.openxmlformats.org/officeDocument/2006/relationships" xmlns:p="http://schemas.openxmlformats.org/presentationml/2006/main" showMasterSp="0" type="objTx" preserve="1">
+<p:sldLayout xmlns:a="http://schemas.openxmlformats.org/drawingml/2006/main" xmlns:r="http://schemas.openxmlformats.org/officeDocument/2006/relationships" xmlns:p="http://schemas.openxmlformats.org/presentationml/2006/main" type="objTx" preserve="1">
   <p:cSld name="Content with Caption">
     <p:spTree>
       <p:nvGrpSpPr>
@@ -2395,107 +2215,30 @@
       </p:grpSpPr>
       <p:sp>
         <p:nvSpPr>
-          <p:cNvPr id="8" name="Rectangle 7"/>
-          <p:cNvSpPr/>
-          <p:nvPr/>
+          <p:cNvPr id="2" name="Title 1"/>
+          <p:cNvSpPr>
+            <a:spLocks noGrp="1"/>
+          </p:cNvSpPr>
+          <p:nvPr>
+            <p:ph type="title"/>
+          </p:nvPr>
         </p:nvSpPr>
         <p:spPr>
           <a:xfrm>
-            <a:off x="16" y="0"/>
-            <a:ext cx="4050791" cy="6858000"/>
-          </a:xfrm>
-          <a:prstGeom prst="rect">
-            <a:avLst/>
-          </a:prstGeom>
-          <a:solidFill>
-            <a:schemeClr val="accent2"/>
-          </a:solidFill>
-          <a:ln>
-            <a:noFill/>
-          </a:ln>
-        </p:spPr>
-        <p:style>
-          <a:lnRef idx="2">
-            <a:schemeClr val="accent1">
-              <a:shade val="50000"/>
-            </a:schemeClr>
-          </a:lnRef>
-          <a:fillRef idx="1">
-            <a:schemeClr val="accent1"/>
-          </a:fillRef>
-          <a:effectRef idx="0">
-            <a:schemeClr val="accent1"/>
-          </a:effectRef>
-          <a:fontRef idx="minor">
-            <a:schemeClr val="lt1"/>
-          </a:fontRef>
-        </p:style>
-      </p:sp>
-      <p:sp>
-        <p:nvSpPr>
-          <p:cNvPr id="9" name="Rectangle 8"/>
-          <p:cNvSpPr/>
-          <p:nvPr/>
-        </p:nvSpPr>
-        <p:spPr>
-          <a:xfrm>
-            <a:off x="4040071" y="0"/>
-            <a:ext cx="64008" cy="6858000"/>
-          </a:xfrm>
-          <a:prstGeom prst="rect">
-            <a:avLst/>
-          </a:prstGeom>
-          <a:solidFill>
-            <a:schemeClr val="accent1"/>
-          </a:solidFill>
-          <a:ln>
-            <a:noFill/>
-          </a:ln>
-        </p:spPr>
-        <p:style>
-          <a:lnRef idx="2">
-            <a:schemeClr val="accent1">
-              <a:shade val="50000"/>
-            </a:schemeClr>
-          </a:lnRef>
-          <a:fillRef idx="1">
-            <a:schemeClr val="accent1"/>
-          </a:fillRef>
-          <a:effectRef idx="0">
-            <a:schemeClr val="accent1"/>
-          </a:effectRef>
-          <a:fontRef idx="minor">
-            <a:schemeClr val="lt1"/>
-          </a:fontRef>
-        </p:style>
-      </p:sp>
-      <p:sp>
-        <p:nvSpPr>
-          <p:cNvPr id="2" name="Title 1"/>
-          <p:cNvSpPr>
-            <a:spLocks noGrp="1"/>
-          </p:cNvSpPr>
-          <p:nvPr>
-            <p:ph type="title"/>
-          </p:nvPr>
-        </p:nvSpPr>
-        <p:spPr>
-          <a:xfrm>
-            <a:off x="457200" y="594359"/>
-            <a:ext cx="3200400" cy="2286000"/>
+            <a:off x="1143000" y="1097280"/>
+            <a:ext cx="3931920" cy="1737360"/>
           </a:xfrm>
         </p:spPr>
         <p:txBody>
           <a:bodyPr anchor="b">
-            <a:normAutofit/>
+            <a:noAutofit/>
           </a:bodyPr>
           <a:lstStyle>
             <a:lvl1pPr>
-              <a:defRPr sz="3600" b="0">
-                <a:solidFill>
-                  <a:srgbClr val="FFFFFF"/>
-                </a:solidFill>
-              </a:defRPr>
+              <a:lnSpc>
+                <a:spcPct val="90000"/>
+              </a:lnSpc>
+              <a:defRPr sz="4000" b="0"/>
             </a:lvl1pPr>
           </a:lstStyle>
           <a:p>
@@ -2519,13 +2262,41 @@
         </p:nvSpPr>
         <p:spPr>
           <a:xfrm>
-            <a:off x="4800600" y="731520"/>
-            <a:ext cx="6492240" cy="5257800"/>
+            <a:off x="5852159" y="1097280"/>
+            <a:ext cx="5212080" cy="4663440"/>
           </a:xfrm>
         </p:spPr>
         <p:txBody>
           <a:bodyPr/>
-          <a:lstStyle/>
+          <a:lstStyle>
+            <a:lvl1pPr>
+              <a:defRPr sz="3200"/>
+            </a:lvl1pPr>
+            <a:lvl2pPr>
+              <a:defRPr sz="2800"/>
+            </a:lvl2pPr>
+            <a:lvl3pPr>
+              <a:defRPr sz="2400"/>
+            </a:lvl3pPr>
+            <a:lvl4pPr>
+              <a:defRPr sz="2000"/>
+            </a:lvl4pPr>
+            <a:lvl5pPr>
+              <a:defRPr sz="2000"/>
+            </a:lvl5pPr>
+            <a:lvl6pPr>
+              <a:defRPr sz="2000"/>
+            </a:lvl6pPr>
+            <a:lvl7pPr>
+              <a:defRPr sz="2000"/>
+            </a:lvl7pPr>
+            <a:lvl8pPr>
+              <a:defRPr sz="2000"/>
+            </a:lvl8pPr>
+            <a:lvl9pPr>
+              <a:defRPr sz="2000"/>
+            </a:lvl9pPr>
+          </a:lstStyle>
           <a:p>
             <a:pPr lvl="0"/>
             <a:r>
@@ -2576,22 +2347,24 @@
         </p:nvSpPr>
         <p:spPr>
           <a:xfrm>
-            <a:off x="457200" y="2926080"/>
-            <a:ext cx="3200400" cy="3379124"/>
+            <a:off x="1143000" y="2834640"/>
+            <a:ext cx="3931920" cy="3017520"/>
           </a:xfrm>
         </p:spPr>
         <p:txBody>
-          <a:bodyPr lIns="91440" rIns="91440">
+          <a:bodyPr>
             <a:normAutofit/>
           </a:bodyPr>
           <a:lstStyle>
             <a:lvl1pPr marL="0" indent="0">
+              <a:lnSpc>
+                <a:spcPct val="100000"/>
+              </a:lnSpc>
+              <a:spcBef>
+                <a:spcPts val="1000"/>
+              </a:spcBef>
               <a:buNone/>
-              <a:defRPr sz="1500">
-                <a:solidFill>
-                  <a:srgbClr val="FFFFFF"/>
-                </a:solidFill>
-              </a:defRPr>
+              <a:defRPr sz="1700"/>
             </a:lvl1pPr>
             <a:lvl2pPr marL="457200" indent="0">
               <a:buNone/>
@@ -2645,23 +2418,14 @@
             <p:ph type="dt" sz="half" idx="10"/>
           </p:nvPr>
         </p:nvSpPr>
-        <p:spPr>
-          <a:xfrm>
-            <a:off x="465512" y="6459785"/>
-            <a:ext cx="2618510" cy="365125"/>
-          </a:xfrm>
-        </p:spPr>
-        <p:txBody>
-          <a:bodyPr/>
-          <a:lstStyle>
-            <a:lvl1pPr algn="l">
-              <a:defRPr/>
-            </a:lvl1pPr>
-          </a:lstStyle>
+        <p:spPr/>
+        <p:txBody>
+          <a:bodyPr/>
+          <a:lstStyle/>
           <a:p>
             <a:fld id="{46D9A6F5-1E9F-4F7F-B335-C9B2093BF1AB}" type="datetimeFigureOut">
               <a:rPr lang="en-GB" smtClean="0"/>
-              <a:t>27/07/2016</a:t>
+              <a:t>04/08/2016</a:t>
             </a:fld>
             <a:endParaRPr lang="en-GB"/>
           </a:p>
@@ -2677,23 +2441,10 @@
             <p:ph type="ftr" sz="quarter" idx="11"/>
           </p:nvPr>
         </p:nvSpPr>
-        <p:spPr>
-          <a:xfrm>
-            <a:off x="4800600" y="6459785"/>
-            <a:ext cx="4648200" cy="365125"/>
-          </a:xfrm>
-        </p:spPr>
-        <p:txBody>
-          <a:bodyPr/>
-          <a:lstStyle>
-            <a:lvl1pPr algn="l">
-              <a:defRPr>
-                <a:solidFill>
-                  <a:schemeClr val="tx2"/>
-                </a:solidFill>
-              </a:defRPr>
-            </a:lvl1pPr>
-          </a:lstStyle>
+        <p:spPr/>
+        <p:txBody>
+          <a:bodyPr/>
+          <a:lstStyle/>
           <a:p>
             <a:endParaRPr lang="en-GB"/>
           </a:p>
@@ -2712,15 +2463,7 @@
         <p:spPr/>
         <p:txBody>
           <a:bodyPr/>
-          <a:lstStyle>
-            <a:lvl1pPr>
-              <a:defRPr>
-                <a:solidFill>
-                  <a:schemeClr val="tx2"/>
-                </a:solidFill>
-              </a:defRPr>
-            </a:lvl1pPr>
-          </a:lstStyle>
+          <a:lstStyle/>
           <a:p>
             <a:fld id="{AEBEC5AE-8EEF-40C7-BCCC-42762EAC50D4}" type="slidenum">
               <a:rPr lang="en-GB" smtClean="0"/>
@@ -2733,7 +2476,7 @@
     </p:spTree>
     <p:extLst>
       <p:ext uri="{BB962C8B-B14F-4D97-AF65-F5344CB8AC3E}">
-        <p14:creationId xmlns:p14="http://schemas.microsoft.com/office/powerpoint/2010/main" val="3192872327"/>
+        <p14:creationId xmlns:p14="http://schemas.microsoft.com/office/powerpoint/2010/main" val="2611304274"/>
       </p:ext>
     </p:extLst>
   </p:cSld>
@@ -2744,7 +2487,7 @@
 </file>
 
 <file path=ppt/slideLayouts/slideLayout9.xml><?xml version="1.0" encoding="utf-8"?>
-<p:sldLayout xmlns:a="http://schemas.openxmlformats.org/drawingml/2006/main" xmlns:r="http://schemas.openxmlformats.org/officeDocument/2006/relationships" xmlns:p="http://schemas.openxmlformats.org/presentationml/2006/main" showMasterSp="0" type="picTx" preserve="1">
+<p:sldLayout xmlns:a="http://schemas.openxmlformats.org/drawingml/2006/main" xmlns:r="http://schemas.openxmlformats.org/officeDocument/2006/relationships" xmlns:p="http://schemas.openxmlformats.org/presentationml/2006/main" type="picTx" preserve="1">
   <p:cSld name="Picture with Caption">
     <p:spTree>
       <p:nvGrpSpPr>
@@ -2762,107 +2505,30 @@
       </p:grpSpPr>
       <p:sp>
         <p:nvSpPr>
-          <p:cNvPr id="8" name="Rectangle 7"/>
-          <p:cNvSpPr/>
-          <p:nvPr/>
+          <p:cNvPr id="2" name="Title 1"/>
+          <p:cNvSpPr>
+            <a:spLocks noGrp="1"/>
+          </p:cNvSpPr>
+          <p:nvPr>
+            <p:ph type="title"/>
+          </p:nvPr>
         </p:nvSpPr>
         <p:spPr>
           <a:xfrm>
-            <a:off x="0" y="4953000"/>
-            <a:ext cx="12188825" cy="1905000"/>
-          </a:xfrm>
-          <a:prstGeom prst="rect">
-            <a:avLst/>
-          </a:prstGeom>
-          <a:solidFill>
-            <a:schemeClr val="accent2"/>
-          </a:solidFill>
-          <a:ln>
-            <a:noFill/>
-          </a:ln>
-        </p:spPr>
-        <p:style>
-          <a:lnRef idx="2">
-            <a:schemeClr val="accent1">
-              <a:shade val="50000"/>
-            </a:schemeClr>
-          </a:lnRef>
-          <a:fillRef idx="1">
-            <a:schemeClr val="accent1"/>
-          </a:fillRef>
-          <a:effectRef idx="0">
-            <a:schemeClr val="accent1"/>
-          </a:effectRef>
-          <a:fontRef idx="minor">
-            <a:schemeClr val="lt1"/>
-          </a:fontRef>
-        </p:style>
-      </p:sp>
-      <p:sp>
-        <p:nvSpPr>
-          <p:cNvPr id="9" name="Rectangle 8"/>
-          <p:cNvSpPr/>
-          <p:nvPr/>
-        </p:nvSpPr>
-        <p:spPr>
-          <a:xfrm>
-            <a:off x="15" y="4915076"/>
-            <a:ext cx="12188825" cy="64008"/>
-          </a:xfrm>
-          <a:prstGeom prst="rect">
-            <a:avLst/>
-          </a:prstGeom>
-          <a:solidFill>
-            <a:schemeClr val="accent1"/>
-          </a:solidFill>
-          <a:ln>
-            <a:noFill/>
-          </a:ln>
-        </p:spPr>
-        <p:style>
-          <a:lnRef idx="2">
-            <a:schemeClr val="accent1">
-              <a:shade val="50000"/>
-            </a:schemeClr>
-          </a:lnRef>
-          <a:fillRef idx="1">
-            <a:schemeClr val="accent1"/>
-          </a:fillRef>
-          <a:effectRef idx="0">
-            <a:schemeClr val="accent1"/>
-          </a:effectRef>
-          <a:fontRef idx="minor">
-            <a:schemeClr val="lt1"/>
-          </a:fontRef>
-        </p:style>
-      </p:sp>
-      <p:sp>
-        <p:nvSpPr>
-          <p:cNvPr id="2" name="Title 1"/>
-          <p:cNvSpPr>
-            <a:spLocks noGrp="1"/>
-          </p:cNvSpPr>
-          <p:nvPr>
-            <p:ph type="title"/>
-          </p:nvPr>
-        </p:nvSpPr>
-        <p:spPr>
-          <a:xfrm>
-            <a:off x="1097280" y="5074920"/>
-            <a:ext cx="10113264" cy="822960"/>
+            <a:off x="1143000" y="1097280"/>
+            <a:ext cx="3931920" cy="1737360"/>
           </a:xfrm>
         </p:spPr>
         <p:txBody>
-          <a:bodyPr lIns="91440" tIns="0" rIns="91440" bIns="0" anchor="b">
+          <a:bodyPr anchor="b">
             <a:noAutofit/>
           </a:bodyPr>
           <a:lstStyle>
             <a:lvl1pPr>
-              <a:defRPr sz="3600" b="0">
-                <a:solidFill>
-                  <a:srgbClr val="FFFFFF"/>
-                </a:solidFill>
-              </a:defRPr>
+              <a:lnSpc>
+                <a:spcPct val="90000"/>
+              </a:lnSpc>
+              <a:defRPr sz="4000" b="0"/>
             </a:lvl1pPr>
           </a:lstStyle>
           <a:p>
@@ -2886,26 +2552,18 @@
         </p:nvSpPr>
         <p:spPr>
           <a:xfrm>
-            <a:off x="15" y="0"/>
-            <a:ext cx="12191985" cy="4915076"/>
+            <a:off x="5413248" y="1069847"/>
+            <a:ext cx="6099048" cy="4800600"/>
           </a:xfrm>
-          <a:blipFill>
-            <a:blip r:embed="rId2"/>
-            <a:stretch>
-              <a:fillRect/>
-            </a:stretch>
-          </a:blipFill>
         </p:spPr>
         <p:txBody>
-          <a:bodyPr lIns="457200" tIns="457200" anchor="t"/>
+          <a:bodyPr lIns="274320" tIns="182880" anchor="t">
+            <a:normAutofit/>
+          </a:bodyPr>
           <a:lstStyle>
             <a:lvl1pPr marL="0" indent="0">
               <a:buNone/>
-              <a:defRPr sz="3200">
-                <a:solidFill>
-                  <a:schemeClr val="bg1"/>
-                </a:solidFill>
-              </a:defRPr>
+              <a:defRPr sz="2800"/>
             </a:lvl1pPr>
             <a:lvl2pPr marL="457200" indent="0">
               <a:buNone/>
@@ -2961,28 +2619,24 @@
         </p:nvSpPr>
         <p:spPr>
           <a:xfrm>
-            <a:off x="1097280" y="5907023"/>
-            <a:ext cx="10113264" cy="594360"/>
+            <a:off x="1143000" y="2834640"/>
+            <a:ext cx="3931920" cy="2880360"/>
           </a:xfrm>
         </p:spPr>
         <p:txBody>
-          <a:bodyPr lIns="91440" tIns="0" rIns="91440" bIns="0">
+          <a:bodyPr>
             <a:normAutofit/>
           </a:bodyPr>
           <a:lstStyle>
             <a:lvl1pPr marL="0" indent="0">
+              <a:lnSpc>
+                <a:spcPct val="100000"/>
+              </a:lnSpc>
               <a:spcBef>
-                <a:spcPts val="0"/>
+                <a:spcPts val="1000"/>
               </a:spcBef>
-              <a:spcAft>
-                <a:spcPts val="600"/>
-              </a:spcAft>
               <a:buNone/>
-              <a:defRPr sz="1500">
-                <a:solidFill>
-                  <a:srgbClr val="FFFFFF"/>
-                </a:solidFill>
-              </a:defRPr>
+              <a:defRPr sz="1700"/>
             </a:lvl1pPr>
             <a:lvl2pPr marL="457200" indent="0">
               <a:buNone/>
@@ -3043,7 +2697,7 @@
           <a:p>
             <a:fld id="{46D9A6F5-1E9F-4F7F-B335-C9B2093BF1AB}" type="datetimeFigureOut">
               <a:rPr lang="en-GB" smtClean="0"/>
-              <a:t>27/07/2016</a:t>
+              <a:t>04/08/2016</a:t>
             </a:fld>
             <a:endParaRPr lang="en-GB"/>
           </a:p>
@@ -3094,7 +2748,7 @@
     </p:spTree>
     <p:extLst>
       <p:ext uri="{BB962C8B-B14F-4D97-AF65-F5344CB8AC3E}">
-        <p14:creationId xmlns:p14="http://schemas.microsoft.com/office/powerpoint/2010/main" val="2210176871"/>
+        <p14:creationId xmlns:p14="http://schemas.microsoft.com/office/powerpoint/2010/main" val="2729221233"/>
       </p:ext>
     </p:extLst>
   </p:cSld>
@@ -3108,9 +2762,12 @@
 <p:sldMaster xmlns:a="http://schemas.openxmlformats.org/drawingml/2006/main" xmlns:r="http://schemas.openxmlformats.org/officeDocument/2006/relationships" xmlns:p="http://schemas.openxmlformats.org/presentationml/2006/main">
   <p:cSld>
     <p:bg>
-      <p:bgRef idx="1001">
-        <a:schemeClr val="bg1"/>
-      </p:bgRef>
+      <p:bgPr>
+        <a:solidFill>
+          <a:schemeClr val="accent1"/>
+        </a:solidFill>
+        <a:effectLst/>
+      </p:bgPr>
     </p:bg>
     <p:spTree>
       <p:nvGrpSpPr>
@@ -3129,21 +2786,23 @@
       <p:sp>
         <p:nvSpPr>
           <p:cNvPr id="7" name="Rectangle 6"/>
-          <p:cNvSpPr/>
+          <p:cNvSpPr>
+            <a:spLocks noChangeAspect="1"/>
+          </p:cNvSpPr>
           <p:nvPr/>
         </p:nvSpPr>
         <p:spPr>
           <a:xfrm>
-            <a:off x="1" y="6400800"/>
-            <a:ext cx="12192000" cy="457200"/>
+            <a:off x="231140" y="243840"/>
+            <a:ext cx="11724640" cy="6377939"/>
           </a:xfrm>
           <a:prstGeom prst="rect">
             <a:avLst/>
           </a:prstGeom>
           <a:solidFill>
-            <a:schemeClr val="accent2"/>
+            <a:schemeClr val="bg1"/>
           </a:solidFill>
-          <a:ln>
+          <a:ln w="12700">
             <a:noFill/>
           </a:ln>
         </p:spPr>
@@ -3166,63 +2825,25 @@
       </p:sp>
       <p:sp>
         <p:nvSpPr>
-          <p:cNvPr id="9" name="Rectangle 8"/>
-          <p:cNvSpPr/>
-          <p:nvPr/>
+          <p:cNvPr id="2" name="Title Placeholder 1"/>
+          <p:cNvSpPr>
+            <a:spLocks noGrp="1"/>
+          </p:cNvSpPr>
+          <p:nvPr>
+            <p:ph type="title"/>
+          </p:nvPr>
         </p:nvSpPr>
         <p:spPr>
           <a:xfrm>
-            <a:off x="0" y="6334316"/>
-            <a:ext cx="12192001" cy="65998"/>
-          </a:xfrm>
-          <a:prstGeom prst="rect">
-            <a:avLst/>
-          </a:prstGeom>
-          <a:solidFill>
-            <a:schemeClr val="accent1"/>
-          </a:solidFill>
-          <a:ln>
-            <a:noFill/>
-          </a:ln>
-        </p:spPr>
-        <p:style>
-          <a:lnRef idx="2">
-            <a:schemeClr val="accent1">
-              <a:shade val="50000"/>
-            </a:schemeClr>
-          </a:lnRef>
-          <a:fillRef idx="1">
-            <a:schemeClr val="accent1"/>
-          </a:fillRef>
-          <a:effectRef idx="0">
-            <a:schemeClr val="accent1"/>
-          </a:effectRef>
-          <a:fontRef idx="minor">
-            <a:schemeClr val="lt1"/>
-          </a:fontRef>
-        </p:style>
-      </p:sp>
-      <p:sp>
-        <p:nvSpPr>
-          <p:cNvPr id="2" name="Title Placeholder 1"/>
-          <p:cNvSpPr>
-            <a:spLocks noGrp="1"/>
-          </p:cNvSpPr>
-          <p:nvPr>
-            <p:ph type="title"/>
-          </p:nvPr>
-        </p:nvSpPr>
-        <p:spPr>
-          <a:xfrm>
-            <a:off x="1097280" y="286603"/>
-            <a:ext cx="10058400" cy="1450757"/>
+            <a:off x="1143000" y="609600"/>
+            <a:ext cx="9875520" cy="1356360"/>
           </a:xfrm>
           <a:prstGeom prst="rect">
             <a:avLst/>
           </a:prstGeom>
         </p:spPr>
         <p:txBody>
-          <a:bodyPr vert="horz" lIns="91440" tIns="45720" rIns="91440" bIns="45720" rtlCol="0" anchor="b">
+          <a:bodyPr vert="horz" lIns="91440" tIns="45720" rIns="91440" bIns="45720" rtlCol="0" anchor="ctr">
             <a:normAutofit/>
           </a:bodyPr>
           <a:lstStyle/>
@@ -3247,15 +2868,15 @@
         </p:nvSpPr>
         <p:spPr>
           <a:xfrm>
-            <a:off x="1097280" y="1845734"/>
-            <a:ext cx="10058400" cy="4023360"/>
+            <a:off x="1143000" y="2057400"/>
+            <a:ext cx="9872871" cy="4038600"/>
           </a:xfrm>
           <a:prstGeom prst="rect">
             <a:avLst/>
           </a:prstGeom>
         </p:spPr>
         <p:txBody>
-          <a:bodyPr vert="horz" lIns="0" tIns="45720" rIns="0" bIns="45720" rtlCol="0">
+          <a:bodyPr vert="horz" lIns="91440" tIns="45720" rIns="91440" bIns="45720" rtlCol="0">
             <a:normAutofit/>
           </a:bodyPr>
           <a:lstStyle/>
@@ -3309,8 +2930,8 @@
         </p:nvSpPr>
         <p:spPr>
           <a:xfrm>
-            <a:off x="1097280" y="6459785"/>
-            <a:ext cx="2472271" cy="365125"/>
+            <a:off x="1142996" y="6223828"/>
+            <a:ext cx="2329074" cy="365125"/>
           </a:xfrm>
           <a:prstGeom prst="rect">
             <a:avLst/>
@@ -3320,9 +2941,9 @@
           <a:bodyPr vert="horz" lIns="91440" tIns="45720" rIns="91440" bIns="45720" rtlCol="0" anchor="ctr"/>
           <a:lstStyle>
             <a:lvl1pPr algn="l">
-              <a:defRPr sz="900">
+              <a:defRPr sz="1200">
                 <a:solidFill>
-                  <a:srgbClr val="FFFFFF"/>
+                  <a:schemeClr val="accent1"/>
                 </a:solidFill>
               </a:defRPr>
             </a:lvl1pPr>
@@ -3330,7 +2951,7 @@
           <a:p>
             <a:fld id="{46D9A6F5-1E9F-4F7F-B335-C9B2093BF1AB}" type="datetimeFigureOut">
               <a:rPr lang="en-GB" smtClean="0"/>
-              <a:t>27/07/2016</a:t>
+              <a:t>04/08/2016</a:t>
             </a:fld>
             <a:endParaRPr lang="en-GB"/>
           </a:p>
@@ -3348,8 +2969,8 @@
         </p:nvSpPr>
         <p:spPr>
           <a:xfrm>
-            <a:off x="3686185" y="6459785"/>
-            <a:ext cx="4822804" cy="365125"/>
+            <a:off x="3949148" y="6223828"/>
+            <a:ext cx="4717774" cy="365125"/>
           </a:xfrm>
           <a:prstGeom prst="rect">
             <a:avLst/>
@@ -3359,9 +2980,9 @@
           <a:bodyPr vert="horz" lIns="91440" tIns="45720" rIns="91440" bIns="45720" rtlCol="0" anchor="ctr"/>
           <a:lstStyle>
             <a:lvl1pPr algn="ctr">
-              <a:defRPr sz="900" cap="all" baseline="0">
+              <a:defRPr sz="1200">
                 <a:solidFill>
-                  <a:srgbClr val="FFFFFF"/>
+                  <a:schemeClr val="accent1"/>
                 </a:solidFill>
               </a:defRPr>
             </a:lvl1pPr>
@@ -3383,8 +3004,8 @@
         </p:nvSpPr>
         <p:spPr>
           <a:xfrm>
-            <a:off x="9900458" y="6459785"/>
-            <a:ext cx="1312025" cy="365125"/>
+            <a:off x="9329530" y="6223828"/>
+            <a:ext cx="1706217" cy="365125"/>
           </a:xfrm>
           <a:prstGeom prst="rect">
             <a:avLst/>
@@ -3394,9 +3015,9 @@
           <a:bodyPr vert="horz" lIns="91440" tIns="45720" rIns="91440" bIns="45720" rtlCol="0" anchor="ctr"/>
           <a:lstStyle>
             <a:lvl1pPr algn="r">
-              <a:defRPr sz="1050">
+              <a:defRPr sz="1200">
                 <a:solidFill>
-                  <a:srgbClr val="FFFFFF"/>
+                  <a:schemeClr val="accent1"/>
                 </a:solidFill>
               </a:defRPr>
             </a:lvl1pPr>
@@ -3410,81 +3031,40 @@
           </a:p>
         </p:txBody>
       </p:sp>
-      <p:cxnSp>
-        <p:nvCxnSpPr>
-          <p:cNvPr id="10" name="Straight Connector 9"/>
-          <p:cNvCxnSpPr/>
-          <p:nvPr/>
-        </p:nvCxnSpPr>
-        <p:spPr>
-          <a:xfrm>
-            <a:off x="1193532" y="1737845"/>
-            <a:ext cx="9966960" cy="0"/>
-          </a:xfrm>
-          <a:prstGeom prst="line">
-            <a:avLst/>
-          </a:prstGeom>
-          <a:ln w="6350">
-            <a:solidFill>
-              <a:schemeClr val="tx1">
-                <a:lumMod val="50000"/>
-                <a:lumOff val="50000"/>
-              </a:schemeClr>
-            </a:solidFill>
-          </a:ln>
-        </p:spPr>
-        <p:style>
-          <a:lnRef idx="1">
-            <a:schemeClr val="accent1"/>
-          </a:lnRef>
-          <a:fillRef idx="0">
-            <a:schemeClr val="accent1"/>
-          </a:fillRef>
-          <a:effectRef idx="0">
-            <a:schemeClr val="accent1"/>
-          </a:effectRef>
-          <a:fontRef idx="minor">
-            <a:schemeClr val="tx1"/>
-          </a:fontRef>
-        </p:style>
-      </p:cxnSp>
     </p:spTree>
     <p:extLst>
       <p:ext uri="{BB962C8B-B14F-4D97-AF65-F5344CB8AC3E}">
-        <p14:creationId xmlns:p14="http://schemas.microsoft.com/office/powerpoint/2010/main" val="301792103"/>
+        <p14:creationId xmlns:p14="http://schemas.microsoft.com/office/powerpoint/2010/main" val="1250545640"/>
       </p:ext>
     </p:extLst>
   </p:cSld>
   <p:clrMap bg1="lt1" tx1="dk1" bg2="lt2" tx2="dk2" accent1="accent1" accent2="accent2" accent3="accent3" accent4="accent4" accent5="accent5" accent6="accent6" hlink="hlink" folHlink="folHlink"/>
   <p:sldLayoutIdLst>
-    <p:sldLayoutId id="2147483661" r:id="rId1"/>
-    <p:sldLayoutId id="2147483662" r:id="rId2"/>
-    <p:sldLayoutId id="2147483663" r:id="rId3"/>
-    <p:sldLayoutId id="2147483664" r:id="rId4"/>
-    <p:sldLayoutId id="2147483665" r:id="rId5"/>
-    <p:sldLayoutId id="2147483666" r:id="rId6"/>
-    <p:sldLayoutId id="2147483667" r:id="rId7"/>
-    <p:sldLayoutId id="2147483668" r:id="rId8"/>
-    <p:sldLayoutId id="2147483669" r:id="rId9"/>
-    <p:sldLayoutId id="2147483670" r:id="rId10"/>
-    <p:sldLayoutId id="2147483671" r:id="rId11"/>
+    <p:sldLayoutId id="2147483673" r:id="rId1"/>
+    <p:sldLayoutId id="2147483674" r:id="rId2"/>
+    <p:sldLayoutId id="2147483675" r:id="rId3"/>
+    <p:sldLayoutId id="2147483676" r:id="rId4"/>
+    <p:sldLayoutId id="2147483677" r:id="rId5"/>
+    <p:sldLayoutId id="2147483678" r:id="rId6"/>
+    <p:sldLayoutId id="2147483679" r:id="rId7"/>
+    <p:sldLayoutId id="2147483680" r:id="rId8"/>
+    <p:sldLayoutId id="2147483681" r:id="rId9"/>
+    <p:sldLayoutId id="2147483682" r:id="rId10"/>
+    <p:sldLayoutId id="2147483683" r:id="rId11"/>
   </p:sldLayoutIdLst>
   <p:txStyles>
     <p:titleStyle>
       <a:lvl1pPr algn="l" defTabSz="914400" rtl="0" eaLnBrk="1" latinLnBrk="0" hangingPunct="1">
         <a:lnSpc>
-          <a:spcPct val="85000"/>
+          <a:spcPct val="90000"/>
         </a:lnSpc>
         <a:spcBef>
           <a:spcPct val="0"/>
         </a:spcBef>
         <a:buNone/>
-        <a:defRPr sz="4800" kern="1200" spc="-50" baseline="0">
+        <a:defRPr sz="4400" kern="1200">
           <a:solidFill>
-            <a:schemeClr val="tx1">
-              <a:lumMod val="75000"/>
-              <a:lumOff val="25000"/>
-            </a:schemeClr>
+            <a:schemeClr val="accent1"/>
           </a:solidFill>
           <a:latin typeface="+mj-lt"/>
           <a:ea typeface="+mj-ea"/>
@@ -3493,35 +3073,29 @@
       </a:lvl1pPr>
     </p:titleStyle>
     <p:bodyStyle>
-      <a:lvl1pPr marL="91440" indent="-91440" algn="l" defTabSz="914400" rtl="0" eaLnBrk="1" latinLnBrk="0" hangingPunct="1">
+      <a:lvl1pPr marL="228600" indent="-182880" algn="l" defTabSz="914400" rtl="0" eaLnBrk="1" latinLnBrk="0" hangingPunct="1">
         <a:lnSpc>
           <a:spcPct val="90000"/>
         </a:lnSpc>
         <a:spcBef>
-          <a:spcPts val="1200"/>
+          <a:spcPts val="1400"/>
         </a:spcBef>
-        <a:spcAft>
-          <a:spcPts val="200"/>
-        </a:spcAft>
         <a:buClr>
           <a:schemeClr val="accent1"/>
         </a:buClr>
-        <a:buSzPct val="100000"/>
-        <a:buFont typeface="Calibri" panose="020F0502020204030204" pitchFamily="34" charset="0"/>
-        <a:buChar char=" "/>
-        <a:defRPr sz="2000" kern="1200">
+        <a:buSzPct val="80000"/>
+        <a:buFont typeface="Corbel" pitchFamily="34" charset="0"/>
+        <a:buChar char="•"/>
+        <a:defRPr sz="2200" kern="1200">
           <a:solidFill>
-            <a:schemeClr val="tx1">
-              <a:lumMod val="75000"/>
-              <a:lumOff val="25000"/>
-            </a:schemeClr>
+            <a:schemeClr val="accent1"/>
           </a:solidFill>
           <a:latin typeface="+mn-lt"/>
           <a:ea typeface="+mn-ea"/>
           <a:cs typeface="+mn-cs"/>
         </a:defRPr>
       </a:lvl1pPr>
-      <a:lvl2pPr marL="384048" indent="-182880" algn="l" defTabSz="914400" rtl="0" eaLnBrk="1" latinLnBrk="0" hangingPunct="1">
+      <a:lvl2pPr marL="457200" indent="-182880" algn="l" defTabSz="914400" rtl="0" eaLnBrk="1" latinLnBrk="0" hangingPunct="1">
         <a:lnSpc>
           <a:spcPct val="90000"/>
         </a:lnSpc>
@@ -3534,21 +3108,19 @@
         <a:buClr>
           <a:schemeClr val="accent1"/>
         </a:buClr>
-        <a:buFont typeface="Calibri" pitchFamily="34" charset="0"/>
-        <a:buChar char="◦"/>
-        <a:defRPr sz="1800" kern="1200">
+        <a:buSzPct val="80000"/>
+        <a:buFont typeface="Corbel" pitchFamily="34" charset="0"/>
+        <a:buChar char="•"/>
+        <a:defRPr sz="2000" kern="1200">
           <a:solidFill>
-            <a:schemeClr val="tx1">
-              <a:lumMod val="75000"/>
-              <a:lumOff val="25000"/>
-            </a:schemeClr>
+            <a:schemeClr val="accent1"/>
           </a:solidFill>
           <a:latin typeface="+mn-lt"/>
           <a:ea typeface="+mn-ea"/>
           <a:cs typeface="+mn-cs"/>
         </a:defRPr>
       </a:lvl2pPr>
-      <a:lvl3pPr marL="566928" indent="-182880" algn="l" defTabSz="914400" rtl="0" eaLnBrk="1" latinLnBrk="0" hangingPunct="1">
+      <a:lvl3pPr marL="731520" indent="-182880" algn="l" defTabSz="914400" rtl="0" eaLnBrk="1" latinLnBrk="0" hangingPunct="1">
         <a:lnSpc>
           <a:spcPct val="90000"/>
         </a:lnSpc>
@@ -3561,21 +3133,19 @@
         <a:buClr>
           <a:schemeClr val="accent1"/>
         </a:buClr>
-        <a:buFont typeface="Calibri" pitchFamily="34" charset="0"/>
-        <a:buChar char="◦"/>
-        <a:defRPr sz="1400" kern="1200">
+        <a:buSzPct val="80000"/>
+        <a:buFont typeface="Corbel" pitchFamily="34" charset="0"/>
+        <a:buChar char="•"/>
+        <a:defRPr sz="1800" kern="1200">
           <a:solidFill>
-            <a:schemeClr val="tx1">
-              <a:lumMod val="75000"/>
-              <a:lumOff val="25000"/>
-            </a:schemeClr>
+            <a:schemeClr val="accent1"/>
           </a:solidFill>
           <a:latin typeface="+mn-lt"/>
           <a:ea typeface="+mn-ea"/>
           <a:cs typeface="+mn-cs"/>
         </a:defRPr>
       </a:lvl3pPr>
-      <a:lvl4pPr marL="749808" indent="-182880" algn="l" defTabSz="914400" rtl="0" eaLnBrk="1" latinLnBrk="0" hangingPunct="1">
+      <a:lvl4pPr marL="1005840" indent="-182880" algn="l" defTabSz="914400" rtl="0" eaLnBrk="1" latinLnBrk="0" hangingPunct="1">
         <a:lnSpc>
           <a:spcPct val="90000"/>
         </a:lnSpc>
@@ -3588,21 +3158,19 @@
         <a:buClr>
           <a:schemeClr val="accent1"/>
         </a:buClr>
-        <a:buFont typeface="Calibri" pitchFamily="34" charset="0"/>
-        <a:buChar char="◦"/>
-        <a:defRPr sz="1400" kern="1200">
+        <a:buSzPct val="80000"/>
+        <a:buFont typeface="Corbel" pitchFamily="34" charset="0"/>
+        <a:buChar char="•"/>
+        <a:defRPr sz="1600" kern="1200">
           <a:solidFill>
-            <a:schemeClr val="tx1">
-              <a:lumMod val="75000"/>
-              <a:lumOff val="25000"/>
-            </a:schemeClr>
+            <a:schemeClr val="accent1"/>
           </a:solidFill>
           <a:latin typeface="+mn-lt"/>
           <a:ea typeface="+mn-ea"/>
           <a:cs typeface="+mn-cs"/>
         </a:defRPr>
       </a:lvl4pPr>
-      <a:lvl5pPr marL="932688" indent="-182880" algn="l" defTabSz="914400" rtl="0" eaLnBrk="1" latinLnBrk="0" hangingPunct="1">
+      <a:lvl5pPr marL="1280160" indent="-182880" algn="l" defTabSz="914400" rtl="0" eaLnBrk="1" latinLnBrk="0" hangingPunct="1">
         <a:lnSpc>
           <a:spcPct val="90000"/>
         </a:lnSpc>
@@ -3615,21 +3183,19 @@
         <a:buClr>
           <a:schemeClr val="accent1"/>
         </a:buClr>
-        <a:buFont typeface="Calibri" pitchFamily="34" charset="0"/>
-        <a:buChar char="◦"/>
-        <a:defRPr sz="1400" kern="1200">
+        <a:buSzPct val="80000"/>
+        <a:buFont typeface="Corbel" pitchFamily="34" charset="0"/>
+        <a:buChar char="•"/>
+        <a:defRPr sz="1600" kern="1200">
           <a:solidFill>
-            <a:schemeClr val="tx1">
-              <a:lumMod val="75000"/>
-              <a:lumOff val="25000"/>
-            </a:schemeClr>
+            <a:schemeClr val="accent1"/>
           </a:solidFill>
           <a:latin typeface="+mn-lt"/>
           <a:ea typeface="+mn-ea"/>
           <a:cs typeface="+mn-cs"/>
         </a:defRPr>
       </a:lvl5pPr>
-      <a:lvl6pPr marL="1100000" indent="-228600" algn="l" defTabSz="914400" rtl="0" eaLnBrk="1" latinLnBrk="0" hangingPunct="1">
+      <a:lvl6pPr marL="1600000" indent="-228600" algn="l" defTabSz="914400" rtl="0" eaLnBrk="1" latinLnBrk="0" hangingPunct="1">
         <a:lnSpc>
           <a:spcPct val="90000"/>
         </a:lnSpc>
@@ -3642,21 +3208,19 @@
         <a:buClr>
           <a:schemeClr val="accent1"/>
         </a:buClr>
-        <a:buFont typeface="Calibri" pitchFamily="34" charset="0"/>
-        <a:buChar char="◦"/>
-        <a:defRPr sz="1400" kern="1200">
+        <a:buSzPct val="80000"/>
+        <a:buFont typeface="Corbel" pitchFamily="34" charset="0"/>
+        <a:buChar char="•"/>
+        <a:defRPr sz="1600" kern="1200">
           <a:solidFill>
-            <a:schemeClr val="tx1">
-              <a:lumMod val="75000"/>
-              <a:lumOff val="25000"/>
-            </a:schemeClr>
+            <a:schemeClr val="accent1"/>
           </a:solidFill>
           <a:latin typeface="+mn-lt"/>
           <a:ea typeface="+mn-ea"/>
           <a:cs typeface="+mn-cs"/>
         </a:defRPr>
       </a:lvl6pPr>
-      <a:lvl7pPr marL="1300000" indent="-228600" algn="l" defTabSz="914400" rtl="0" eaLnBrk="1" latinLnBrk="0" hangingPunct="1">
+      <a:lvl7pPr marL="1900000" indent="-228600" algn="l" defTabSz="914400" rtl="0" eaLnBrk="1" latinLnBrk="0" hangingPunct="1">
         <a:lnSpc>
           <a:spcPct val="90000"/>
         </a:lnSpc>
@@ -3669,21 +3233,19 @@
         <a:buClr>
           <a:schemeClr val="accent1"/>
         </a:buClr>
-        <a:buFont typeface="Calibri" pitchFamily="34" charset="0"/>
-        <a:buChar char="◦"/>
-        <a:defRPr sz="1400" kern="1200">
+        <a:buSzPct val="80000"/>
+        <a:buFont typeface="Corbel" pitchFamily="34" charset="0"/>
+        <a:buChar char="•"/>
+        <a:defRPr sz="1600" kern="1200">
           <a:solidFill>
-            <a:schemeClr val="tx1">
-              <a:lumMod val="75000"/>
-              <a:lumOff val="25000"/>
-            </a:schemeClr>
+            <a:schemeClr val="accent1"/>
           </a:solidFill>
           <a:latin typeface="+mn-lt"/>
           <a:ea typeface="+mn-ea"/>
           <a:cs typeface="+mn-cs"/>
         </a:defRPr>
       </a:lvl7pPr>
-      <a:lvl8pPr marL="1500000" indent="-228600" algn="l" defTabSz="914400" rtl="0" eaLnBrk="1" latinLnBrk="0" hangingPunct="1">
+      <a:lvl8pPr marL="2200000" indent="-228600" algn="l" defTabSz="914400" rtl="0" eaLnBrk="1" latinLnBrk="0" hangingPunct="1">
         <a:lnSpc>
           <a:spcPct val="90000"/>
         </a:lnSpc>
@@ -3696,21 +3258,19 @@
         <a:buClr>
           <a:schemeClr val="accent1"/>
         </a:buClr>
-        <a:buFont typeface="Calibri" pitchFamily="34" charset="0"/>
-        <a:buChar char="◦"/>
-        <a:defRPr sz="1400" kern="1200">
+        <a:buSzPct val="80000"/>
+        <a:buFont typeface="Corbel" pitchFamily="34" charset="0"/>
+        <a:buChar char="•"/>
+        <a:defRPr sz="1600" kern="1200">
           <a:solidFill>
-            <a:schemeClr val="tx1">
-              <a:lumMod val="75000"/>
-              <a:lumOff val="25000"/>
-            </a:schemeClr>
+            <a:schemeClr val="accent1"/>
           </a:solidFill>
           <a:latin typeface="+mn-lt"/>
           <a:ea typeface="+mn-ea"/>
           <a:cs typeface="+mn-cs"/>
         </a:defRPr>
       </a:lvl8pPr>
-      <a:lvl9pPr marL="1700000" indent="-228600" algn="l" defTabSz="914400" rtl="0" eaLnBrk="1" latinLnBrk="0" hangingPunct="1">
+      <a:lvl9pPr marL="2500000" indent="-228600" algn="l" defTabSz="914400" rtl="0" eaLnBrk="1" latinLnBrk="0" hangingPunct="1">
         <a:lnSpc>
           <a:spcPct val="90000"/>
         </a:lnSpc>
@@ -3723,14 +3283,12 @@
         <a:buClr>
           <a:schemeClr val="accent1"/>
         </a:buClr>
-        <a:buFont typeface="Calibri" pitchFamily="34" charset="0"/>
-        <a:buChar char="◦"/>
-        <a:defRPr sz="1400" kern="1200">
+        <a:buSzPct val="80000"/>
+        <a:buFont typeface="Corbel" pitchFamily="34" charset="0"/>
+        <a:buChar char="•"/>
+        <a:defRPr sz="1600" kern="1200">
           <a:solidFill>
-            <a:schemeClr val="tx1">
-              <a:lumMod val="75000"/>
-              <a:lumOff val="25000"/>
-            </a:schemeClr>
+            <a:schemeClr val="accent1"/>
           </a:solidFill>
           <a:latin typeface="+mn-lt"/>
           <a:ea typeface="+mn-ea"/>
@@ -3916,7 +3474,9 @@
           </a:xfrm>
         </p:spPr>
         <p:txBody>
-          <a:bodyPr/>
+          <a:bodyPr>
+            <a:normAutofit fontScale="90000"/>
+          </a:bodyPr>
           <a:lstStyle/>
           <a:p>
             <a:r>
@@ -3961,8 +3521,8 @@
         </p:nvSpPr>
         <p:spPr>
           <a:xfrm>
-            <a:off x="4075211" y="4269151"/>
-            <a:ext cx="4005330" cy="369332"/>
+            <a:off x="4126725" y="3774579"/>
+            <a:ext cx="4357589" cy="369332"/>
           </a:xfrm>
           <a:prstGeom prst="rect">
             <a:avLst/>
@@ -9211,93 +8771,58 @@
 </file>
 
 <file path=ppt/theme/theme1.xml><?xml version="1.0" encoding="utf-8"?>
-<a:theme xmlns:a="http://schemas.openxmlformats.org/drawingml/2006/main" name="Retrospect">
+<a:theme xmlns:a="http://schemas.openxmlformats.org/drawingml/2006/main" name="Basis">
   <a:themeElements>
-    <a:clrScheme name="Retrospect">
+    <a:clrScheme name="Basis">
       <a:dk1>
         <a:srgbClr val="000000"/>
       </a:dk1>
       <a:lt1>
-        <a:sysClr val="window" lastClr="FFFFFF"/>
+        <a:srgbClr val="FFFFFF"/>
       </a:lt1>
       <a:dk2>
-        <a:srgbClr val="637052"/>
+        <a:srgbClr val="565349"/>
       </a:dk2>
       <a:lt2>
-        <a:srgbClr val="CCDDEA"/>
+        <a:srgbClr val="DDDDDD"/>
       </a:lt2>
       <a:accent1>
-        <a:srgbClr val="E48312"/>
+        <a:srgbClr val="A6B727"/>
       </a:accent1>
       <a:accent2>
-        <a:srgbClr val="BD582C"/>
+        <a:srgbClr val="DF5327"/>
       </a:accent2>
       <a:accent3>
-        <a:srgbClr val="865640"/>
+        <a:srgbClr val="FE9E00"/>
       </a:accent3>
       <a:accent4>
-        <a:srgbClr val="9B8357"/>
+        <a:srgbClr val="418AB3"/>
       </a:accent4>
       <a:accent5>
-        <a:srgbClr val="C2BC80"/>
+        <a:srgbClr val="D7D447"/>
       </a:accent5>
       <a:accent6>
-        <a:srgbClr val="94A088"/>
+        <a:srgbClr val="818183"/>
       </a:accent6>
       <a:hlink>
-        <a:srgbClr val="2998E3"/>
+        <a:srgbClr val="F59E00"/>
       </a:hlink>
       <a:folHlink>
-        <a:srgbClr val="8C8C8C"/>
+        <a:srgbClr val="B2B2B2"/>
       </a:folHlink>
     </a:clrScheme>
-    <a:fontScheme name="Retrospect">
+    <a:fontScheme name="Basis">
       <a:majorFont>
-        <a:latin typeface="Calibri Light" panose="020F0302020204030204"/>
+        <a:latin typeface="Corbel" panose="020B0503020204020204"/>
         <a:ea typeface=""/>
         <a:cs typeface=""/>
-        <a:font script="Jpan" typeface="ＭＳ Ｐゴシック"/>
+        <a:font script="Jpan" typeface="ＭＳ ゴシック"/>
         <a:font script="Hang" typeface="맑은 고딕"/>
         <a:font script="Hans" typeface="宋体"/>
         <a:font script="Hant" typeface="新細明體"/>
-        <a:font script="Arab" typeface="Times New Roman"/>
-        <a:font script="Hebr" typeface="Times New Roman"/>
-        <a:font script="Thai" typeface="Angsana New"/>
-        <a:font script="Ethi" typeface="Nyala"/>
-        <a:font script="Beng" typeface="Vrinda"/>
-        <a:font script="Gujr" typeface="Shruti"/>
-        <a:font script="Khmr" typeface="MoolBoran"/>
-        <a:font script="Knda" typeface="Tunga"/>
-        <a:font script="Guru" typeface="Raavi"/>
-        <a:font script="Cans" typeface="Euphemia"/>
-        <a:font script="Cher" typeface="Plantagenet Cherokee"/>
-        <a:font script="Yiii" typeface="Microsoft Yi Baiti"/>
-        <a:font script="Tibt" typeface="Microsoft Himalaya"/>
-        <a:font script="Thaa" typeface="MV Boli"/>
-        <a:font script="Deva" typeface="Mangal"/>
-        <a:font script="Telu" typeface="Gautami"/>
-        <a:font script="Taml" typeface="Latha"/>
-        <a:font script="Syrc" typeface="Estrangelo Edessa"/>
-        <a:font script="Orya" typeface="Kalinga"/>
-        <a:font script="Mlym" typeface="Kartika"/>
-        <a:font script="Laoo" typeface="DokChampa"/>
-        <a:font script="Sinh" typeface="Iskoola Pota"/>
-        <a:font script="Mong" typeface="Mongolian Baiti"/>
-        <a:font script="Viet" typeface="Times New Roman"/>
-        <a:font script="Uigh" typeface="Microsoft Uighur"/>
-        <a:font script="Geor" typeface="Sylfaen"/>
-      </a:majorFont>
-      <a:minorFont>
-        <a:latin typeface="Calibri" panose="020F0502020204030204"/>
-        <a:ea typeface=""/>
-        <a:cs typeface=""/>
-        <a:font script="Jpan" typeface="ＭＳ Ｐゴシック"/>
-        <a:font script="Hang" typeface="맑은 고딕"/>
-        <a:font script="Hans" typeface="宋体"/>
-        <a:font script="Hant" typeface="新細明體"/>
-        <a:font script="Arab" typeface="Arial"/>
-        <a:font script="Hebr" typeface="Arial"/>
-        <a:font script="Thai" typeface="Cordia New"/>
+        <a:font script="Arab" typeface="Tahoma"/>
+        <a:font script="Hebr" typeface="Gisha"/>
+        <a:font script="Thai" typeface="DilleniaUPC"/>
         <a:font script="Ethi" typeface="Nyala"/>
         <a:font script="Beng" typeface="Vrinda"/>
         <a:font script="Gujr" typeface="Shruti"/>
@@ -9318,69 +8843,72 @@
         <a:font script="Laoo" typeface="DokChampa"/>
         <a:font script="Sinh" typeface="Iskoola Pota"/>
         <a:font script="Mong" typeface="Mongolian Baiti"/>
-        <a:font script="Viet" typeface="Arial"/>
+        <a:font script="Viet" typeface="Tahoma"/>
+        <a:font script="Uigh" typeface="Microsoft Uighur"/>
+        <a:font script="Geor" typeface="Sylfaen"/>
+      </a:majorFont>
+      <a:minorFont>
+        <a:latin typeface="Corbel" panose="020B0503020204020204"/>
+        <a:ea typeface=""/>
+        <a:cs typeface=""/>
+        <a:font script="Jpan" typeface="ＭＳ ゴシック"/>
+        <a:font script="Hang" typeface="맑은 고딕"/>
+        <a:font script="Hans" typeface="宋体"/>
+        <a:font script="Hant" typeface="新細明體"/>
+        <a:font script="Arab" typeface="Tahoma"/>
+        <a:font script="Hebr" typeface="Gisha"/>
+        <a:font script="Thai" typeface="DilleniaUPC"/>
+        <a:font script="Ethi" typeface="Nyala"/>
+        <a:font script="Beng" typeface="Vrinda"/>
+        <a:font script="Gujr" typeface="Shruti"/>
+        <a:font script="Khmr" typeface="DaunPenh"/>
+        <a:font script="Knda" typeface="Tunga"/>
+        <a:font script="Guru" typeface="Raavi"/>
+        <a:font script="Cans" typeface="Euphemia"/>
+        <a:font script="Cher" typeface="Plantagenet Cherokee"/>
+        <a:font script="Yiii" typeface="Microsoft Yi Baiti"/>
+        <a:font script="Tibt" typeface="Microsoft Himalaya"/>
+        <a:font script="Thaa" typeface="MV Boli"/>
+        <a:font script="Deva" typeface="Mangal"/>
+        <a:font script="Telu" typeface="Gautami"/>
+        <a:font script="Taml" typeface="Latha"/>
+        <a:font script="Syrc" typeface="Estrangelo Edessa"/>
+        <a:font script="Orya" typeface="Kalinga"/>
+        <a:font script="Mlym" typeface="Kartika"/>
+        <a:font script="Laoo" typeface="DokChampa"/>
+        <a:font script="Sinh" typeface="Iskoola Pota"/>
+        <a:font script="Mong" typeface="Mongolian Baiti"/>
+        <a:font script="Viet" typeface="Verdana"/>
         <a:font script="Uigh" typeface="Microsoft Uighur"/>
         <a:font script="Geor" typeface="Sylfaen"/>
       </a:minorFont>
     </a:fontScheme>
-    <a:fmtScheme name="Retrospect">
+    <a:fmtScheme name="Basis">
       <a:fillStyleLst>
         <a:solidFill>
           <a:schemeClr val="phClr"/>
         </a:solidFill>
+        <a:solidFill>
+          <a:schemeClr val="phClr">
+            <a:tint val="55000"/>
+            <a:satMod val="130000"/>
+          </a:schemeClr>
+        </a:solidFill>
         <a:gradFill rotWithShape="1">
           <a:gsLst>
             <a:gs pos="0">
+              <a:schemeClr val="phClr"/>
+            </a:gs>
+            <a:gs pos="90000">
               <a:schemeClr val="phClr">
-                <a:tint val="65000"/>
-                <a:shade val="92000"/>
-                <a:satMod val="130000"/>
-              </a:schemeClr>
-            </a:gs>
-            <a:gs pos="45000">
-              <a:schemeClr val="phClr">
-                <a:tint val="60000"/>
-                <a:shade val="99000"/>
-                <a:satMod val="120000"/>
+                <a:shade val="100000"/>
+                <a:satMod val="105000"/>
               </a:schemeClr>
             </a:gs>
             <a:gs pos="100000">
               <a:schemeClr val="phClr">
-                <a:tint val="55000"/>
-                <a:satMod val="140000"/>
-              </a:schemeClr>
-            </a:gs>
-          </a:gsLst>
-          <a:path path="circle">
-            <a:fillToRect l="100000" t="100000" r="100000" b="100000"/>
-          </a:path>
-        </a:gradFill>
-        <a:gradFill rotWithShape="1">
-          <a:gsLst>
-            <a:gs pos="0">
-              <a:schemeClr val="phClr">
-                <a:shade val="85000"/>
-                <a:satMod val="130000"/>
-              </a:schemeClr>
-            </a:gs>
-            <a:gs pos="34000">
-              <a:schemeClr val="phClr">
-                <a:shade val="87000"/>
-                <a:satMod val="125000"/>
-              </a:schemeClr>
-            </a:gs>
-            <a:gs pos="70000">
-              <a:schemeClr val="phClr">
-                <a:tint val="100000"/>
-                <a:shade val="90000"/>
-                <a:satMod val="130000"/>
-              </a:schemeClr>
-            </a:gs>
-            <a:gs pos="100000">
-              <a:schemeClr val="phClr">
-                <a:tint val="100000"/>
-                <a:shade val="100000"/>
-                <a:satMod val="110000"/>
+                <a:shade val="80000"/>
+                <a:satMod val="120000"/>
               </a:schemeClr>
             </a:gs>
           </a:gsLst>
@@ -9390,19 +8918,19 @@
         </a:gradFill>
       </a:fillStyleLst>
       <a:lnStyleLst>
-        <a:ln w="12700" cap="flat" cmpd="sng" algn="ctr">
+        <a:ln w="10000" cap="flat" cmpd="sng" algn="ctr">
           <a:solidFill>
             <a:schemeClr val="phClr"/>
           </a:solidFill>
           <a:prstDash val="solid"/>
         </a:ln>
-        <a:ln w="15875" cap="flat" cmpd="sng" algn="ctr">
+        <a:ln w="19050" cap="flat" cmpd="sng" algn="ctr">
           <a:solidFill>
             <a:schemeClr val="phClr"/>
           </a:solidFill>
           <a:prstDash val="solid"/>
         </a:ln>
-        <a:ln w="25400" cap="flat" cmpd="sng" algn="ctr">
+        <a:ln w="53975" cap="flat" cmpd="dbl" algn="ctr">
           <a:solidFill>
             <a:schemeClr val="phClr"/>
           </a:solidFill>
@@ -9415,18 +8943,18 @@
         </a:effectStyle>
         <a:effectStyle>
           <a:effectLst>
-            <a:outerShdw blurRad="38100" dist="25400" dir="2700000" algn="br" rotWithShape="0">
+            <a:outerShdw blurRad="38100" dist="25400" dir="5400000" rotWithShape="0">
               <a:srgbClr val="000000">
-                <a:alpha val="60000"/>
+                <a:alpha val="45000"/>
               </a:srgbClr>
             </a:outerShdw>
           </a:effectLst>
         </a:effectStyle>
         <a:effectStyle>
           <a:effectLst>
-            <a:outerShdw blurRad="44450" dist="25400" dir="2700000" algn="br" rotWithShape="0">
+            <a:outerShdw blurRad="38100" dist="25400" dir="5400000" rotWithShape="0">
               <a:srgbClr val="000000">
-                <a:alpha val="60000"/>
+                <a:alpha val="45000"/>
               </a:srgbClr>
             </a:outerShdw>
           </a:effectLst>
@@ -9434,12 +8962,16 @@
             <a:camera prst="orthographicFront">
               <a:rot lat="0" lon="0" rev="0"/>
             </a:camera>
-            <a:lightRig rig="threePt" dir="t">
-              <a:rot lat="0" lon="0" rev="19800000"/>
-            </a:lightRig>
+            <a:lightRig rig="brightRoom" dir="t"/>
           </a:scene3d>
-          <a:sp3d prstMaterial="flat">
-            <a:bevelT w="25400" h="31750"/>
+          <a:sp3d extrusionH="12700" contourW="25400" prstMaterial="flat">
+            <a:bevelT w="63500" h="152400" prst="angle"/>
+            <a:contourClr>
+              <a:schemeClr val="phClr">
+                <a:shade val="27000"/>
+                <a:satMod val="120000"/>
+              </a:schemeClr>
+            </a:contourClr>
           </a:sp3d>
         </a:effectStyle>
       </a:effectStyleLst>
@@ -9449,37 +8981,19 @@
         </a:solidFill>
         <a:solidFill>
           <a:schemeClr val="phClr">
-            <a:tint val="90000"/>
-            <a:shade val="97000"/>
-            <a:satMod val="130000"/>
+            <a:tint val="95000"/>
+            <a:shade val="95000"/>
+            <a:satMod val="140000"/>
           </a:schemeClr>
         </a:solidFill>
-        <a:gradFill rotWithShape="1">
-          <a:gsLst>
-            <a:gs pos="0">
-              <a:schemeClr val="phClr">
-                <a:tint val="96000"/>
-                <a:shade val="99000"/>
-                <a:satMod val="140000"/>
-              </a:schemeClr>
-            </a:gs>
-            <a:gs pos="65000">
-              <a:schemeClr val="phClr">
-                <a:tint val="100000"/>
-                <a:shade val="80000"/>
-                <a:satMod val="130000"/>
-              </a:schemeClr>
-            </a:gs>
-            <a:gs pos="100000">
-              <a:schemeClr val="phClr">
-                <a:tint val="100000"/>
-                <a:shade val="48000"/>
-                <a:satMod val="120000"/>
-              </a:schemeClr>
-            </a:gs>
-          </a:gsLst>
-          <a:lin ang="16200000" scaled="0"/>
-        </a:gradFill>
+        <a:solidFill>
+          <a:schemeClr val="phClr">
+            <a:tint val="90000"/>
+            <a:shade val="85000"/>
+            <a:satMod val="160000"/>
+            <a:lumMod val="110000"/>
+          </a:schemeClr>
+        </a:solidFill>
       </a:bgFillStyleLst>
     </a:fmtScheme>
   </a:themeElements>
@@ -9487,7 +9001,7 @@
   <a:extraClrSchemeLst/>
   <a:extLst>
     <a:ext uri="{05A4C25C-085E-4340-85A3-A5531E510DB2}">
-      <thm15:themeFamily xmlns:thm15="http://schemas.microsoft.com/office/thememl/2012/main" name="Retrospect" id="{5F128B03-DCCA-4EEB-AB3B-CF2899314A46}" vid="{3F1AAB62-24C6-49D2-8E01-B56FAC9A3DCD}"/>
+      <thm15:themeFamily xmlns:thm15="http://schemas.microsoft.com/office/thememl/2012/main" name="Basis" id="{5665723A-49BA-4B57-8411-A56F8F207965}" vid="{90E45F77-AEFC-46EF-A7C1-5B338C297B02}"/>
     </a:ext>
   </a:extLst>
 </a:theme>

--- a/course/Spring-Day1.pptx
+++ b/course/Spring-Day1.pptx
@@ -8,49 +8,50 @@
     <p:sldId id="256" r:id="rId2"/>
     <p:sldId id="257" r:id="rId3"/>
     <p:sldId id="258" r:id="rId4"/>
-    <p:sldId id="259" r:id="rId5"/>
-    <p:sldId id="260" r:id="rId6"/>
-    <p:sldId id="261" r:id="rId7"/>
-    <p:sldId id="262" r:id="rId8"/>
-    <p:sldId id="263" r:id="rId9"/>
-    <p:sldId id="264" r:id="rId10"/>
-    <p:sldId id="266" r:id="rId11"/>
-    <p:sldId id="267" r:id="rId12"/>
-    <p:sldId id="268" r:id="rId13"/>
-    <p:sldId id="269" r:id="rId14"/>
-    <p:sldId id="270" r:id="rId15"/>
-    <p:sldId id="271" r:id="rId16"/>
-    <p:sldId id="272" r:id="rId17"/>
-    <p:sldId id="273" r:id="rId18"/>
-    <p:sldId id="274" r:id="rId19"/>
-    <p:sldId id="275" r:id="rId20"/>
-    <p:sldId id="276" r:id="rId21"/>
-    <p:sldId id="277" r:id="rId22"/>
-    <p:sldId id="278" r:id="rId23"/>
-    <p:sldId id="279" r:id="rId24"/>
-    <p:sldId id="265" r:id="rId25"/>
-    <p:sldId id="280" r:id="rId26"/>
-    <p:sldId id="281" r:id="rId27"/>
-    <p:sldId id="282" r:id="rId28"/>
-    <p:sldId id="283" r:id="rId29"/>
-    <p:sldId id="284" r:id="rId30"/>
-    <p:sldId id="285" r:id="rId31"/>
-    <p:sldId id="286" r:id="rId32"/>
-    <p:sldId id="287" r:id="rId33"/>
-    <p:sldId id="288" r:id="rId34"/>
-    <p:sldId id="289" r:id="rId35"/>
-    <p:sldId id="290" r:id="rId36"/>
-    <p:sldId id="291" r:id="rId37"/>
-    <p:sldId id="292" r:id="rId38"/>
-    <p:sldId id="293" r:id="rId39"/>
-    <p:sldId id="294" r:id="rId40"/>
-    <p:sldId id="295" r:id="rId41"/>
-    <p:sldId id="296" r:id="rId42"/>
-    <p:sldId id="297" r:id="rId43"/>
-    <p:sldId id="298" r:id="rId44"/>
-    <p:sldId id="299" r:id="rId45"/>
-    <p:sldId id="300" r:id="rId46"/>
-    <p:sldId id="301" r:id="rId47"/>
+    <p:sldId id="302" r:id="rId5"/>
+    <p:sldId id="259" r:id="rId6"/>
+    <p:sldId id="260" r:id="rId7"/>
+    <p:sldId id="261" r:id="rId8"/>
+    <p:sldId id="262" r:id="rId9"/>
+    <p:sldId id="263" r:id="rId10"/>
+    <p:sldId id="264" r:id="rId11"/>
+    <p:sldId id="266" r:id="rId12"/>
+    <p:sldId id="267" r:id="rId13"/>
+    <p:sldId id="268" r:id="rId14"/>
+    <p:sldId id="269" r:id="rId15"/>
+    <p:sldId id="270" r:id="rId16"/>
+    <p:sldId id="271" r:id="rId17"/>
+    <p:sldId id="272" r:id="rId18"/>
+    <p:sldId id="273" r:id="rId19"/>
+    <p:sldId id="274" r:id="rId20"/>
+    <p:sldId id="275" r:id="rId21"/>
+    <p:sldId id="276" r:id="rId22"/>
+    <p:sldId id="277" r:id="rId23"/>
+    <p:sldId id="278" r:id="rId24"/>
+    <p:sldId id="279" r:id="rId25"/>
+    <p:sldId id="265" r:id="rId26"/>
+    <p:sldId id="280" r:id="rId27"/>
+    <p:sldId id="281" r:id="rId28"/>
+    <p:sldId id="282" r:id="rId29"/>
+    <p:sldId id="283" r:id="rId30"/>
+    <p:sldId id="284" r:id="rId31"/>
+    <p:sldId id="285" r:id="rId32"/>
+    <p:sldId id="286" r:id="rId33"/>
+    <p:sldId id="287" r:id="rId34"/>
+    <p:sldId id="288" r:id="rId35"/>
+    <p:sldId id="289" r:id="rId36"/>
+    <p:sldId id="290" r:id="rId37"/>
+    <p:sldId id="291" r:id="rId38"/>
+    <p:sldId id="292" r:id="rId39"/>
+    <p:sldId id="293" r:id="rId40"/>
+    <p:sldId id="294" r:id="rId41"/>
+    <p:sldId id="295" r:id="rId42"/>
+    <p:sldId id="296" r:id="rId43"/>
+    <p:sldId id="297" r:id="rId44"/>
+    <p:sldId id="298" r:id="rId45"/>
+    <p:sldId id="299" r:id="rId46"/>
+    <p:sldId id="300" r:id="rId47"/>
+    <p:sldId id="301" r:id="rId48"/>
   </p:sldIdLst>
   <p:sldSz cx="12192000" cy="6858000"/>
   <p:notesSz cx="6858000" cy="9144000"/>
@@ -353,7 +354,7 @@
           <a:p>
             <a:fld id="{46D9A6F5-1E9F-4F7F-B335-C9B2093BF1AB}" type="datetimeFigureOut">
               <a:rPr lang="en-GB" smtClean="0"/>
-              <a:t>04/08/2016</a:t>
+              <a:t>08/08/2016</a:t>
             </a:fld>
             <a:endParaRPr lang="en-GB"/>
           </a:p>
@@ -574,7 +575,7 @@
           <a:p>
             <a:fld id="{46D9A6F5-1E9F-4F7F-B335-C9B2093BF1AB}" type="datetimeFigureOut">
               <a:rPr lang="en-GB" smtClean="0"/>
-              <a:t>04/08/2016</a:t>
+              <a:t>08/08/2016</a:t>
             </a:fld>
             <a:endParaRPr lang="en-GB"/>
           </a:p>
@@ -754,7 +755,7 @@
           <a:p>
             <a:fld id="{46D9A6F5-1E9F-4F7F-B335-C9B2093BF1AB}" type="datetimeFigureOut">
               <a:rPr lang="en-GB" smtClean="0"/>
-              <a:t>04/08/2016</a:t>
+              <a:t>08/08/2016</a:t>
             </a:fld>
             <a:endParaRPr lang="en-GB"/>
           </a:p>
@@ -924,7 +925,7 @@
           <a:p>
             <a:fld id="{46D9A6F5-1E9F-4F7F-B335-C9B2093BF1AB}" type="datetimeFigureOut">
               <a:rPr lang="en-GB" smtClean="0"/>
-              <a:t>04/08/2016</a:t>
+              <a:t>08/08/2016</a:t>
             </a:fld>
             <a:endParaRPr lang="en-GB"/>
           </a:p>
@@ -1175,7 +1176,7 @@
           <a:p>
             <a:fld id="{46D9A6F5-1E9F-4F7F-B335-C9B2093BF1AB}" type="datetimeFigureOut">
               <a:rPr lang="en-GB" smtClean="0"/>
-              <a:t>04/08/2016</a:t>
+              <a:t>08/08/2016</a:t>
             </a:fld>
             <a:endParaRPr lang="en-GB"/>
           </a:p>
@@ -1498,7 +1499,7 @@
           <a:p>
             <a:fld id="{46D9A6F5-1E9F-4F7F-B335-C9B2093BF1AB}" type="datetimeFigureOut">
               <a:rPr lang="en-GB" smtClean="0"/>
-              <a:t>04/08/2016</a:t>
+              <a:t>08/08/2016</a:t>
             </a:fld>
             <a:endParaRPr lang="en-GB"/>
           </a:p>
@@ -1922,7 +1923,7 @@
           <a:p>
             <a:fld id="{46D9A6F5-1E9F-4F7F-B335-C9B2093BF1AB}" type="datetimeFigureOut">
               <a:rPr lang="en-GB" smtClean="0"/>
-              <a:t>04/08/2016</a:t>
+              <a:t>08/08/2016</a:t>
             </a:fld>
             <a:endParaRPr lang="en-GB"/>
           </a:p>
@@ -2040,7 +2041,7 @@
           <a:p>
             <a:fld id="{46D9A6F5-1E9F-4F7F-B335-C9B2093BF1AB}" type="datetimeFigureOut">
               <a:rPr lang="en-GB" smtClean="0"/>
-              <a:t>04/08/2016</a:t>
+              <a:t>08/08/2016</a:t>
             </a:fld>
             <a:endParaRPr lang="en-GB"/>
           </a:p>
@@ -2135,7 +2136,7 @@
           <a:p>
             <a:fld id="{46D9A6F5-1E9F-4F7F-B335-C9B2093BF1AB}" type="datetimeFigureOut">
               <a:rPr lang="en-GB" smtClean="0"/>
-              <a:t>04/08/2016</a:t>
+              <a:t>08/08/2016</a:t>
             </a:fld>
             <a:endParaRPr lang="en-GB"/>
           </a:p>
@@ -2425,7 +2426,7 @@
           <a:p>
             <a:fld id="{46D9A6F5-1E9F-4F7F-B335-C9B2093BF1AB}" type="datetimeFigureOut">
               <a:rPr lang="en-GB" smtClean="0"/>
-              <a:t>04/08/2016</a:t>
+              <a:t>08/08/2016</a:t>
             </a:fld>
             <a:endParaRPr lang="en-GB"/>
           </a:p>
@@ -2697,7 +2698,7 @@
           <a:p>
             <a:fld id="{46D9A6F5-1E9F-4F7F-B335-C9B2093BF1AB}" type="datetimeFigureOut">
               <a:rPr lang="en-GB" smtClean="0"/>
-              <a:t>04/08/2016</a:t>
+              <a:t>08/08/2016</a:t>
             </a:fld>
             <a:endParaRPr lang="en-GB"/>
           </a:p>
@@ -2951,7 +2952,7 @@
           <a:p>
             <a:fld id="{46D9A6F5-1E9F-4F7F-B335-C9B2093BF1AB}" type="datetimeFigureOut">
               <a:rPr lang="en-GB" smtClean="0"/>
-              <a:t>04/08/2016</a:t>
+              <a:t>08/08/2016</a:t>
             </a:fld>
             <a:endParaRPr lang="en-GB"/>
           </a:p>
@@ -3469,8 +3470,8 @@
         </p:nvSpPr>
         <p:spPr>
           <a:xfrm>
-            <a:off x="2092897" y="2155370"/>
-            <a:ext cx="9144000" cy="1145206"/>
+            <a:off x="1282481" y="2549160"/>
+            <a:ext cx="9735475" cy="1145206"/>
           </a:xfrm>
         </p:spPr>
         <p:txBody>
@@ -3481,7 +3482,7 @@
           <a:p>
             <a:r>
               <a:rPr lang="en-US" b="1" dirty="0" smtClean="0"/>
-              <a:t>Spring foundations</a:t>
+              <a:t>Spring introduction</a:t>
             </a:r>
             <a:endParaRPr lang="en-GB" b="1" dirty="0"/>
           </a:p>
@@ -3521,7 +3522,7 @@
         </p:nvSpPr>
         <p:spPr>
           <a:xfrm>
-            <a:off x="4126725" y="3774579"/>
+            <a:off x="4183170" y="3694366"/>
             <a:ext cx="4357589" cy="369332"/>
           </a:xfrm>
           <a:prstGeom prst="rect">
@@ -3597,7 +3598,7 @@
           <a:p>
             <a:r>
               <a:rPr lang="en-US" dirty="0" smtClean="0"/>
-              <a:t>Widely available</a:t>
+              <a:t>Modular</a:t>
             </a:r>
             <a:endParaRPr lang="en-GB" dirty="0"/>
           </a:p>
@@ -3615,56 +3616,101 @@
         </p:nvSpPr>
         <p:spPr/>
         <p:txBody>
-          <a:bodyPr/>
-          <a:lstStyle/>
-          <a:p>
-            <a:r>
-              <a:rPr lang="en-US" dirty="0" smtClean="0"/>
-              <a:t>Spring is integrated into numerous framework</a:t>
-            </a:r>
-          </a:p>
-          <a:p>
-            <a:r>
-              <a:rPr lang="en-US" dirty="0" smtClean="0"/>
-              <a:t>Broad adoption possible because the container is portable and lightweight</a:t>
+          <a:bodyPr>
+            <a:normAutofit/>
+          </a:bodyPr>
+          <a:lstStyle/>
+          <a:p>
+            <a:r>
+              <a:rPr lang="en-US" dirty="0" smtClean="0"/>
+              <a:t>Help only where needed</a:t>
             </a:r>
           </a:p>
           <a:p>
             <a:pPr lvl="1"/>
             <a:r>
               <a:rPr lang="en-US" dirty="0" smtClean="0"/>
-              <a:t>The container is itself is </a:t>
+              <a:t>Modularity allows only relevant components to be introduced to the application</a:t>
+            </a:r>
+          </a:p>
+          <a:p>
+            <a:pPr lvl="1"/>
+            <a:r>
+              <a:rPr lang="en-US" dirty="0" smtClean="0"/>
+              <a:t>For instance choose one:</a:t>
+            </a:r>
+          </a:p>
+          <a:p>
+            <a:pPr lvl="2"/>
+            <a:r>
+              <a:rPr lang="en-US" dirty="0" smtClean="0"/>
+              <a:t>Spring bean factory</a:t>
+            </a:r>
+          </a:p>
+          <a:p>
+            <a:pPr lvl="2"/>
+            <a:r>
+              <a:rPr lang="en-US" dirty="0" smtClean="0"/>
+              <a:t>Spring </a:t>
             </a:r>
             <a:r>
               <a:rPr lang="en-US" dirty="0" err="1" smtClean="0"/>
-              <a:t>pojo</a:t>
-            </a:r>
-            <a:r>
-              <a:rPr lang="en-US" dirty="0" smtClean="0"/>
-              <a:t> class</a:t>
-            </a:r>
-          </a:p>
-          <a:p>
-            <a:r>
-              <a:rPr lang="en-US" dirty="0" smtClean="0"/>
-              <a:t>Integration without third-party support </a:t>
-            </a:r>
-          </a:p>
-          <a:p>
-            <a:r>
-              <a:rPr lang="en-US" dirty="0" smtClean="0"/>
-              <a:t>Performance overhead is rarely a consideration</a:t>
-            </a:r>
-          </a:p>
-          <a:p>
+              <a:t>jmx</a:t>
+            </a:r>
             <a:endParaRPr lang="en-US" dirty="0" smtClean="0"/>
+          </a:p>
+          <a:p>
+            <a:pPr lvl="2"/>
+            <a:r>
+              <a:rPr lang="en-US" dirty="0" smtClean="0"/>
+              <a:t>Spring </a:t>
+            </a:r>
+            <a:r>
+              <a:rPr lang="en-US" dirty="0" err="1" smtClean="0"/>
+              <a:t>jdbc</a:t>
+            </a:r>
+            <a:endParaRPr lang="en-GB" dirty="0"/>
+          </a:p>
+          <a:p>
+            <a:pPr lvl="1"/>
+            <a:r>
+              <a:rPr lang="en-US" dirty="0" smtClean="0"/>
+              <a:t>Framework can be interfaced in deep or shallow layers</a:t>
+            </a:r>
+          </a:p>
+          <a:p>
+            <a:pPr lvl="1"/>
+            <a:r>
+              <a:rPr lang="en-US" dirty="0" smtClean="0"/>
+              <a:t>Interfaces are consistent at each layer</a:t>
+            </a:r>
+          </a:p>
+          <a:p>
+            <a:r>
+              <a:rPr lang="en-US" dirty="0" smtClean="0"/>
+              <a:t>Turn-key solution</a:t>
+            </a:r>
+          </a:p>
+          <a:p>
+            <a:pPr lvl="1"/>
+            <a:r>
+              <a:rPr lang="en-US" dirty="0" smtClean="0"/>
+              <a:t>Spring components can be integrated fast, with minimal effort and predictable results</a:t>
+            </a:r>
+          </a:p>
+          <a:p>
+            <a:pPr lvl="1"/>
+            <a:r>
+              <a:rPr lang="en-US" dirty="0" smtClean="0"/>
+              <a:t>Interfaces are clear and consistent</a:t>
+            </a:r>
           </a:p>
         </p:txBody>
       </p:sp>
     </p:spTree>
     <p:extLst>
       <p:ext uri="{BB962C8B-B14F-4D97-AF65-F5344CB8AC3E}">
-        <p14:creationId xmlns:p14="http://schemas.microsoft.com/office/powerpoint/2010/main" val="999593922"/>
+        <p14:creationId xmlns:p14="http://schemas.microsoft.com/office/powerpoint/2010/main" val="3463312489"/>
       </p:ext>
     </p:extLst>
   </p:cSld>
@@ -3708,29 +3754,81 @@
             <p:ph type="title"/>
           </p:nvPr>
         </p:nvSpPr>
-        <p:spPr>
-          <a:xfrm>
-            <a:off x="939799" y="2404532"/>
-            <a:ext cx="10515600" cy="1047221"/>
-          </a:xfrm>
-        </p:spPr>
-        <p:txBody>
-          <a:bodyPr/>
-          <a:lstStyle/>
-          <a:p>
-            <a:pPr algn="ctr"/>
-            <a:r>
-              <a:rPr lang="en-US" dirty="0" smtClean="0"/>
-              <a:t>Spring development environment setup</a:t>
+        <p:spPr/>
+        <p:txBody>
+          <a:bodyPr/>
+          <a:lstStyle/>
+          <a:p>
+            <a:r>
+              <a:rPr lang="en-US" dirty="0" smtClean="0"/>
+              <a:t>Widely available</a:t>
             </a:r>
             <a:endParaRPr lang="en-GB" dirty="0"/>
+          </a:p>
+        </p:txBody>
+      </p:sp>
+      <p:sp>
+        <p:nvSpPr>
+          <p:cNvPr id="3" name="Content Placeholder 2"/>
+          <p:cNvSpPr>
+            <a:spLocks noGrp="1"/>
+          </p:cNvSpPr>
+          <p:nvPr>
+            <p:ph idx="1"/>
+          </p:nvPr>
+        </p:nvSpPr>
+        <p:spPr/>
+        <p:txBody>
+          <a:bodyPr/>
+          <a:lstStyle/>
+          <a:p>
+            <a:r>
+              <a:rPr lang="en-US" dirty="0" smtClean="0"/>
+              <a:t>Spring is integrated into numerous framework</a:t>
+            </a:r>
+          </a:p>
+          <a:p>
+            <a:r>
+              <a:rPr lang="en-US" dirty="0" smtClean="0"/>
+              <a:t>Broad adoption possible because the container is portable and lightweight</a:t>
+            </a:r>
+          </a:p>
+          <a:p>
+            <a:pPr lvl="1"/>
+            <a:r>
+              <a:rPr lang="en-US" dirty="0" smtClean="0"/>
+              <a:t>The container is itself is </a:t>
+            </a:r>
+            <a:r>
+              <a:rPr lang="en-US" dirty="0" err="1" smtClean="0"/>
+              <a:t>pojo</a:t>
+            </a:r>
+            <a:r>
+              <a:rPr lang="en-US" dirty="0" smtClean="0"/>
+              <a:t> class</a:t>
+            </a:r>
+          </a:p>
+          <a:p>
+            <a:r>
+              <a:rPr lang="en-US" dirty="0" smtClean="0"/>
+              <a:t>Integration without third-party support </a:t>
+            </a:r>
+          </a:p>
+          <a:p>
+            <a:r>
+              <a:rPr lang="en-US" dirty="0" smtClean="0"/>
+              <a:t>Performance overhead is rarely a consideration</a:t>
+            </a:r>
+          </a:p>
+          <a:p>
+            <a:endParaRPr lang="en-US" dirty="0" smtClean="0"/>
           </a:p>
         </p:txBody>
       </p:sp>
     </p:spTree>
     <p:extLst>
       <p:ext uri="{BB962C8B-B14F-4D97-AF65-F5344CB8AC3E}">
-        <p14:creationId xmlns:p14="http://schemas.microsoft.com/office/powerpoint/2010/main" val="2262672676"/>
+        <p14:creationId xmlns:p14="http://schemas.microsoft.com/office/powerpoint/2010/main" val="999593922"/>
       </p:ext>
     </p:extLst>
   </p:cSld>
@@ -3774,157 +3872,21 @@
             <p:ph type="title"/>
           </p:nvPr>
         </p:nvSpPr>
-        <p:spPr/>
-        <p:txBody>
-          <a:bodyPr/>
-          <a:lstStyle/>
-          <a:p>
-            <a:r>
-              <a:rPr lang="en-US" dirty="0" smtClean="0"/>
-              <a:t>Spring download</a:t>
-            </a:r>
-            <a:endParaRPr lang="en-GB" dirty="0"/>
-          </a:p>
-        </p:txBody>
-      </p:sp>
-      <p:sp>
-        <p:nvSpPr>
-          <p:cNvPr id="3" name="Content Placeholder 2"/>
-          <p:cNvSpPr>
-            <a:spLocks noGrp="1"/>
-          </p:cNvSpPr>
-          <p:nvPr>
-            <p:ph idx="1"/>
-          </p:nvPr>
-        </p:nvSpPr>
-        <p:spPr/>
-        <p:txBody>
-          <a:bodyPr/>
-          <a:lstStyle/>
-          <a:p>
-            <a:r>
-              <a:rPr lang="en-US" dirty="0" smtClean="0">
-                <a:hlinkClick r:id="rId2"/>
-              </a:rPr>
-              <a:t>http://www.springframework.org/download</a:t>
-            </a:r>
-            <a:endParaRPr lang="en-US" dirty="0" smtClean="0"/>
-          </a:p>
-          <a:p>
-            <a:r>
-              <a:rPr lang="en-US" dirty="0" smtClean="0"/>
-              <a:t>Spring Documentation:</a:t>
-            </a:r>
-          </a:p>
-          <a:p>
-            <a:pPr lvl="1"/>
-            <a:r>
-              <a:rPr lang="en-US" dirty="0">
-                <a:hlinkClick r:id="rId3"/>
-              </a:rPr>
-              <a:t>http://</a:t>
-            </a:r>
-            <a:r>
-              <a:rPr lang="en-US" dirty="0" smtClean="0">
-                <a:hlinkClick r:id="rId3"/>
-              </a:rPr>
-              <a:t>www.springframework.org/documentation</a:t>
-            </a:r>
-            <a:endParaRPr lang="en-US" dirty="0" smtClean="0"/>
-          </a:p>
-          <a:p>
-            <a:r>
-              <a:rPr lang="en-US" dirty="0" smtClean="0"/>
-              <a:t>Online Book:</a:t>
-            </a:r>
-          </a:p>
-          <a:p>
-            <a:pPr lvl="1"/>
-            <a:r>
-              <a:rPr lang="en-US" dirty="0" smtClean="0"/>
-              <a:t>Spring in action</a:t>
-            </a:r>
-          </a:p>
-          <a:p>
-            <a:pPr lvl="1"/>
-            <a:r>
-              <a:rPr lang="en-US" dirty="0" smtClean="0"/>
-              <a:t>Pro spring</a:t>
-            </a:r>
-          </a:p>
-          <a:p>
-            <a:r>
-              <a:rPr lang="en-US" dirty="0" smtClean="0"/>
-              <a:t>Development Environment:</a:t>
-            </a:r>
-          </a:p>
-          <a:p>
-            <a:pPr lvl="1"/>
-            <a:r>
-              <a:rPr lang="en-US" dirty="0" smtClean="0"/>
-              <a:t>Spring Tool Suite : </a:t>
-            </a:r>
-            <a:r>
-              <a:rPr lang="en-GB" dirty="0">
-                <a:hlinkClick r:id="rId4"/>
-              </a:rPr>
-              <a:t>https://</a:t>
-            </a:r>
-            <a:r>
-              <a:rPr lang="en-GB" b="1" dirty="0" smtClean="0">
-                <a:hlinkClick r:id="rId4"/>
-              </a:rPr>
-              <a:t>spring</a:t>
-            </a:r>
-            <a:r>
-              <a:rPr lang="en-GB" dirty="0" smtClean="0">
-                <a:hlinkClick r:id="rId4"/>
-              </a:rPr>
-              <a:t>.io/</a:t>
-            </a:r>
-            <a:r>
-              <a:rPr lang="en-GB" b="1" dirty="0" smtClean="0">
-                <a:hlinkClick r:id="rId4"/>
-              </a:rPr>
-              <a:t>tools</a:t>
-            </a:r>
-            <a:endParaRPr lang="en-US" dirty="0"/>
-          </a:p>
-          <a:p>
-            <a:pPr lvl="1"/>
-            <a:r>
-              <a:rPr lang="en-US" dirty="0" smtClean="0"/>
-              <a:t>Eclipse with Spring Plugin</a:t>
-            </a:r>
-            <a:endParaRPr lang="en-US" dirty="0"/>
-          </a:p>
-          <a:p>
-            <a:pPr lvl="1"/>
-            <a:r>
-              <a:rPr lang="en-US" dirty="0"/>
-              <a:t>Spring IDE : </a:t>
-            </a:r>
-            <a:r>
-              <a:rPr lang="en-US" dirty="0">
-                <a:hlinkClick r:id="rId5"/>
-              </a:rPr>
-              <a:t>https://</a:t>
-            </a:r>
-            <a:r>
-              <a:rPr lang="en-US" dirty="0" smtClean="0">
-                <a:hlinkClick r:id="rId5"/>
-              </a:rPr>
-              <a:t>marketplace.eclipse.org/content/spring-ide</a:t>
-            </a:r>
-            <a:endParaRPr lang="en-US" dirty="0"/>
-          </a:p>
-          <a:p>
-            <a:endParaRPr lang="en-US" dirty="0" smtClean="0"/>
-          </a:p>
-          <a:p>
-            <a:endParaRPr lang="en-US" dirty="0" smtClean="0"/>
-          </a:p>
-          <a:p>
+        <p:spPr>
+          <a:xfrm>
+            <a:off x="883355" y="2799643"/>
+            <a:ext cx="10515600" cy="1047221"/>
+          </a:xfrm>
+        </p:spPr>
+        <p:txBody>
+          <a:bodyPr/>
+          <a:lstStyle/>
+          <a:p>
+            <a:pPr algn="ctr"/>
+            <a:r>
+              <a:rPr lang="en-US" dirty="0" smtClean="0"/>
+              <a:t>Spring development environment setup</a:t>
+            </a:r>
             <a:endParaRPr lang="en-GB" dirty="0"/>
           </a:p>
         </p:txBody>
@@ -3932,7 +3894,7 @@
     </p:spTree>
     <p:extLst>
       <p:ext uri="{BB962C8B-B14F-4D97-AF65-F5344CB8AC3E}">
-        <p14:creationId xmlns:p14="http://schemas.microsoft.com/office/powerpoint/2010/main" val="3504749650"/>
+        <p14:creationId xmlns:p14="http://schemas.microsoft.com/office/powerpoint/2010/main" val="2262672676"/>
       </p:ext>
     </p:extLst>
   </p:cSld>
@@ -3976,21 +3938,174 @@
             <p:ph type="title"/>
           </p:nvPr>
         </p:nvSpPr>
-        <p:spPr>
-          <a:xfrm>
-            <a:off x="793045" y="2114901"/>
-            <a:ext cx="10515600" cy="1325563"/>
-          </a:xfrm>
-        </p:spPr>
-        <p:txBody>
-          <a:bodyPr/>
-          <a:lstStyle/>
-          <a:p>
-            <a:pPr algn="ctr"/>
-            <a:r>
-              <a:rPr lang="en-US" dirty="0" smtClean="0"/>
-              <a:t>Start code Spring hello world</a:t>
-            </a:r>
+        <p:spPr/>
+        <p:txBody>
+          <a:bodyPr/>
+          <a:lstStyle/>
+          <a:p>
+            <a:r>
+              <a:rPr lang="en-US" dirty="0" smtClean="0"/>
+              <a:t>Spring download</a:t>
+            </a:r>
+            <a:endParaRPr lang="en-GB" dirty="0"/>
+          </a:p>
+        </p:txBody>
+      </p:sp>
+      <p:sp>
+        <p:nvSpPr>
+          <p:cNvPr id="3" name="Content Placeholder 2"/>
+          <p:cNvSpPr>
+            <a:spLocks noGrp="1"/>
+          </p:cNvSpPr>
+          <p:nvPr>
+            <p:ph idx="1"/>
+          </p:nvPr>
+        </p:nvSpPr>
+        <p:spPr/>
+        <p:txBody>
+          <a:bodyPr>
+            <a:normAutofit fontScale="92500" lnSpcReduction="10000"/>
+          </a:bodyPr>
+          <a:lstStyle/>
+          <a:p>
+            <a:r>
+              <a:rPr lang="en-US" dirty="0" smtClean="0">
+                <a:hlinkClick r:id="rId2"/>
+              </a:rPr>
+              <a:t>http://www.springframework.org/download</a:t>
+            </a:r>
+            <a:endParaRPr lang="en-US" dirty="0" smtClean="0"/>
+          </a:p>
+          <a:p>
+            <a:r>
+              <a:rPr lang="en-US" dirty="0" smtClean="0"/>
+              <a:t>Spring Documentation:</a:t>
+            </a:r>
+          </a:p>
+          <a:p>
+            <a:pPr lvl="1"/>
+            <a:r>
+              <a:rPr lang="en-US" dirty="0">
+                <a:hlinkClick r:id="rId3"/>
+              </a:rPr>
+              <a:t>http://</a:t>
+            </a:r>
+            <a:r>
+              <a:rPr lang="en-US" dirty="0" smtClean="0">
+                <a:hlinkClick r:id="rId3"/>
+              </a:rPr>
+              <a:t>www.springframework.org/documentation</a:t>
+            </a:r>
+            <a:endParaRPr lang="en-US" dirty="0" smtClean="0"/>
+          </a:p>
+          <a:p>
+            <a:r>
+              <a:rPr lang="en-US" dirty="0" smtClean="0"/>
+              <a:t>Online Book:</a:t>
+            </a:r>
+          </a:p>
+          <a:p>
+            <a:pPr lvl="1"/>
+            <a:r>
+              <a:rPr lang="en-US" dirty="0" smtClean="0"/>
+              <a:t>Spring in action</a:t>
+            </a:r>
+          </a:p>
+          <a:p>
+            <a:pPr lvl="1"/>
+            <a:r>
+              <a:rPr lang="en-US" dirty="0" smtClean="0"/>
+              <a:t>Pro spring, Spring * in action</a:t>
+            </a:r>
+          </a:p>
+          <a:p>
+            <a:pPr lvl="1"/>
+            <a:r>
+              <a:rPr lang="en-US" dirty="0">
+                <a:hlinkClick r:id="rId4"/>
+              </a:rPr>
+              <a:t>http://</a:t>
+            </a:r>
+            <a:r>
+              <a:rPr lang="en-US" dirty="0" smtClean="0">
+                <a:hlinkClick r:id="rId4"/>
+              </a:rPr>
+              <a:t>www.coreservlets.com</a:t>
+            </a:r>
+            <a:endParaRPr lang="en-US" dirty="0" smtClean="0"/>
+          </a:p>
+          <a:p>
+            <a:r>
+              <a:rPr lang="en-US" dirty="0" smtClean="0"/>
+              <a:t>Development Environment:</a:t>
+            </a:r>
+          </a:p>
+          <a:p>
+            <a:pPr lvl="1"/>
+            <a:r>
+              <a:rPr lang="en-US" dirty="0" smtClean="0"/>
+              <a:t>Spring Tool Suite : </a:t>
+            </a:r>
+            <a:r>
+              <a:rPr lang="en-GB" dirty="0">
+                <a:hlinkClick r:id="rId5"/>
+              </a:rPr>
+              <a:t>https://</a:t>
+            </a:r>
+            <a:r>
+              <a:rPr lang="en-GB" b="1" dirty="0" smtClean="0">
+                <a:hlinkClick r:id="rId5"/>
+              </a:rPr>
+              <a:t>spring</a:t>
+            </a:r>
+            <a:r>
+              <a:rPr lang="en-GB" dirty="0" smtClean="0">
+                <a:hlinkClick r:id="rId5"/>
+              </a:rPr>
+              <a:t>.io/</a:t>
+            </a:r>
+            <a:r>
+              <a:rPr lang="en-GB" b="1" dirty="0" smtClean="0">
+                <a:hlinkClick r:id="rId5"/>
+              </a:rPr>
+              <a:t>tools</a:t>
+            </a:r>
+            <a:endParaRPr lang="en-US" dirty="0"/>
+          </a:p>
+          <a:p>
+            <a:pPr lvl="1"/>
+            <a:r>
+              <a:rPr lang="en-US" dirty="0" smtClean="0"/>
+              <a:t>Eclipse with Spring </a:t>
+            </a:r>
+            <a:r>
+              <a:rPr lang="en-US" dirty="0" smtClean="0"/>
+              <a:t>Plugin</a:t>
+            </a:r>
+          </a:p>
+          <a:p>
+            <a:pPr lvl="1"/>
+            <a:r>
+              <a:rPr lang="en-US" dirty="0" smtClean="0"/>
+              <a:t>Spring </a:t>
+            </a:r>
+            <a:r>
+              <a:rPr lang="en-US" dirty="0"/>
+              <a:t>IDE : https://</a:t>
+            </a:r>
+            <a:r>
+              <a:rPr lang="en-US" dirty="0" smtClean="0"/>
+              <a:t>marketplace.eclipse.org/content/spring-ide</a:t>
+            </a:r>
+            <a:endParaRPr lang="en-US" dirty="0"/>
+          </a:p>
+          <a:p>
+            <a:endParaRPr lang="en-US" dirty="0" smtClean="0"/>
+          </a:p>
+          <a:p>
+            <a:endParaRPr lang="en-US" dirty="0" smtClean="0"/>
+          </a:p>
+          <a:p>
             <a:endParaRPr lang="en-GB" dirty="0"/>
           </a:p>
         </p:txBody>
@@ -3998,7 +4113,7 @@
     </p:spTree>
     <p:extLst>
       <p:ext uri="{BB962C8B-B14F-4D97-AF65-F5344CB8AC3E}">
-        <p14:creationId xmlns:p14="http://schemas.microsoft.com/office/powerpoint/2010/main" val="3911008037"/>
+        <p14:creationId xmlns:p14="http://schemas.microsoft.com/office/powerpoint/2010/main" val="3504749650"/>
       </p:ext>
     </p:extLst>
   </p:cSld>
@@ -4042,121 +4157,21 @@
             <p:ph type="title"/>
           </p:nvPr>
         </p:nvSpPr>
-        <p:spPr/>
-        <p:txBody>
-          <a:bodyPr/>
-          <a:lstStyle/>
-          <a:p>
-            <a:r>
-              <a:rPr lang="en-US" dirty="0" smtClean="0"/>
-              <a:t>Spring hello world</a:t>
-            </a:r>
-            <a:endParaRPr lang="en-GB" dirty="0"/>
-          </a:p>
-        </p:txBody>
-      </p:sp>
-      <p:sp>
-        <p:nvSpPr>
-          <p:cNvPr id="3" name="Content Placeholder 2"/>
-          <p:cNvSpPr>
-            <a:spLocks noGrp="1"/>
-          </p:cNvSpPr>
-          <p:nvPr>
-            <p:ph idx="1"/>
-          </p:nvPr>
-        </p:nvSpPr>
-        <p:spPr/>
-        <p:txBody>
-          <a:bodyPr/>
-          <a:lstStyle/>
-          <a:p>
-            <a:r>
-              <a:rPr lang="en-US" dirty="0" smtClean="0"/>
-              <a:t>Code a plain java class model</a:t>
-            </a:r>
-          </a:p>
-          <a:p>
-            <a:pPr lvl="1"/>
-            <a:r>
-              <a:rPr lang="en-US" dirty="0" smtClean="0"/>
-              <a:t>Use the interface pattern by coding </a:t>
-            </a:r>
-            <a:r>
-              <a:rPr lang="en-US" dirty="0" err="1" smtClean="0"/>
-              <a:t>helloworld</a:t>
-            </a:r>
-            <a:r>
-              <a:rPr lang="en-US" dirty="0" smtClean="0"/>
-              <a:t> interface and </a:t>
-            </a:r>
-            <a:r>
-              <a:rPr lang="en-US" dirty="0" err="1" smtClean="0"/>
-              <a:t>helloworldimpl</a:t>
-            </a:r>
-            <a:r>
-              <a:rPr lang="en-US" dirty="0" smtClean="0"/>
-              <a:t> implementation</a:t>
-            </a:r>
-          </a:p>
-          <a:p>
-            <a:r>
-              <a:rPr lang="en-US" dirty="0" smtClean="0"/>
-              <a:t>Configure the spring </a:t>
-            </a:r>
-            <a:r>
-              <a:rPr lang="en-US" dirty="0" err="1" smtClean="0"/>
-              <a:t>ioc</a:t>
-            </a:r>
-            <a:r>
-              <a:rPr lang="en-US" dirty="0" smtClean="0"/>
-              <a:t> container</a:t>
-            </a:r>
-          </a:p>
-          <a:p>
-            <a:r>
-              <a:rPr lang="en-US" dirty="0" err="1" smtClean="0"/>
-              <a:t>Instatiate</a:t>
-            </a:r>
-            <a:r>
-              <a:rPr lang="en-US" dirty="0" smtClean="0"/>
-              <a:t> the spring </a:t>
-            </a:r>
-            <a:r>
-              <a:rPr lang="en-US" dirty="0" err="1" smtClean="0"/>
-              <a:t>ioc</a:t>
-            </a:r>
-            <a:r>
-              <a:rPr lang="en-US" dirty="0" smtClean="0"/>
-              <a:t> container</a:t>
-            </a:r>
-          </a:p>
-          <a:p>
-            <a:r>
-              <a:rPr lang="en-US" dirty="0" smtClean="0"/>
-              <a:t>Acquire the object from the spring </a:t>
-            </a:r>
-            <a:r>
-              <a:rPr lang="en-US" dirty="0" err="1" smtClean="0"/>
-              <a:t>ioc</a:t>
-            </a:r>
-            <a:r>
-              <a:rPr lang="en-US" dirty="0" smtClean="0"/>
-              <a:t> container</a:t>
-            </a:r>
-          </a:p>
-          <a:p>
-            <a:pPr lvl="1"/>
-            <a:r>
-              <a:rPr lang="en-US" dirty="0" smtClean="0"/>
-              <a:t>The client must only have knowledge of the interface, </a:t>
-            </a:r>
-            <a:r>
-              <a:rPr lang="en-US" dirty="0" err="1" smtClean="0"/>
-              <a:t>helloworld</a:t>
-            </a:r>
-            <a:endParaRPr lang="en-US" dirty="0" smtClean="0"/>
-          </a:p>
-          <a:p>
+        <p:spPr>
+          <a:xfrm>
+            <a:off x="860778" y="2645479"/>
+            <a:ext cx="10515600" cy="1325563"/>
+          </a:xfrm>
+        </p:spPr>
+        <p:txBody>
+          <a:bodyPr/>
+          <a:lstStyle/>
+          <a:p>
+            <a:pPr algn="ctr"/>
+            <a:r>
+              <a:rPr lang="en-US" dirty="0" smtClean="0"/>
+              <a:t>Start code Spring hello world</a:t>
+            </a:r>
             <a:endParaRPr lang="en-GB" dirty="0"/>
           </a:p>
         </p:txBody>
@@ -4164,7 +4179,7 @@
     </p:spTree>
     <p:extLst>
       <p:ext uri="{BB962C8B-B14F-4D97-AF65-F5344CB8AC3E}">
-        <p14:creationId xmlns:p14="http://schemas.microsoft.com/office/powerpoint/2010/main" val="737488140"/>
+        <p14:creationId xmlns:p14="http://schemas.microsoft.com/office/powerpoint/2010/main" val="3911008037"/>
       </p:ext>
     </p:extLst>
   </p:cSld>
@@ -4198,6 +4213,196 @@
           <a:chExt cx="0" cy="0"/>
         </a:xfrm>
       </p:grpSpPr>
+      <p:sp>
+        <p:nvSpPr>
+          <p:cNvPr id="2" name="Title 1"/>
+          <p:cNvSpPr>
+            <a:spLocks noGrp="1"/>
+          </p:cNvSpPr>
+          <p:nvPr>
+            <p:ph type="title"/>
+          </p:nvPr>
+        </p:nvSpPr>
+        <p:spPr/>
+        <p:txBody>
+          <a:bodyPr/>
+          <a:lstStyle/>
+          <a:p>
+            <a:r>
+              <a:rPr lang="en-US" dirty="0" smtClean="0"/>
+              <a:t>Spring hello world</a:t>
+            </a:r>
+            <a:endParaRPr lang="en-GB" dirty="0"/>
+          </a:p>
+        </p:txBody>
+      </p:sp>
+      <p:sp>
+        <p:nvSpPr>
+          <p:cNvPr id="3" name="Content Placeholder 2"/>
+          <p:cNvSpPr>
+            <a:spLocks noGrp="1"/>
+          </p:cNvSpPr>
+          <p:nvPr>
+            <p:ph idx="1"/>
+          </p:nvPr>
+        </p:nvSpPr>
+        <p:spPr/>
+        <p:txBody>
+          <a:bodyPr/>
+          <a:lstStyle/>
+          <a:p>
+            <a:r>
+              <a:rPr lang="en-US" dirty="0" smtClean="0"/>
+              <a:t>Code a plain java class model</a:t>
+            </a:r>
+          </a:p>
+          <a:p>
+            <a:pPr lvl="1"/>
+            <a:r>
+              <a:rPr lang="en-US" dirty="0" smtClean="0"/>
+              <a:t>Use the interface pattern by coding </a:t>
+            </a:r>
+            <a:r>
+              <a:rPr lang="en-US" dirty="0" err="1" smtClean="0">
+                <a:solidFill>
+                  <a:srgbClr val="FF0000"/>
+                </a:solidFill>
+              </a:rPr>
+              <a:t>helloworld</a:t>
+            </a:r>
+            <a:r>
+              <a:rPr lang="en-US" dirty="0" smtClean="0">
+                <a:solidFill>
+                  <a:srgbClr val="FF0000"/>
+                </a:solidFill>
+              </a:rPr>
+              <a:t> </a:t>
+            </a:r>
+            <a:r>
+              <a:rPr lang="en-US" dirty="0" smtClean="0"/>
+              <a:t>interface and </a:t>
+            </a:r>
+            <a:r>
+              <a:rPr lang="en-US" dirty="0" err="1" smtClean="0">
+                <a:solidFill>
+                  <a:srgbClr val="FF0000"/>
+                </a:solidFill>
+              </a:rPr>
+              <a:t>helloworldimpl</a:t>
+            </a:r>
+            <a:r>
+              <a:rPr lang="en-US" dirty="0" smtClean="0">
+                <a:solidFill>
+                  <a:srgbClr val="FF0000"/>
+                </a:solidFill>
+              </a:rPr>
+              <a:t> </a:t>
+            </a:r>
+            <a:r>
+              <a:rPr lang="en-US" dirty="0" smtClean="0"/>
+              <a:t>implementation</a:t>
+            </a:r>
+          </a:p>
+          <a:p>
+            <a:r>
+              <a:rPr lang="en-US" dirty="0" smtClean="0"/>
+              <a:t>Configure the spring </a:t>
+            </a:r>
+            <a:r>
+              <a:rPr lang="en-US" dirty="0" err="1" smtClean="0"/>
+              <a:t>ioc</a:t>
+            </a:r>
+            <a:r>
+              <a:rPr lang="en-US" dirty="0" smtClean="0"/>
+              <a:t> container</a:t>
+            </a:r>
+          </a:p>
+          <a:p>
+            <a:r>
+              <a:rPr lang="en-US" dirty="0" smtClean="0"/>
+              <a:t>Instantiate </a:t>
+            </a:r>
+            <a:r>
+              <a:rPr lang="en-US" dirty="0" smtClean="0"/>
+              <a:t>the spring </a:t>
+            </a:r>
+            <a:r>
+              <a:rPr lang="en-US" dirty="0" err="1" smtClean="0"/>
+              <a:t>ioc</a:t>
+            </a:r>
+            <a:r>
+              <a:rPr lang="en-US" dirty="0" smtClean="0"/>
+              <a:t> container</a:t>
+            </a:r>
+          </a:p>
+          <a:p>
+            <a:r>
+              <a:rPr lang="en-US" dirty="0" smtClean="0"/>
+              <a:t>Acquire the object from the spring </a:t>
+            </a:r>
+            <a:r>
+              <a:rPr lang="en-US" dirty="0" err="1" smtClean="0"/>
+              <a:t>ioc</a:t>
+            </a:r>
+            <a:r>
+              <a:rPr lang="en-US" dirty="0" smtClean="0"/>
+              <a:t> container</a:t>
+            </a:r>
+          </a:p>
+          <a:p>
+            <a:pPr lvl="1"/>
+            <a:r>
+              <a:rPr lang="en-US" dirty="0" smtClean="0"/>
+              <a:t>The client must only have knowledge of the interface, </a:t>
+            </a:r>
+            <a:r>
+              <a:rPr lang="en-US" dirty="0" err="1" smtClean="0"/>
+              <a:t>helloworld</a:t>
+            </a:r>
+            <a:endParaRPr lang="en-US" dirty="0" smtClean="0"/>
+          </a:p>
+          <a:p>
+            <a:endParaRPr lang="en-GB" dirty="0"/>
+          </a:p>
+        </p:txBody>
+      </p:sp>
+    </p:spTree>
+    <p:extLst>
+      <p:ext uri="{BB962C8B-B14F-4D97-AF65-F5344CB8AC3E}">
+        <p14:creationId xmlns:p14="http://schemas.microsoft.com/office/powerpoint/2010/main" val="737488140"/>
+      </p:ext>
+    </p:extLst>
+  </p:cSld>
+  <p:clrMapOvr>
+    <a:masterClrMapping/>
+  </p:clrMapOvr>
+  <p:timing>
+    <p:tnLst>
+      <p:par>
+        <p:cTn id="1" dur="indefinite" restart="never" nodeType="tmRoot"/>
+      </p:par>
+    </p:tnLst>
+  </p:timing>
+</p:sld>
+</file>
+
+<file path=ppt/slides/slide16.xml><?xml version="1.0" encoding="utf-8"?>
+<p:sld xmlns:a="http://schemas.openxmlformats.org/drawingml/2006/main" xmlns:r="http://schemas.openxmlformats.org/officeDocument/2006/relationships" xmlns:p="http://schemas.openxmlformats.org/presentationml/2006/main">
+  <p:cSld>
+    <p:spTree>
+      <p:nvGrpSpPr>
+        <p:cNvPr id="1" name=""/>
+        <p:cNvGrpSpPr/>
+        <p:nvPr/>
+      </p:nvGrpSpPr>
+      <p:grpSpPr>
+        <a:xfrm>
+          <a:off x="0" y="0"/>
+          <a:ext cx="0" cy="0"/>
+          <a:chOff x="0" y="0"/>
+          <a:chExt cx="0" cy="0"/>
+        </a:xfrm>
+      </p:grpSpPr>
       <p:pic>
         <p:nvPicPr>
           <p:cNvPr id="4" name="Picture 3"/>
@@ -4214,8 +4419,8 @@
         </p:blipFill>
         <p:spPr>
           <a:xfrm>
-            <a:off x="79022" y="1358899"/>
-            <a:ext cx="11961751" cy="3800123"/>
+            <a:off x="282223" y="1574371"/>
+            <a:ext cx="11638844" cy="3697539"/>
           </a:xfrm>
           <a:prstGeom prst="rect">
             <a:avLst/>
@@ -4242,7 +4447,7 @@
 </p:sld>
 </file>
 
-<file path=ppt/slides/slide16.xml><?xml version="1.0" encoding="utf-8"?>
+<file path=ppt/slides/slide17.xml><?xml version="1.0" encoding="utf-8"?>
 <p:sld xmlns:a="http://schemas.openxmlformats.org/drawingml/2006/main" xmlns:r="http://schemas.openxmlformats.org/officeDocument/2006/relationships" xmlns:p="http://schemas.openxmlformats.org/presentationml/2006/main">
   <p:cSld>
     <p:spTree>
@@ -4326,7 +4531,7 @@
 </p:sld>
 </file>
 
-<file path=ppt/slides/slide17.xml><?xml version="1.0" encoding="utf-8"?>
+<file path=ppt/slides/slide18.xml><?xml version="1.0" encoding="utf-8"?>
 <p:sld xmlns:a="http://schemas.openxmlformats.org/drawingml/2006/main" xmlns:r="http://schemas.openxmlformats.org/officeDocument/2006/relationships" xmlns:p="http://schemas.openxmlformats.org/presentationml/2006/main">
   <p:cSld>
     <p:spTree>
@@ -4418,90 +4623,6 @@
 </p:sld>
 </file>
 
-<file path=ppt/slides/slide18.xml><?xml version="1.0" encoding="utf-8"?>
-<p:sld xmlns:a="http://schemas.openxmlformats.org/drawingml/2006/main" xmlns:r="http://schemas.openxmlformats.org/officeDocument/2006/relationships" xmlns:p="http://schemas.openxmlformats.org/presentationml/2006/main">
-  <p:cSld>
-    <p:spTree>
-      <p:nvGrpSpPr>
-        <p:cNvPr id="1" name=""/>
-        <p:cNvGrpSpPr/>
-        <p:nvPr/>
-      </p:nvGrpSpPr>
-      <p:grpSpPr>
-        <a:xfrm>
-          <a:off x="0" y="0"/>
-          <a:ext cx="0" cy="0"/>
-          <a:chOff x="0" y="0"/>
-          <a:chExt cx="0" cy="0"/>
-        </a:xfrm>
-      </p:grpSpPr>
-      <p:sp>
-        <p:nvSpPr>
-          <p:cNvPr id="2" name="Title 1"/>
-          <p:cNvSpPr>
-            <a:spLocks noGrp="1"/>
-          </p:cNvSpPr>
-          <p:nvPr>
-            <p:ph type="title"/>
-          </p:nvPr>
-        </p:nvSpPr>
-        <p:spPr/>
-        <p:txBody>
-          <a:bodyPr/>
-          <a:lstStyle/>
-          <a:p>
-            <a:r>
-              <a:rPr lang="en-US" dirty="0" smtClean="0"/>
-              <a:t>Executing spring hello world</a:t>
-            </a:r>
-            <a:endParaRPr lang="en-GB" dirty="0"/>
-          </a:p>
-        </p:txBody>
-      </p:sp>
-      <p:pic>
-        <p:nvPicPr>
-          <p:cNvPr id="4" name="Picture 3"/>
-          <p:cNvPicPr>
-            <a:picLocks noChangeAspect="1"/>
-          </p:cNvPicPr>
-          <p:nvPr/>
-        </p:nvPicPr>
-        <p:blipFill>
-          <a:blip r:embed="rId2"/>
-          <a:stretch>
-            <a:fillRect/>
-          </a:stretch>
-        </p:blipFill>
-        <p:spPr>
-          <a:xfrm>
-            <a:off x="1230488" y="1808085"/>
-            <a:ext cx="8361259" cy="4439274"/>
-          </a:xfrm>
-          <a:prstGeom prst="rect">
-            <a:avLst/>
-          </a:prstGeom>
-        </p:spPr>
-      </p:pic>
-    </p:spTree>
-    <p:extLst>
-      <p:ext uri="{BB962C8B-B14F-4D97-AF65-F5344CB8AC3E}">
-        <p14:creationId xmlns:p14="http://schemas.microsoft.com/office/powerpoint/2010/main" val="1871230081"/>
-      </p:ext>
-    </p:extLst>
-  </p:cSld>
-  <p:clrMapOvr>
-    <a:masterClrMapping/>
-  </p:clrMapOvr>
-  <p:timing>
-    <p:tnLst>
-      <p:par>
-        <p:cTn id="1" dur="indefinite" restart="never" nodeType="tmRoot"/>
-      </p:par>
-    </p:tnLst>
-  </p:timing>
-</p:sld>
-</file>
-
 <file path=ppt/slides/slide19.xml><?xml version="1.0" encoding="utf-8"?>
 <p:sld xmlns:a="http://schemas.openxmlformats.org/drawingml/2006/main" xmlns:r="http://schemas.openxmlformats.org/officeDocument/2006/relationships" xmlns:p="http://schemas.openxmlformats.org/presentationml/2006/main">
   <p:cSld>
@@ -4535,109 +4656,82 @@
           <a:lstStyle/>
           <a:p>
             <a:r>
-              <a:rPr lang="en-US" dirty="0" err="1" smtClean="0"/>
-              <a:t>Pojo</a:t>
-            </a:r>
-            <a:r>
-              <a:rPr lang="en-US" dirty="0" smtClean="0"/>
-              <a:t> development</a:t>
+              <a:rPr lang="en-US" dirty="0" smtClean="0"/>
+              <a:t>Executing spring hello world</a:t>
             </a:r>
             <a:endParaRPr lang="en-GB" dirty="0"/>
           </a:p>
         </p:txBody>
       </p:sp>
-      <p:sp>
-        <p:nvSpPr>
-          <p:cNvPr id="3" name="Content Placeholder 2"/>
-          <p:cNvSpPr>
-            <a:spLocks noGrp="1"/>
-          </p:cNvSpPr>
-          <p:nvPr>
-            <p:ph idx="1"/>
-          </p:nvPr>
-        </p:nvSpPr>
-        <p:spPr/>
-        <p:txBody>
-          <a:bodyPr/>
-          <a:lstStyle/>
-          <a:p>
-            <a:r>
-              <a:rPr lang="en-US" dirty="0" smtClean="0"/>
-              <a:t>Plain old java object</a:t>
-            </a:r>
-          </a:p>
-          <a:p>
-            <a:r>
-              <a:rPr lang="en-US" dirty="0" smtClean="0"/>
-              <a:t>What </a:t>
-            </a:r>
-            <a:r>
-              <a:rPr lang="en-US" dirty="0" err="1" smtClean="0"/>
-              <a:t>isit</a:t>
-            </a:r>
-            <a:r>
-              <a:rPr lang="en-US" dirty="0" smtClean="0"/>
-              <a:t>?</a:t>
-            </a:r>
-          </a:p>
-          <a:p>
-            <a:pPr lvl="1"/>
-            <a:r>
-              <a:rPr lang="en-US" dirty="0" smtClean="0"/>
-              <a:t>Business logic</a:t>
-            </a:r>
-          </a:p>
-          <a:p>
-            <a:pPr lvl="1"/>
-            <a:r>
-              <a:rPr lang="en-US" dirty="0" smtClean="0"/>
-              <a:t>Framework independent</a:t>
-            </a:r>
-          </a:p>
-          <a:p>
-            <a:r>
-              <a:rPr lang="en-US" dirty="0" smtClean="0"/>
-              <a:t>What it’s not</a:t>
-            </a:r>
-          </a:p>
-          <a:p>
-            <a:pPr lvl="1"/>
-            <a:r>
-              <a:rPr lang="en-US" dirty="0" smtClean="0"/>
-              <a:t>Limited to the value object pattern</a:t>
-            </a:r>
-          </a:p>
-          <a:p>
-            <a:pPr lvl="1"/>
-            <a:r>
-              <a:rPr lang="en-US" dirty="0" smtClean="0"/>
-              <a:t>Framework implementation software</a:t>
-            </a:r>
-          </a:p>
-          <a:p>
-            <a:r>
-              <a:rPr lang="en-US" dirty="0" smtClean="0"/>
-              <a:t>Features</a:t>
-            </a:r>
-          </a:p>
-          <a:p>
-            <a:pPr lvl="1"/>
-            <a:r>
-              <a:rPr lang="en-US" dirty="0" err="1" smtClean="0"/>
-              <a:t>Poratable</a:t>
-            </a:r>
-            <a:r>
-              <a:rPr lang="en-US" dirty="0" smtClean="0"/>
-              <a:t>, testable, flexible</a:t>
-            </a:r>
-            <a:endParaRPr lang="en-GB" dirty="0"/>
-          </a:p>
-        </p:txBody>
-      </p:sp>
+      <p:pic>
+        <p:nvPicPr>
+          <p:cNvPr id="4" name="Picture 3"/>
+          <p:cNvPicPr>
+            <a:picLocks noChangeAspect="1"/>
+          </p:cNvPicPr>
+          <p:nvPr/>
+        </p:nvPicPr>
+        <p:blipFill>
+          <a:blip r:embed="rId2"/>
+          <a:stretch>
+            <a:fillRect/>
+          </a:stretch>
+        </p:blipFill>
+        <p:spPr>
+          <a:xfrm>
+            <a:off x="1143000" y="1965960"/>
+            <a:ext cx="8361259" cy="4439274"/>
+          </a:xfrm>
+          <a:prstGeom prst="rect">
+            <a:avLst/>
+          </a:prstGeom>
+        </p:spPr>
+      </p:pic>
+      <p:pic>
+        <p:nvPicPr>
+          <p:cNvPr id="2050" name="Picture 2" descr="https://techythought.files.wordpress.com/2013/01/con1.png?w=600"/>
+          <p:cNvPicPr>
+            <a:picLocks noChangeAspect="1" noChangeArrowheads="1"/>
+          </p:cNvPicPr>
+          <p:nvPr/>
+        </p:nvPicPr>
+        <p:blipFill>
+          <a:blip r:embed="rId3">
+            <a:extLst>
+              <a:ext uri="{28A0092B-C50C-407E-A947-70E740481C1C}">
+                <a14:useLocalDpi xmlns:a14="http://schemas.microsoft.com/office/drawing/2010/main" val="0"/>
+              </a:ext>
+            </a:extLst>
+          </a:blip>
+          <a:srcRect/>
+          <a:stretch>
+            <a:fillRect/>
+          </a:stretch>
+        </p:blipFill>
+        <p:spPr bwMode="auto">
+          <a:xfrm>
+            <a:off x="8349473" y="969645"/>
+            <a:ext cx="3505200" cy="2352675"/>
+          </a:xfrm>
+          <a:prstGeom prst="rect">
+            <a:avLst/>
+          </a:prstGeom>
+          <a:noFill/>
+          <a:extLst>
+            <a:ext uri="{909E8E84-426E-40DD-AFC4-6F175D3DCCD1}">
+              <a14:hiddenFill xmlns:a14="http://schemas.microsoft.com/office/drawing/2010/main">
+                <a:solidFill>
+                  <a:srgbClr val="FFFFFF"/>
+                </a:solidFill>
+              </a14:hiddenFill>
+            </a:ext>
+          </a:extLst>
+        </p:spPr>
+      </p:pic>
     </p:spTree>
     <p:extLst>
       <p:ext uri="{BB962C8B-B14F-4D97-AF65-F5344CB8AC3E}">
-        <p14:creationId xmlns:p14="http://schemas.microsoft.com/office/powerpoint/2010/main" val="170196507"/>
+        <p14:creationId xmlns:p14="http://schemas.microsoft.com/office/powerpoint/2010/main" val="1871230081"/>
       </p:ext>
     </p:extLst>
   </p:cSld>
@@ -4810,7 +4904,7 @@
             </a:r>
             <a:r>
               <a:rPr lang="en-US" dirty="0" smtClean="0"/>
-              <a:t> development process</a:t>
+              <a:t> development</a:t>
             </a:r>
             <a:endParaRPr lang="en-GB" dirty="0"/>
           </a:p>
@@ -4833,61 +4927,73 @@
           <a:p>
             <a:r>
               <a:rPr lang="en-US" dirty="0" smtClean="0"/>
-              <a:t>Describe the system agents and interactions </a:t>
+              <a:t>Plain old java object</a:t>
+            </a:r>
+          </a:p>
+          <a:p>
+            <a:r>
+              <a:rPr lang="en-US" dirty="0" smtClean="0"/>
+              <a:t>What </a:t>
+            </a:r>
+            <a:r>
+              <a:rPr lang="en-US" dirty="0" err="1" smtClean="0"/>
+              <a:t>isit</a:t>
+            </a:r>
+            <a:r>
+              <a:rPr lang="en-US" dirty="0" smtClean="0"/>
+              <a:t>?</a:t>
             </a:r>
           </a:p>
           <a:p>
             <a:pPr lvl="1"/>
             <a:r>
+              <a:rPr lang="en-US" dirty="0" smtClean="0"/>
+              <a:t>Business logic</a:t>
+            </a:r>
+          </a:p>
+          <a:p>
+            <a:pPr lvl="1"/>
+            <a:r>
+              <a:rPr lang="en-US" dirty="0" smtClean="0"/>
+              <a:t>Framework independent</a:t>
+            </a:r>
+          </a:p>
+          <a:p>
+            <a:r>
+              <a:rPr lang="en-US" dirty="0" smtClean="0"/>
+              <a:t>What it’s not</a:t>
+            </a:r>
+          </a:p>
+          <a:p>
+            <a:pPr lvl="1"/>
+            <a:r>
+              <a:rPr lang="en-US" dirty="0" smtClean="0"/>
+              <a:t>Limited to the value object pattern</a:t>
+            </a:r>
+          </a:p>
+          <a:p>
+            <a:pPr lvl="1"/>
+            <a:r>
+              <a:rPr lang="en-US" dirty="0" smtClean="0"/>
+              <a:t>Framework implementation software</a:t>
+            </a:r>
+          </a:p>
+          <a:p>
+            <a:r>
+              <a:rPr lang="en-US" dirty="0" smtClean="0"/>
+              <a:t>Features</a:t>
+            </a:r>
+          </a:p>
+          <a:p>
+            <a:pPr lvl="1"/>
+            <a:r>
               <a:rPr lang="en-US" dirty="0" err="1" smtClean="0"/>
-              <a:t>Pojo</a:t>
-            </a:r>
-            <a:r>
-              <a:rPr lang="en-US" dirty="0" smtClean="0"/>
-              <a:t> behavior classes , domain model, and dependencies</a:t>
-            </a:r>
-          </a:p>
-          <a:p>
-            <a:r>
-              <a:rPr lang="en-US" dirty="0" smtClean="0"/>
-              <a:t>Determine components responsibilities </a:t>
-            </a:r>
-          </a:p>
-          <a:p>
-            <a:pPr lvl="1"/>
-            <a:r>
-              <a:rPr lang="en-US" dirty="0" smtClean="0"/>
-              <a:t>Method</a:t>
-            </a:r>
-          </a:p>
-          <a:p>
-            <a:r>
-              <a:rPr lang="en-US" dirty="0" smtClean="0"/>
-              <a:t>Identify information items discovered during program execution</a:t>
-            </a:r>
-          </a:p>
-          <a:p>
-            <a:pPr lvl="1"/>
-            <a:r>
-              <a:rPr lang="en-US" dirty="0" smtClean="0"/>
-              <a:t>Method parameters</a:t>
-            </a:r>
-          </a:p>
-          <a:p>
-            <a:r>
-              <a:rPr lang="en-US" dirty="0" smtClean="0"/>
-              <a:t>Identify information available during initialization</a:t>
-            </a:r>
-          </a:p>
-          <a:p>
-            <a:pPr lvl="1"/>
-            <a:r>
-              <a:rPr lang="en-US" dirty="0" smtClean="0"/>
-              <a:t>Initialization parameters for constructors, setters, factories</a:t>
-            </a:r>
-          </a:p>
-          <a:p>
-            <a:pPr lvl="1"/>
+              <a:t>Poratable</a:t>
+            </a:r>
+            <a:r>
+              <a:rPr lang="en-US" dirty="0" smtClean="0"/>
+              <a:t>, testable, flexible</a:t>
+            </a:r>
             <a:endParaRPr lang="en-GB" dirty="0"/>
           </a:p>
         </p:txBody>
@@ -4895,7 +5001,7 @@
     </p:spTree>
     <p:extLst>
       <p:ext uri="{BB962C8B-B14F-4D97-AF65-F5344CB8AC3E}">
-        <p14:creationId xmlns:p14="http://schemas.microsoft.com/office/powerpoint/2010/main" val="2164368853"/>
+        <p14:creationId xmlns:p14="http://schemas.microsoft.com/office/powerpoint/2010/main" val="170196507"/>
       </p:ext>
     </p:extLst>
   </p:cSld>
@@ -4950,15 +5056,155 @@
             </a:r>
             <a:r>
               <a:rPr lang="en-US" dirty="0" smtClean="0"/>
+              <a:t> development process</a:t>
+            </a:r>
+            <a:endParaRPr lang="en-GB" dirty="0"/>
+          </a:p>
+        </p:txBody>
+      </p:sp>
+      <p:sp>
+        <p:nvSpPr>
+          <p:cNvPr id="3" name="Content Placeholder 2"/>
+          <p:cNvSpPr>
+            <a:spLocks noGrp="1"/>
+          </p:cNvSpPr>
+          <p:nvPr>
+            <p:ph idx="1"/>
+          </p:nvPr>
+        </p:nvSpPr>
+        <p:spPr/>
+        <p:txBody>
+          <a:bodyPr/>
+          <a:lstStyle/>
+          <a:p>
+            <a:r>
+              <a:rPr lang="en-US" dirty="0" smtClean="0"/>
+              <a:t>Describe the system agents and interactions </a:t>
+            </a:r>
+          </a:p>
+          <a:p>
+            <a:pPr lvl="1"/>
+            <a:r>
+              <a:rPr lang="en-US" dirty="0" err="1" smtClean="0"/>
+              <a:t>Pojo</a:t>
+            </a:r>
+            <a:r>
+              <a:rPr lang="en-US" dirty="0" smtClean="0"/>
+              <a:t> behavior classes , domain model, and dependencies</a:t>
+            </a:r>
+          </a:p>
+          <a:p>
+            <a:r>
+              <a:rPr lang="en-US" dirty="0" smtClean="0"/>
+              <a:t>Determine components responsibilities </a:t>
+            </a:r>
+          </a:p>
+          <a:p>
+            <a:pPr lvl="1"/>
+            <a:r>
+              <a:rPr lang="en-US" dirty="0" smtClean="0"/>
+              <a:t>Method</a:t>
+            </a:r>
+          </a:p>
+          <a:p>
+            <a:r>
+              <a:rPr lang="en-US" dirty="0" smtClean="0"/>
+              <a:t>Identify information items discovered during program execution</a:t>
+            </a:r>
+          </a:p>
+          <a:p>
+            <a:pPr lvl="1"/>
+            <a:r>
+              <a:rPr lang="en-US" dirty="0" smtClean="0"/>
+              <a:t>Method parameters</a:t>
+            </a:r>
+          </a:p>
+          <a:p>
+            <a:r>
+              <a:rPr lang="en-US" dirty="0" smtClean="0"/>
+              <a:t>Identify information available during initialization</a:t>
+            </a:r>
+          </a:p>
+          <a:p>
+            <a:pPr lvl="1"/>
+            <a:r>
+              <a:rPr lang="en-US" dirty="0" smtClean="0"/>
+              <a:t>Initialization parameters for constructors, setters, factories</a:t>
+            </a:r>
+          </a:p>
+          <a:p>
+            <a:pPr lvl="1"/>
+            <a:endParaRPr lang="en-GB" dirty="0"/>
+          </a:p>
+        </p:txBody>
+      </p:sp>
+    </p:spTree>
+    <p:extLst>
+      <p:ext uri="{BB962C8B-B14F-4D97-AF65-F5344CB8AC3E}">
+        <p14:creationId xmlns:p14="http://schemas.microsoft.com/office/powerpoint/2010/main" val="2164368853"/>
+      </p:ext>
+    </p:extLst>
+  </p:cSld>
+  <p:clrMapOvr>
+    <a:masterClrMapping/>
+  </p:clrMapOvr>
+  <p:timing>
+    <p:tnLst>
+      <p:par>
+        <p:cTn id="1" dur="indefinite" restart="never" nodeType="tmRoot"/>
+      </p:par>
+    </p:tnLst>
+  </p:timing>
+</p:sld>
+</file>
+
+<file path=ppt/slides/slide22.xml><?xml version="1.0" encoding="utf-8"?>
+<p:sld xmlns:a="http://schemas.openxmlformats.org/drawingml/2006/main" xmlns:r="http://schemas.openxmlformats.org/officeDocument/2006/relationships" xmlns:p="http://schemas.openxmlformats.org/presentationml/2006/main">
+  <p:cSld>
+    <p:spTree>
+      <p:nvGrpSpPr>
+        <p:cNvPr id="1" name=""/>
+        <p:cNvGrpSpPr/>
+        <p:nvPr/>
+      </p:nvGrpSpPr>
+      <p:grpSpPr>
+        <a:xfrm>
+          <a:off x="0" y="0"/>
+          <a:ext cx="0" cy="0"/>
+          <a:chOff x="0" y="0"/>
+          <a:chExt cx="0" cy="0"/>
+        </a:xfrm>
+      </p:grpSpPr>
+      <p:sp>
+        <p:nvSpPr>
+          <p:cNvPr id="2" name="Title 1"/>
+          <p:cNvSpPr>
+            <a:spLocks noGrp="1"/>
+          </p:cNvSpPr>
+          <p:nvPr>
+            <p:ph type="title"/>
+          </p:nvPr>
+        </p:nvSpPr>
+        <p:spPr/>
+        <p:txBody>
+          <a:bodyPr/>
+          <a:lstStyle/>
+          <a:p>
+            <a:r>
+              <a:rPr lang="en-US" dirty="0" err="1" smtClean="0"/>
+              <a:t>Pojo</a:t>
+            </a:r>
+            <a:r>
+              <a:rPr lang="en-US" dirty="0" smtClean="0"/>
               <a:t> development </a:t>
             </a:r>
             <a:r>
-              <a:rPr lang="en-US" dirty="0" err="1" smtClean="0"/>
-              <a:t>proceses</a:t>
-            </a:r>
-            <a:r>
-              <a:rPr lang="en-US" dirty="0" smtClean="0"/>
-              <a:t> example</a:t>
+              <a:rPr lang="en-US" dirty="0" smtClean="0"/>
+              <a:t>processes </a:t>
+            </a:r>
+            <a:r>
+              <a:rPr lang="en-US" dirty="0" smtClean="0"/>
+              <a:t>example</a:t>
             </a:r>
             <a:endParaRPr lang="en-GB" dirty="0"/>
           </a:p>
@@ -5093,7 +5339,7 @@
 </p:sld>
 </file>
 
-<file path=ppt/slides/slide22.xml><?xml version="1.0" encoding="utf-8"?>
+<file path=ppt/slides/slide23.xml><?xml version="1.0" encoding="utf-8"?>
 <p:sld xmlns:a="http://schemas.openxmlformats.org/drawingml/2006/main" xmlns:r="http://schemas.openxmlformats.org/officeDocument/2006/relationships" xmlns:p="http://schemas.openxmlformats.org/presentationml/2006/main">
   <p:cSld>
     <p:spTree>
@@ -5209,7 +5455,7 @@
 </p:sld>
 </file>
 
-<file path=ppt/slides/slide23.xml><?xml version="1.0" encoding="utf-8"?>
+<file path=ppt/slides/slide24.xml><?xml version="1.0" encoding="utf-8"?>
 <p:sld xmlns:a="http://schemas.openxmlformats.org/drawingml/2006/main" xmlns:r="http://schemas.openxmlformats.org/officeDocument/2006/relationships" xmlns:p="http://schemas.openxmlformats.org/presentationml/2006/main">
   <p:cSld>
     <p:spTree>
@@ -5325,7 +5571,7 @@
 </p:sld>
 </file>
 
-<file path=ppt/slides/slide24.xml><?xml version="1.0" encoding="utf-8"?>
+<file path=ppt/slides/slide25.xml><?xml version="1.0" encoding="utf-8"?>
 <p:sld xmlns:a="http://schemas.openxmlformats.org/drawingml/2006/main" xmlns:r="http://schemas.openxmlformats.org/officeDocument/2006/relationships" xmlns:p="http://schemas.openxmlformats.org/presentationml/2006/main">
   <p:cSld>
     <p:spTree>
@@ -5441,7 +5687,7 @@
 </p:sld>
 </file>
 
-<file path=ppt/slides/slide25.xml><?xml version="1.0" encoding="utf-8"?>
+<file path=ppt/slides/slide26.xml><?xml version="1.0" encoding="utf-8"?>
 <p:sld xmlns:a="http://schemas.openxmlformats.org/drawingml/2006/main" xmlns:r="http://schemas.openxmlformats.org/officeDocument/2006/relationships" xmlns:p="http://schemas.openxmlformats.org/presentationml/2006/main">
   <p:cSld>
     <p:spTree>
@@ -5529,7 +5775,7 @@
         </p:blipFill>
         <p:spPr>
           <a:xfrm>
-            <a:off x="2253802" y="2137100"/>
+            <a:off x="2470449" y="2408033"/>
             <a:ext cx="7220621" cy="4069032"/>
           </a:xfrm>
           <a:prstGeom prst="rect">
@@ -5557,7 +5803,7 @@
 </p:sld>
 </file>
 
-<file path=ppt/slides/slide26.xml><?xml version="1.0" encoding="utf-8"?>
+<file path=ppt/slides/slide27.xml><?xml version="1.0" encoding="utf-8"?>
 <p:sld xmlns:a="http://schemas.openxmlformats.org/drawingml/2006/main" xmlns:r="http://schemas.openxmlformats.org/officeDocument/2006/relationships" xmlns:p="http://schemas.openxmlformats.org/presentationml/2006/main">
   <p:cSld>
     <p:spTree>
@@ -5645,7 +5891,7 @@
 </p:sld>
 </file>
 
-<file path=ppt/slides/slide27.xml><?xml version="1.0" encoding="utf-8"?>
+<file path=ppt/slides/slide28.xml><?xml version="1.0" encoding="utf-8"?>
 <p:sld xmlns:a="http://schemas.openxmlformats.org/drawingml/2006/main" xmlns:r="http://schemas.openxmlformats.org/officeDocument/2006/relationships" xmlns:p="http://schemas.openxmlformats.org/presentationml/2006/main">
   <p:cSld>
     <p:spTree>
@@ -5702,7 +5948,7 @@
         <p:spPr>
           <a:xfrm>
             <a:off x="1320800" y="1804164"/>
-            <a:ext cx="7811911" cy="4435815"/>
+            <a:ext cx="8234298" cy="4675658"/>
           </a:xfrm>
           <a:prstGeom prst="rect">
             <a:avLst/>
@@ -5729,7 +5975,7 @@
 </p:sld>
 </file>
 
-<file path=ppt/slides/slide28.xml><?xml version="1.0" encoding="utf-8"?>
+<file path=ppt/slides/slide29.xml><?xml version="1.0" encoding="utf-8"?>
 <p:sld xmlns:a="http://schemas.openxmlformats.org/drawingml/2006/main" xmlns:r="http://schemas.openxmlformats.org/officeDocument/2006/relationships" xmlns:p="http://schemas.openxmlformats.org/presentationml/2006/main">
   <p:cSld>
     <p:spTree>
@@ -5813,90 +6059,6 @@
 </p:sld>
 </file>
 
-<file path=ppt/slides/slide29.xml><?xml version="1.0" encoding="utf-8"?>
-<p:sld xmlns:a="http://schemas.openxmlformats.org/drawingml/2006/main" xmlns:r="http://schemas.openxmlformats.org/officeDocument/2006/relationships" xmlns:p="http://schemas.openxmlformats.org/presentationml/2006/main">
-  <p:cSld>
-    <p:spTree>
-      <p:nvGrpSpPr>
-        <p:cNvPr id="1" name=""/>
-        <p:cNvGrpSpPr/>
-        <p:nvPr/>
-      </p:nvGrpSpPr>
-      <p:grpSpPr>
-        <a:xfrm>
-          <a:off x="0" y="0"/>
-          <a:ext cx="0" cy="0"/>
-          <a:chOff x="0" y="0"/>
-          <a:chExt cx="0" cy="0"/>
-        </a:xfrm>
-      </p:grpSpPr>
-      <p:sp>
-        <p:nvSpPr>
-          <p:cNvPr id="2" name="Title 1"/>
-          <p:cNvSpPr>
-            <a:spLocks noGrp="1"/>
-          </p:cNvSpPr>
-          <p:nvPr>
-            <p:ph type="title"/>
-          </p:nvPr>
-        </p:nvSpPr>
-        <p:spPr/>
-        <p:txBody>
-          <a:bodyPr/>
-          <a:lstStyle/>
-          <a:p>
-            <a:r>
-              <a:rPr lang="en-US" dirty="0" smtClean="0"/>
-              <a:t>Book library implementation</a:t>
-            </a:r>
-            <a:endParaRPr lang="en-GB" dirty="0"/>
-          </a:p>
-        </p:txBody>
-      </p:sp>
-      <p:pic>
-        <p:nvPicPr>
-          <p:cNvPr id="4" name="Picture 3"/>
-          <p:cNvPicPr>
-            <a:picLocks noChangeAspect="1"/>
-          </p:cNvPicPr>
-          <p:nvPr/>
-        </p:nvPicPr>
-        <p:blipFill>
-          <a:blip r:embed="rId2"/>
-          <a:stretch>
-            <a:fillRect/>
-          </a:stretch>
-        </p:blipFill>
-        <p:spPr>
-          <a:xfrm>
-            <a:off x="1241601" y="1897767"/>
-            <a:ext cx="7496175" cy="4371975"/>
-          </a:xfrm>
-          <a:prstGeom prst="rect">
-            <a:avLst/>
-          </a:prstGeom>
-        </p:spPr>
-      </p:pic>
-    </p:spTree>
-    <p:extLst>
-      <p:ext uri="{BB962C8B-B14F-4D97-AF65-F5344CB8AC3E}">
-        <p14:creationId xmlns:p14="http://schemas.microsoft.com/office/powerpoint/2010/main" val="240115023"/>
-      </p:ext>
-    </p:extLst>
-  </p:cSld>
-  <p:clrMapOvr>
-    <a:masterClrMapping/>
-  </p:clrMapOvr>
-  <p:timing>
-    <p:tnLst>
-      <p:par>
-        <p:cTn id="1" dur="indefinite" restart="never" nodeType="tmRoot"/>
-      </p:par>
-    </p:tnLst>
-  </p:timing>
-</p:sld>
-</file>
-
 <file path=ppt/slides/slide3.xml><?xml version="1.0" encoding="utf-8"?>
 <p:sld xmlns:a="http://schemas.openxmlformats.org/drawingml/2006/main" xmlns:r="http://schemas.openxmlformats.org/officeDocument/2006/relationships" xmlns:p="http://schemas.openxmlformats.org/presentationml/2006/main">
   <p:cSld>
@@ -5926,7 +6088,7 @@
         </p:nvSpPr>
         <p:spPr>
           <a:xfrm>
-            <a:off x="939800" y="2193925"/>
+            <a:off x="838200" y="2566458"/>
             <a:ext cx="10515600" cy="1325563"/>
           </a:xfrm>
         </p:spPr>
@@ -6120,7 +6282,7 @@
       </p:grpSpPr>
       <p:sp>
         <p:nvSpPr>
-          <p:cNvPr id="4" name="Title 3"/>
+          <p:cNvPr id="2" name="Title 1"/>
           <p:cNvSpPr>
             <a:spLocks noGrp="1"/>
           </p:cNvSpPr>
@@ -6135,7 +6297,7 @@
           <a:p>
             <a:r>
               <a:rPr lang="en-US" dirty="0" smtClean="0"/>
-              <a:t>Client implementation</a:t>
+              <a:t>Book library implementation</a:t>
             </a:r>
             <a:endParaRPr lang="en-GB" dirty="0"/>
           </a:p>
@@ -6143,7 +6305,7 @@
       </p:sp>
       <p:pic>
         <p:nvPicPr>
-          <p:cNvPr id="2" name="Picture 1"/>
+          <p:cNvPr id="4" name="Picture 3"/>
           <p:cNvPicPr>
             <a:picLocks noChangeAspect="1"/>
           </p:cNvPicPr>
@@ -6157,8 +6319,8 @@
         </p:blipFill>
         <p:spPr>
           <a:xfrm>
-            <a:off x="1375655" y="1837090"/>
-            <a:ext cx="7724775" cy="4448175"/>
+            <a:off x="1241601" y="1897767"/>
+            <a:ext cx="7992710" cy="4661568"/>
           </a:xfrm>
           <a:prstGeom prst="rect">
             <a:avLst/>
@@ -6168,7 +6330,7 @@
     </p:spTree>
     <p:extLst>
       <p:ext uri="{BB962C8B-B14F-4D97-AF65-F5344CB8AC3E}">
-        <p14:creationId xmlns:p14="http://schemas.microsoft.com/office/powerpoint/2010/main" val="954055744"/>
+        <p14:creationId xmlns:p14="http://schemas.microsoft.com/office/powerpoint/2010/main" val="240115023"/>
       </p:ext>
     </p:extLst>
   </p:cSld>
@@ -6204,7 +6366,7 @@
       </p:grpSpPr>
       <p:sp>
         <p:nvSpPr>
-          <p:cNvPr id="2" name="Title 1"/>
+          <p:cNvPr id="4" name="Title 3"/>
           <p:cNvSpPr>
             <a:spLocks noGrp="1"/>
           </p:cNvSpPr>
@@ -6212,29 +6374,47 @@
             <p:ph type="title"/>
           </p:nvPr>
         </p:nvSpPr>
+        <p:spPr/>
+        <p:txBody>
+          <a:bodyPr/>
+          <a:lstStyle/>
+          <a:p>
+            <a:r>
+              <a:rPr lang="en-US" dirty="0" smtClean="0"/>
+              <a:t>Client implementation</a:t>
+            </a:r>
+            <a:endParaRPr lang="en-GB" dirty="0"/>
+          </a:p>
+        </p:txBody>
+      </p:sp>
+      <p:pic>
+        <p:nvPicPr>
+          <p:cNvPr id="2" name="Picture 1"/>
+          <p:cNvPicPr>
+            <a:picLocks noChangeAspect="1"/>
+          </p:cNvPicPr>
+          <p:nvPr/>
+        </p:nvPicPr>
+        <p:blipFill>
+          <a:blip r:embed="rId2"/>
+          <a:stretch>
+            <a:fillRect/>
+          </a:stretch>
+        </p:blipFill>
         <p:spPr>
           <a:xfrm>
-            <a:off x="962377" y="2182636"/>
-            <a:ext cx="10515600" cy="1325563"/>
+            <a:off x="1307922" y="1870956"/>
+            <a:ext cx="7964624" cy="4586288"/>
           </a:xfrm>
+          <a:prstGeom prst="rect">
+            <a:avLst/>
+          </a:prstGeom>
         </p:spPr>
-        <p:txBody>
-          <a:bodyPr/>
-          <a:lstStyle/>
-          <a:p>
-            <a:pPr algn="ctr"/>
-            <a:r>
-              <a:rPr lang="en-US" dirty="0" smtClean="0"/>
-              <a:t>Dependency injection</a:t>
-            </a:r>
-            <a:endParaRPr lang="en-GB" dirty="0"/>
-          </a:p>
-        </p:txBody>
-      </p:sp>
+      </p:pic>
     </p:spTree>
     <p:extLst>
       <p:ext uri="{BB962C8B-B14F-4D97-AF65-F5344CB8AC3E}">
-        <p14:creationId xmlns:p14="http://schemas.microsoft.com/office/powerpoint/2010/main" val="1320114894"/>
+        <p14:creationId xmlns:p14="http://schemas.microsoft.com/office/powerpoint/2010/main" val="954055744"/>
       </p:ext>
     </p:extLst>
   </p:cSld>
@@ -6278,71 +6458,21 @@
             <p:ph type="title"/>
           </p:nvPr>
         </p:nvSpPr>
-        <p:spPr/>
-        <p:txBody>
-          <a:bodyPr/>
-          <a:lstStyle/>
-          <a:p>
+        <p:spPr>
+          <a:xfrm>
+            <a:off x="962377" y="2645480"/>
+            <a:ext cx="10515600" cy="1325563"/>
+          </a:xfrm>
+        </p:spPr>
+        <p:txBody>
+          <a:bodyPr/>
+          <a:lstStyle/>
+          <a:p>
+            <a:pPr algn="ctr"/>
             <a:r>
               <a:rPr lang="en-US" dirty="0" smtClean="0"/>
               <a:t>Dependency injection</a:t>
             </a:r>
-            <a:endParaRPr lang="en-GB" dirty="0"/>
-          </a:p>
-        </p:txBody>
-      </p:sp>
-      <p:sp>
-        <p:nvSpPr>
-          <p:cNvPr id="3" name="Content Placeholder 2"/>
-          <p:cNvSpPr>
-            <a:spLocks noGrp="1"/>
-          </p:cNvSpPr>
-          <p:nvPr>
-            <p:ph idx="1"/>
-          </p:nvPr>
-        </p:nvSpPr>
-        <p:spPr/>
-        <p:txBody>
-          <a:bodyPr/>
-          <a:lstStyle/>
-          <a:p>
-            <a:r>
-              <a:rPr lang="en-US" dirty="0" smtClean="0"/>
-              <a:t>Deliveries object dependencies at runtime</a:t>
-            </a:r>
-          </a:p>
-          <a:p>
-            <a:r>
-              <a:rPr lang="en-US" dirty="0" smtClean="0"/>
-              <a:t>Encourages the separation of responsibilities</a:t>
-            </a:r>
-          </a:p>
-          <a:p>
-            <a:r>
-              <a:rPr lang="en-US" dirty="0" smtClean="0"/>
-              <a:t>When used with the interface pattern</a:t>
-            </a:r>
-          </a:p>
-          <a:p>
-            <a:pPr lvl="1"/>
-            <a:r>
-              <a:rPr lang="en-US" dirty="0" smtClean="0"/>
-              <a:t>Isolates implementation from clients</a:t>
-            </a:r>
-          </a:p>
-          <a:p>
-            <a:pPr lvl="1"/>
-            <a:r>
-              <a:rPr lang="en-US" dirty="0" smtClean="0"/>
-              <a:t>Minimizes the impact on clients when implementation evolve</a:t>
-            </a:r>
-          </a:p>
-          <a:p>
-            <a:pPr lvl="1"/>
-            <a:endParaRPr lang="en-US" dirty="0" smtClean="0"/>
-          </a:p>
-          <a:p>
-            <a:pPr lvl="1"/>
             <a:endParaRPr lang="en-GB" dirty="0"/>
           </a:p>
         </p:txBody>
@@ -6350,7 +6480,7 @@
     </p:spTree>
     <p:extLst>
       <p:ext uri="{BB962C8B-B14F-4D97-AF65-F5344CB8AC3E}">
-        <p14:creationId xmlns:p14="http://schemas.microsoft.com/office/powerpoint/2010/main" val="105930241"/>
+        <p14:creationId xmlns:p14="http://schemas.microsoft.com/office/powerpoint/2010/main" val="1320114894"/>
       </p:ext>
     </p:extLst>
   </p:cSld>
@@ -6401,7 +6531,7 @@
           <a:p>
             <a:r>
               <a:rPr lang="en-US" dirty="0" smtClean="0"/>
-              <a:t>Dependency injection process</a:t>
+              <a:t>Dependency injection</a:t>
             </a:r>
             <a:endParaRPr lang="en-GB" dirty="0"/>
           </a:p>
@@ -6424,42 +6554,41 @@
           <a:p>
             <a:r>
               <a:rPr lang="en-US" dirty="0" smtClean="0"/>
-              <a:t>Design depending types to receives implementations</a:t>
+              <a:t>Deliveries object dependencies at runtime</a:t>
+            </a:r>
+          </a:p>
+          <a:p>
+            <a:r>
+              <a:rPr lang="en-US" dirty="0" smtClean="0"/>
+              <a:t>Encourages the separation of responsibilities</a:t>
+            </a:r>
+          </a:p>
+          <a:p>
+            <a:r>
+              <a:rPr lang="en-US" dirty="0" smtClean="0"/>
+              <a:t>When used with the interface pattern</a:t>
             </a:r>
           </a:p>
           <a:p>
             <a:pPr lvl="1"/>
             <a:r>
               <a:rPr lang="en-US" dirty="0" smtClean="0"/>
-              <a:t>Allow dependencies to be supplied using property setters and constructors</a:t>
+              <a:t>Isolates implementation from clients</a:t>
             </a:r>
           </a:p>
           <a:p>
             <a:pPr lvl="1"/>
             <a:r>
               <a:rPr lang="en-US" dirty="0" smtClean="0"/>
-              <a:t>Other dependency injection methods property setters or constructors</a:t>
-            </a:r>
-          </a:p>
-          <a:p>
-            <a:pPr lvl="2"/>
-            <a:r>
-              <a:rPr lang="en-US" dirty="0" smtClean="0"/>
-              <a:t>Other dependency injection methods are also available , such as injection , but requires third-party or java reflection support</a:t>
-            </a:r>
-          </a:p>
-          <a:p>
-            <a:r>
-              <a:rPr lang="en-US" dirty="0" smtClean="0"/>
-              <a:t>Avoid constructing objects from the clients to fulfill dependencies</a:t>
+              <a:t>Minimizes the impact on clients when implementation evolve</a:t>
             </a:r>
           </a:p>
           <a:p>
             <a:pPr lvl="1"/>
-            <a:r>
-              <a:rPr lang="en-US" dirty="0" smtClean="0"/>
-              <a:t>For example , do not use the new operator to manage services</a:t>
-            </a:r>
+            <a:endParaRPr lang="en-US" dirty="0" smtClean="0"/>
+          </a:p>
+          <a:p>
+            <a:pPr lvl="1"/>
             <a:endParaRPr lang="en-GB" dirty="0"/>
           </a:p>
         </p:txBody>
@@ -6467,7 +6596,7 @@
     </p:spTree>
     <p:extLst>
       <p:ext uri="{BB962C8B-B14F-4D97-AF65-F5344CB8AC3E}">
-        <p14:creationId xmlns:p14="http://schemas.microsoft.com/office/powerpoint/2010/main" val="2323280653"/>
+        <p14:creationId xmlns:p14="http://schemas.microsoft.com/office/powerpoint/2010/main" val="105930241"/>
       </p:ext>
     </p:extLst>
   </p:cSld>
@@ -6518,40 +6647,73 @@
           <a:p>
             <a:r>
               <a:rPr lang="en-US" dirty="0" smtClean="0"/>
-              <a:t>Dependency injection candidates</a:t>
+              <a:t>Dependency injection process</a:t>
             </a:r>
             <a:endParaRPr lang="en-GB" dirty="0"/>
           </a:p>
         </p:txBody>
       </p:sp>
-      <p:pic>
-        <p:nvPicPr>
-          <p:cNvPr id="5" name="Picture 4"/>
-          <p:cNvPicPr>
-            <a:picLocks noChangeAspect="1"/>
-          </p:cNvPicPr>
-          <p:nvPr/>
-        </p:nvPicPr>
-        <p:blipFill>
-          <a:blip r:embed="rId2"/>
-          <a:stretch>
-            <a:fillRect/>
-          </a:stretch>
-        </p:blipFill>
-        <p:spPr>
-          <a:xfrm>
-            <a:off x="1244035" y="1816383"/>
-            <a:ext cx="7286625" cy="4438650"/>
-          </a:xfrm>
-          <a:prstGeom prst="rect">
-            <a:avLst/>
-          </a:prstGeom>
-        </p:spPr>
-      </p:pic>
+      <p:sp>
+        <p:nvSpPr>
+          <p:cNvPr id="3" name="Content Placeholder 2"/>
+          <p:cNvSpPr>
+            <a:spLocks noGrp="1"/>
+          </p:cNvSpPr>
+          <p:nvPr>
+            <p:ph idx="1"/>
+          </p:nvPr>
+        </p:nvSpPr>
+        <p:spPr/>
+        <p:txBody>
+          <a:bodyPr/>
+          <a:lstStyle/>
+          <a:p>
+            <a:r>
+              <a:rPr lang="en-US" dirty="0" smtClean="0"/>
+              <a:t>Design depending types to receives implementations</a:t>
+            </a:r>
+          </a:p>
+          <a:p>
+            <a:pPr lvl="1"/>
+            <a:r>
+              <a:rPr lang="en-US" dirty="0" smtClean="0"/>
+              <a:t>Allow dependencies to be supplied using property setters and constructors</a:t>
+            </a:r>
+          </a:p>
+          <a:p>
+            <a:pPr lvl="1"/>
+            <a:r>
+              <a:rPr lang="en-US" dirty="0" smtClean="0"/>
+              <a:t>Other dependency injection methods property setters or constructors</a:t>
+            </a:r>
+          </a:p>
+          <a:p>
+            <a:pPr lvl="2"/>
+            <a:r>
+              <a:rPr lang="en-US" dirty="0" smtClean="0"/>
+              <a:t>Other dependency injection methods are also available , such as injection , but requires third-party or java reflection support</a:t>
+            </a:r>
+          </a:p>
+          <a:p>
+            <a:r>
+              <a:rPr lang="en-US" dirty="0" smtClean="0"/>
+              <a:t>Avoid constructing objects from the clients to fulfill dependencies</a:t>
+            </a:r>
+          </a:p>
+          <a:p>
+            <a:pPr lvl="1"/>
+            <a:r>
+              <a:rPr lang="en-US" dirty="0" smtClean="0"/>
+              <a:t>For example , do not use the new operator to manage services</a:t>
+            </a:r>
+            <a:endParaRPr lang="en-GB" dirty="0"/>
+          </a:p>
+        </p:txBody>
+      </p:sp>
     </p:spTree>
     <p:extLst>
       <p:ext uri="{BB962C8B-B14F-4D97-AF65-F5344CB8AC3E}">
-        <p14:creationId xmlns:p14="http://schemas.microsoft.com/office/powerpoint/2010/main" val="3508001833"/>
+        <p14:creationId xmlns:p14="http://schemas.microsoft.com/office/powerpoint/2010/main" val="2323280653"/>
       </p:ext>
     </p:extLst>
   </p:cSld>
@@ -6602,7 +6764,7 @@
           <a:p>
             <a:r>
               <a:rPr lang="en-US" dirty="0" smtClean="0"/>
-              <a:t>Dependency injection example</a:t>
+              <a:t>Dependency injection candidates</a:t>
             </a:r>
             <a:endParaRPr lang="en-GB" dirty="0"/>
           </a:p>
@@ -6610,7 +6772,7 @@
       </p:sp>
       <p:pic>
         <p:nvPicPr>
-          <p:cNvPr id="3" name="Picture 2"/>
+          <p:cNvPr id="5" name="Picture 4"/>
           <p:cNvPicPr>
             <a:picLocks noChangeAspect="1"/>
           </p:cNvPicPr>
@@ -6624,8 +6786,8 @@
         </p:blipFill>
         <p:spPr>
           <a:xfrm>
-            <a:off x="1229960" y="1816383"/>
-            <a:ext cx="8467725" cy="4476750"/>
+            <a:off x="1244035" y="1816382"/>
+            <a:ext cx="7562985" cy="4606995"/>
           </a:xfrm>
           <a:prstGeom prst="rect">
             <a:avLst/>
@@ -6635,7 +6797,7 @@
     </p:spTree>
     <p:extLst>
       <p:ext uri="{BB962C8B-B14F-4D97-AF65-F5344CB8AC3E}">
-        <p14:creationId xmlns:p14="http://schemas.microsoft.com/office/powerpoint/2010/main" val="3682975777"/>
+        <p14:creationId xmlns:p14="http://schemas.microsoft.com/office/powerpoint/2010/main" val="3508001833"/>
       </p:ext>
     </p:extLst>
   </p:cSld>
@@ -6671,7 +6833,7 @@
       </p:grpSpPr>
       <p:sp>
         <p:nvSpPr>
-          <p:cNvPr id="5" name="Title 4"/>
+          <p:cNvPr id="2" name="Title 1"/>
           <p:cNvSpPr>
             <a:spLocks noGrp="1"/>
           </p:cNvSpPr>
@@ -6686,7 +6848,7 @@
           <a:p>
             <a:r>
               <a:rPr lang="en-US" dirty="0" smtClean="0"/>
-              <a:t>Example </a:t>
+              <a:t>Dependency injection example</a:t>
             </a:r>
             <a:endParaRPr lang="en-GB" dirty="0"/>
           </a:p>
@@ -6694,7 +6856,7 @@
       </p:sp>
       <p:pic>
         <p:nvPicPr>
-          <p:cNvPr id="2" name="Picture 1"/>
+          <p:cNvPr id="3" name="Picture 2"/>
           <p:cNvPicPr>
             <a:picLocks noChangeAspect="1"/>
           </p:cNvPicPr>
@@ -6708,8 +6870,8 @@
         </p:blipFill>
         <p:spPr>
           <a:xfrm>
-            <a:off x="1242448" y="1816383"/>
-            <a:ext cx="7419975" cy="4429125"/>
+            <a:off x="1286404" y="1861539"/>
+            <a:ext cx="8467725" cy="4476750"/>
           </a:xfrm>
           <a:prstGeom prst="rect">
             <a:avLst/>
@@ -6719,7 +6881,7 @@
     </p:spTree>
     <p:extLst>
       <p:ext uri="{BB962C8B-B14F-4D97-AF65-F5344CB8AC3E}">
-        <p14:creationId xmlns:p14="http://schemas.microsoft.com/office/powerpoint/2010/main" val="4116805848"/>
+        <p14:creationId xmlns:p14="http://schemas.microsoft.com/office/powerpoint/2010/main" val="3682975777"/>
       </p:ext>
     </p:extLst>
   </p:cSld>
@@ -6755,6 +6917,90 @@
       </p:grpSpPr>
       <p:sp>
         <p:nvSpPr>
+          <p:cNvPr id="5" name="Title 4"/>
+          <p:cNvSpPr>
+            <a:spLocks noGrp="1"/>
+          </p:cNvSpPr>
+          <p:nvPr>
+            <p:ph type="title"/>
+          </p:nvPr>
+        </p:nvSpPr>
+        <p:spPr/>
+        <p:txBody>
+          <a:bodyPr/>
+          <a:lstStyle/>
+          <a:p>
+            <a:r>
+              <a:rPr lang="en-US" dirty="0" smtClean="0"/>
+              <a:t>Example </a:t>
+            </a:r>
+            <a:endParaRPr lang="en-GB" dirty="0"/>
+          </a:p>
+        </p:txBody>
+      </p:sp>
+      <p:pic>
+        <p:nvPicPr>
+          <p:cNvPr id="2" name="Picture 1"/>
+          <p:cNvPicPr>
+            <a:picLocks noChangeAspect="1"/>
+          </p:cNvPicPr>
+          <p:nvPr/>
+        </p:nvPicPr>
+        <p:blipFill>
+          <a:blip r:embed="rId2"/>
+          <a:stretch>
+            <a:fillRect/>
+          </a:stretch>
+        </p:blipFill>
+        <p:spPr>
+          <a:xfrm>
+            <a:off x="1242448" y="1816383"/>
+            <a:ext cx="7585572" cy="4527973"/>
+          </a:xfrm>
+          <a:prstGeom prst="rect">
+            <a:avLst/>
+          </a:prstGeom>
+        </p:spPr>
+      </p:pic>
+    </p:spTree>
+    <p:extLst>
+      <p:ext uri="{BB962C8B-B14F-4D97-AF65-F5344CB8AC3E}">
+        <p14:creationId xmlns:p14="http://schemas.microsoft.com/office/powerpoint/2010/main" val="4116805848"/>
+      </p:ext>
+    </p:extLst>
+  </p:cSld>
+  <p:clrMapOvr>
+    <a:masterClrMapping/>
+  </p:clrMapOvr>
+  <p:timing>
+    <p:tnLst>
+      <p:par>
+        <p:cTn id="1" dur="indefinite" restart="never" nodeType="tmRoot"/>
+      </p:par>
+    </p:tnLst>
+  </p:timing>
+</p:sld>
+</file>
+
+<file path=ppt/slides/slide38.xml><?xml version="1.0" encoding="utf-8"?>
+<p:sld xmlns:a="http://schemas.openxmlformats.org/drawingml/2006/main" xmlns:r="http://schemas.openxmlformats.org/officeDocument/2006/relationships" xmlns:p="http://schemas.openxmlformats.org/presentationml/2006/main">
+  <p:cSld>
+    <p:spTree>
+      <p:nvGrpSpPr>
+        <p:cNvPr id="1" name=""/>
+        <p:cNvGrpSpPr/>
+        <p:nvPr/>
+      </p:nvGrpSpPr>
+      <p:grpSpPr>
+        <a:xfrm>
+          <a:off x="0" y="0"/>
+          <a:ext cx="0" cy="0"/>
+          <a:chOff x="0" y="0"/>
+          <a:chExt cx="0" cy="0"/>
+        </a:xfrm>
+      </p:grpSpPr>
+      <p:sp>
+        <p:nvSpPr>
           <p:cNvPr id="2" name="Title 1"/>
           <p:cNvSpPr>
             <a:spLocks noGrp="1"/>
@@ -6842,8 +7088,8 @@
         </p:blipFill>
         <p:spPr>
           <a:xfrm>
-            <a:off x="2189410" y="2805664"/>
-            <a:ext cx="7487524" cy="3923547"/>
+            <a:off x="2596446" y="2894233"/>
+            <a:ext cx="7103066" cy="3722087"/>
           </a:xfrm>
           <a:prstGeom prst="rect">
             <a:avLst/>
@@ -6870,7 +7116,7 @@
 </p:sld>
 </file>
 
-<file path=ppt/slides/slide38.xml><?xml version="1.0" encoding="utf-8"?>
+<file path=ppt/slides/slide39.xml><?xml version="1.0" encoding="utf-8"?>
 <p:sld xmlns:a="http://schemas.openxmlformats.org/drawingml/2006/main" xmlns:r="http://schemas.openxmlformats.org/officeDocument/2006/relationships" xmlns:p="http://schemas.openxmlformats.org/presentationml/2006/main">
   <p:cSld>
     <p:spTree>
@@ -6992,72 +7238,6 @@
 </p:sld>
 </file>
 
-<file path=ppt/slides/slide39.xml><?xml version="1.0" encoding="utf-8"?>
-<p:sld xmlns:a="http://schemas.openxmlformats.org/drawingml/2006/main" xmlns:r="http://schemas.openxmlformats.org/officeDocument/2006/relationships" xmlns:p="http://schemas.openxmlformats.org/presentationml/2006/main">
-  <p:cSld>
-    <p:spTree>
-      <p:nvGrpSpPr>
-        <p:cNvPr id="1" name=""/>
-        <p:cNvGrpSpPr/>
-        <p:nvPr/>
-      </p:nvGrpSpPr>
-      <p:grpSpPr>
-        <a:xfrm>
-          <a:off x="0" y="0"/>
-          <a:ext cx="0" cy="0"/>
-          <a:chOff x="0" y="0"/>
-          <a:chExt cx="0" cy="0"/>
-        </a:xfrm>
-      </p:grpSpPr>
-      <p:sp>
-        <p:nvSpPr>
-          <p:cNvPr id="2" name="Title 1"/>
-          <p:cNvSpPr>
-            <a:spLocks noGrp="1"/>
-          </p:cNvSpPr>
-          <p:nvPr>
-            <p:ph type="title"/>
-          </p:nvPr>
-        </p:nvSpPr>
-        <p:spPr>
-          <a:xfrm>
-            <a:off x="838200" y="2103614"/>
-            <a:ext cx="10515600" cy="1325563"/>
-          </a:xfrm>
-        </p:spPr>
-        <p:txBody>
-          <a:bodyPr/>
-          <a:lstStyle/>
-          <a:p>
-            <a:pPr algn="ctr"/>
-            <a:r>
-              <a:rPr lang="en-US" dirty="0" smtClean="0"/>
-              <a:t>Inversion control</a:t>
-            </a:r>
-            <a:endParaRPr lang="en-GB" dirty="0"/>
-          </a:p>
-        </p:txBody>
-      </p:sp>
-    </p:spTree>
-    <p:extLst>
-      <p:ext uri="{BB962C8B-B14F-4D97-AF65-F5344CB8AC3E}">
-        <p14:creationId xmlns:p14="http://schemas.microsoft.com/office/powerpoint/2010/main" val="2703124329"/>
-      </p:ext>
-    </p:extLst>
-  </p:cSld>
-  <p:clrMapOvr>
-    <a:masterClrMapping/>
-  </p:clrMapOvr>
-  <p:timing>
-    <p:tnLst>
-      <p:par>
-        <p:cTn id="1" dur="indefinite" restart="never" nodeType="tmRoot"/>
-      </p:par>
-    </p:tnLst>
-  </p:timing>
-</p:sld>
-</file>
-
 <file path=ppt/slides/slide4.xml><?xml version="1.0" encoding="utf-8"?>
 <p:sld xmlns:a="http://schemas.openxmlformats.org/drawingml/2006/main" xmlns:r="http://schemas.openxmlformats.org/officeDocument/2006/relationships" xmlns:p="http://schemas.openxmlformats.org/presentationml/2006/main">
   <p:cSld>
@@ -7075,82 +7255,239 @@
           <a:chExt cx="0" cy="0"/>
         </a:xfrm>
       </p:grpSpPr>
-      <p:sp>
-        <p:nvSpPr>
-          <p:cNvPr id="2" name="Title 1"/>
-          <p:cNvSpPr>
-            <a:spLocks noGrp="1"/>
-          </p:cNvSpPr>
-          <p:nvPr>
-            <p:ph type="title"/>
-          </p:nvPr>
-        </p:nvSpPr>
-        <p:spPr/>
-        <p:txBody>
-          <a:bodyPr/>
-          <a:lstStyle/>
-          <a:p>
-            <a:r>
-              <a:rPr lang="en-US" dirty="0" smtClean="0"/>
-              <a:t>Software development Challenges</a:t>
-            </a:r>
-            <a:endParaRPr lang="en-GB" dirty="0"/>
-          </a:p>
-        </p:txBody>
-      </p:sp>
-      <p:sp>
-        <p:nvSpPr>
-          <p:cNvPr id="3" name="Content Placeholder 2"/>
-          <p:cNvSpPr>
-            <a:spLocks noGrp="1"/>
-          </p:cNvSpPr>
-          <p:nvPr>
-            <p:ph idx="1"/>
-          </p:nvPr>
-        </p:nvSpPr>
-        <p:spPr/>
-        <p:txBody>
-          <a:bodyPr/>
-          <a:lstStyle/>
-          <a:p>
-            <a:r>
-              <a:rPr lang="en-US" dirty="0" smtClean="0"/>
-              <a:t>Solutions are complex</a:t>
-            </a:r>
-          </a:p>
-          <a:p>
-            <a:r>
-              <a:rPr lang="en-US" dirty="0" smtClean="0"/>
-              <a:t>Requirements are constantly in flux</a:t>
-            </a:r>
-          </a:p>
-          <a:p>
-            <a:r>
-              <a:rPr lang="en-US" dirty="0" smtClean="0"/>
-              <a:t>Software architecture must be flexible</a:t>
-            </a:r>
-          </a:p>
-          <a:p>
-            <a:r>
-              <a:rPr lang="en-US" dirty="0" smtClean="0"/>
-              <a:t>Software components must be verifiable</a:t>
-            </a:r>
-          </a:p>
-          <a:p>
-            <a:r>
-              <a:rPr lang="en-US" dirty="0" smtClean="0"/>
-              <a:t>Software product must be easy validate</a:t>
-            </a:r>
-          </a:p>
-          <a:p>
-            <a:endParaRPr lang="en-GB" dirty="0"/>
-          </a:p>
-        </p:txBody>
-      </p:sp>
+      <p:pic>
+        <p:nvPicPr>
+          <p:cNvPr id="4104" name="Picture 8" descr="http://1.bp.blogspot.com/-1ferZUsfjiM/VMepuIo4o6I/AAAAAAAABXs/0H_fGXmsohA/s1600/java_ee.png"/>
+          <p:cNvPicPr>
+            <a:picLocks noChangeAspect="1" noChangeArrowheads="1"/>
+          </p:cNvPicPr>
+          <p:nvPr/>
+        </p:nvPicPr>
+        <p:blipFill>
+          <a:blip r:embed="rId2">
+            <a:extLst>
+              <a:ext uri="{28A0092B-C50C-407E-A947-70E740481C1C}">
+                <a14:useLocalDpi xmlns:a14="http://schemas.microsoft.com/office/drawing/2010/main" val="0"/>
+              </a:ext>
+            </a:extLst>
+          </a:blip>
+          <a:srcRect/>
+          <a:stretch>
+            <a:fillRect/>
+          </a:stretch>
+        </p:blipFill>
+        <p:spPr bwMode="auto">
+          <a:xfrm>
+            <a:off x="3951070" y="4427305"/>
+            <a:ext cx="4946339" cy="2110030"/>
+          </a:xfrm>
+          <a:prstGeom prst="rect">
+            <a:avLst/>
+          </a:prstGeom>
+          <a:noFill/>
+          <a:extLst>
+            <a:ext uri="{909E8E84-426E-40DD-AFC4-6F175D3DCCD1}">
+              <a14:hiddenFill xmlns:a14="http://schemas.microsoft.com/office/drawing/2010/main">
+                <a:solidFill>
+                  <a:srgbClr val="FFFFFF"/>
+                </a:solidFill>
+              </a14:hiddenFill>
+            </a:ext>
+          </a:extLst>
+        </p:spPr>
+      </p:pic>
+      <p:pic>
+        <p:nvPicPr>
+          <p:cNvPr id="4106" name="Picture 10" descr="Kết quả hình ảnh cho spring framework"/>
+          <p:cNvPicPr>
+            <a:picLocks noChangeAspect="1" noChangeArrowheads="1"/>
+          </p:cNvPicPr>
+          <p:nvPr/>
+        </p:nvPicPr>
+        <p:blipFill>
+          <a:blip r:embed="rId3">
+            <a:extLst>
+              <a:ext uri="{28A0092B-C50C-407E-A947-70E740481C1C}">
+                <a14:useLocalDpi xmlns:a14="http://schemas.microsoft.com/office/drawing/2010/main" val="0"/>
+              </a:ext>
+            </a:extLst>
+          </a:blip>
+          <a:srcRect/>
+          <a:stretch>
+            <a:fillRect/>
+          </a:stretch>
+        </p:blipFill>
+        <p:spPr bwMode="auto">
+          <a:xfrm>
+            <a:off x="7638240" y="611187"/>
+            <a:ext cx="3649240" cy="1142824"/>
+          </a:xfrm>
+          <a:prstGeom prst="rect">
+            <a:avLst/>
+          </a:prstGeom>
+          <a:noFill/>
+          <a:extLst>
+            <a:ext uri="{909E8E84-426E-40DD-AFC4-6F175D3DCCD1}">
+              <a14:hiddenFill xmlns:a14="http://schemas.microsoft.com/office/drawing/2010/main">
+                <a:solidFill>
+                  <a:srgbClr val="FFFFFF"/>
+                </a:solidFill>
+              </a14:hiddenFill>
+            </a:ext>
+          </a:extLst>
+        </p:spPr>
+      </p:pic>
+      <p:pic>
+        <p:nvPicPr>
+          <p:cNvPr id="4108" name="Picture 12" descr="http://quickcodetechnologies.com/images/icon/struts.png"/>
+          <p:cNvPicPr>
+            <a:picLocks noChangeAspect="1" noChangeArrowheads="1"/>
+          </p:cNvPicPr>
+          <p:nvPr/>
+        </p:nvPicPr>
+        <p:blipFill>
+          <a:blip r:embed="rId4">
+            <a:extLst>
+              <a:ext uri="{28A0092B-C50C-407E-A947-70E740481C1C}">
+                <a14:useLocalDpi xmlns:a14="http://schemas.microsoft.com/office/drawing/2010/main" val="0"/>
+              </a:ext>
+            </a:extLst>
+          </a:blip>
+          <a:srcRect/>
+          <a:stretch>
+            <a:fillRect/>
+          </a:stretch>
+        </p:blipFill>
+        <p:spPr bwMode="auto">
+          <a:xfrm>
+            <a:off x="379926" y="138658"/>
+            <a:ext cx="2362149" cy="2362149"/>
+          </a:xfrm>
+          <a:prstGeom prst="rect">
+            <a:avLst/>
+          </a:prstGeom>
+          <a:noFill/>
+          <a:extLst>
+            <a:ext uri="{909E8E84-426E-40DD-AFC4-6F175D3DCCD1}">
+              <a14:hiddenFill xmlns:a14="http://schemas.microsoft.com/office/drawing/2010/main">
+                <a:solidFill>
+                  <a:srgbClr val="FFFFFF"/>
+                </a:solidFill>
+              </a14:hiddenFill>
+            </a:ext>
+          </a:extLst>
+        </p:spPr>
+      </p:pic>
+      <p:pic>
+        <p:nvPicPr>
+          <p:cNvPr id="4110" name="Picture 14" descr="http://www.tree-tips.com/static/img/eyecatch/seasar/main_eyecatch.png"/>
+          <p:cNvPicPr>
+            <a:picLocks noChangeAspect="1" noChangeArrowheads="1"/>
+          </p:cNvPicPr>
+          <p:nvPr/>
+        </p:nvPicPr>
+        <p:blipFill>
+          <a:blip r:embed="rId5">
+            <a:extLst>
+              <a:ext uri="{28A0092B-C50C-407E-A947-70E740481C1C}">
+                <a14:useLocalDpi xmlns:a14="http://schemas.microsoft.com/office/drawing/2010/main" val="0"/>
+              </a:ext>
+            </a:extLst>
+          </a:blip>
+          <a:srcRect/>
+          <a:stretch>
+            <a:fillRect/>
+          </a:stretch>
+        </p:blipFill>
+        <p:spPr bwMode="auto">
+          <a:xfrm>
+            <a:off x="2320098" y="1582421"/>
+            <a:ext cx="8208285" cy="2747615"/>
+          </a:xfrm>
+          <a:prstGeom prst="rect">
+            <a:avLst/>
+          </a:prstGeom>
+          <a:noFill/>
+          <a:extLst>
+            <a:ext uri="{909E8E84-426E-40DD-AFC4-6F175D3DCCD1}">
+              <a14:hiddenFill xmlns:a14="http://schemas.microsoft.com/office/drawing/2010/main">
+                <a:solidFill>
+                  <a:srgbClr val="FFFFFF"/>
+                </a:solidFill>
+              </a14:hiddenFill>
+            </a:ext>
+          </a:extLst>
+        </p:spPr>
+      </p:pic>
+      <p:pic>
+        <p:nvPicPr>
+          <p:cNvPr id="8" name="Picture 7"/>
+          <p:cNvPicPr>
+            <a:picLocks noChangeAspect="1"/>
+          </p:cNvPicPr>
+          <p:nvPr/>
+        </p:nvPicPr>
+        <p:blipFill>
+          <a:blip r:embed="rId6"/>
+          <a:stretch>
+            <a:fillRect/>
+          </a:stretch>
+        </p:blipFill>
+        <p:spPr>
+          <a:xfrm>
+            <a:off x="740076" y="4384546"/>
+            <a:ext cx="1847850" cy="1981200"/>
+          </a:xfrm>
+          <a:prstGeom prst="rect">
+            <a:avLst/>
+          </a:prstGeom>
+        </p:spPr>
+      </p:pic>
+      <p:pic>
+        <p:nvPicPr>
+          <p:cNvPr id="4122" name="Picture 26" descr="https://www.playframework.com/assets/images/logos/play_full_color.png"/>
+          <p:cNvPicPr>
+            <a:picLocks noChangeAspect="1" noChangeArrowheads="1"/>
+          </p:cNvPicPr>
+          <p:nvPr/>
+        </p:nvPicPr>
+        <p:blipFill>
+          <a:blip r:embed="rId7" cstate="print">
+            <a:extLst>
+              <a:ext uri="{28A0092B-C50C-407E-A947-70E740481C1C}">
+                <a14:useLocalDpi xmlns:a14="http://schemas.microsoft.com/office/drawing/2010/main" val="0"/>
+              </a:ext>
+            </a:extLst>
+          </a:blip>
+          <a:srcRect/>
+          <a:stretch>
+            <a:fillRect/>
+          </a:stretch>
+        </p:blipFill>
+        <p:spPr bwMode="auto">
+          <a:xfrm>
+            <a:off x="8897409" y="3841303"/>
+            <a:ext cx="2795350" cy="1459967"/>
+          </a:xfrm>
+          <a:prstGeom prst="rect">
+            <a:avLst/>
+          </a:prstGeom>
+          <a:noFill/>
+          <a:extLst>
+            <a:ext uri="{909E8E84-426E-40DD-AFC4-6F175D3DCCD1}">
+              <a14:hiddenFill xmlns:a14="http://schemas.microsoft.com/office/drawing/2010/main">
+                <a:solidFill>
+                  <a:srgbClr val="FFFFFF"/>
+                </a:solidFill>
+              </a14:hiddenFill>
+            </a:ext>
+          </a:extLst>
+        </p:spPr>
+      </p:pic>
     </p:spTree>
     <p:extLst>
       <p:ext uri="{BB962C8B-B14F-4D97-AF65-F5344CB8AC3E}">
-        <p14:creationId xmlns:p14="http://schemas.microsoft.com/office/powerpoint/2010/main" val="709691419"/>
+        <p14:creationId xmlns:p14="http://schemas.microsoft.com/office/powerpoint/2010/main" val="2341533997"/>
       </p:ext>
     </p:extLst>
   </p:cSld>
@@ -7194,76 +7531,21 @@
             <p:ph type="title"/>
           </p:nvPr>
         </p:nvSpPr>
-        <p:spPr/>
-        <p:txBody>
-          <a:bodyPr/>
-          <a:lstStyle/>
-          <a:p>
-            <a:r>
-              <a:rPr lang="en-US" dirty="0" smtClean="0"/>
-              <a:t>Introduction </a:t>
-            </a:r>
-            <a:endParaRPr lang="en-GB" dirty="0"/>
-          </a:p>
-        </p:txBody>
-      </p:sp>
-      <p:sp>
-        <p:nvSpPr>
-          <p:cNvPr id="3" name="Content Placeholder 2"/>
-          <p:cNvSpPr>
-            <a:spLocks noGrp="1"/>
-          </p:cNvSpPr>
-          <p:nvPr>
-            <p:ph idx="1"/>
-          </p:nvPr>
-        </p:nvSpPr>
-        <p:spPr/>
-        <p:txBody>
-          <a:bodyPr/>
-          <a:lstStyle/>
-          <a:p>
-            <a:r>
-              <a:rPr lang="en-US" dirty="0" smtClean="0"/>
-              <a:t>Inversion of control</a:t>
-            </a:r>
-          </a:p>
-          <a:p>
-            <a:r>
-              <a:rPr lang="en-US" dirty="0" smtClean="0"/>
-              <a:t>Separate program control responsibilities</a:t>
-            </a:r>
-          </a:p>
-          <a:p>
-            <a:pPr lvl="1"/>
-            <a:r>
-              <a:rPr lang="en-US" dirty="0" smtClean="0"/>
-              <a:t>Object </a:t>
-            </a:r>
-            <a:r>
-              <a:rPr lang="en-US" dirty="0" err="1" smtClean="0"/>
-              <a:t>instatation</a:t>
-            </a:r>
-            <a:endParaRPr lang="en-US" dirty="0" smtClean="0"/>
-          </a:p>
-          <a:p>
-            <a:pPr lvl="1"/>
-            <a:r>
-              <a:rPr lang="en-US" dirty="0" smtClean="0"/>
-              <a:t>Dependency injection</a:t>
-            </a:r>
-          </a:p>
-          <a:p>
-            <a:r>
-              <a:rPr lang="en-US" dirty="0" smtClean="0"/>
-              <a:t>Dependency injection is type of </a:t>
-            </a:r>
-            <a:r>
-              <a:rPr lang="en-US" dirty="0" err="1" smtClean="0"/>
-              <a:t>ioc</a:t>
-            </a:r>
-            <a:endParaRPr lang="en-US" dirty="0" smtClean="0"/>
-          </a:p>
-          <a:p>
+        <p:spPr>
+          <a:xfrm>
+            <a:off x="860778" y="2555169"/>
+            <a:ext cx="10515600" cy="1325563"/>
+          </a:xfrm>
+        </p:spPr>
+        <p:txBody>
+          <a:bodyPr/>
+          <a:lstStyle/>
+          <a:p>
+            <a:pPr algn="ctr"/>
+            <a:r>
+              <a:rPr lang="en-US" dirty="0" smtClean="0"/>
+              <a:t>Inversion control</a:t>
+            </a:r>
             <a:endParaRPr lang="en-GB" dirty="0"/>
           </a:p>
         </p:txBody>
@@ -7271,7 +7553,7 @@
     </p:spTree>
     <p:extLst>
       <p:ext uri="{BB962C8B-B14F-4D97-AF65-F5344CB8AC3E}">
-        <p14:creationId xmlns:p14="http://schemas.microsoft.com/office/powerpoint/2010/main" val="214061530"/>
+        <p14:creationId xmlns:p14="http://schemas.microsoft.com/office/powerpoint/2010/main" val="2703124329"/>
       </p:ext>
     </p:extLst>
   </p:cSld>
@@ -7322,7 +7604,7 @@
           <a:p>
             <a:r>
               <a:rPr lang="en-US" dirty="0" smtClean="0"/>
-              <a:t>Inversion control of example</a:t>
+              <a:t>Introduction </a:t>
             </a:r>
             <a:endParaRPr lang="en-GB" dirty="0"/>
           </a:p>
@@ -7338,19 +7620,45 @@
             <p:ph idx="1"/>
           </p:nvPr>
         </p:nvSpPr>
-        <p:spPr>
-          <a:xfrm>
-            <a:off x="1097280" y="1870781"/>
-            <a:ext cx="10515600" cy="1899708"/>
-          </a:xfrm>
-        </p:spPr>
-        <p:txBody>
-          <a:bodyPr/>
-          <a:lstStyle/>
-          <a:p>
-            <a:r>
-              <a:rPr lang="en-US" dirty="0" smtClean="0"/>
-              <a:t>Previously use </a:t>
+        <p:spPr/>
+        <p:txBody>
+          <a:bodyPr/>
+          <a:lstStyle/>
+          <a:p>
+            <a:r>
+              <a:rPr lang="en-US" dirty="0" smtClean="0"/>
+              <a:t>Inversion of control</a:t>
+            </a:r>
+          </a:p>
+          <a:p>
+            <a:r>
+              <a:rPr lang="en-US" dirty="0" smtClean="0"/>
+              <a:t>Separate program control responsibilities</a:t>
+            </a:r>
+          </a:p>
+          <a:p>
+            <a:pPr lvl="1"/>
+            <a:r>
+              <a:rPr lang="en-US" dirty="0" smtClean="0"/>
+              <a:t>Object </a:t>
+            </a:r>
+            <a:r>
+              <a:rPr lang="en-US" dirty="0" smtClean="0"/>
+              <a:t>instantiation</a:t>
+            </a:r>
+            <a:endParaRPr lang="en-US" dirty="0" smtClean="0"/>
+          </a:p>
+          <a:p>
+            <a:pPr lvl="1"/>
+            <a:r>
+              <a:rPr lang="en-US" dirty="0" smtClean="0"/>
+              <a:t>Dependency injection</a:t>
+            </a:r>
+          </a:p>
+          <a:p>
+            <a:r>
+              <a:rPr lang="en-US" dirty="0" smtClean="0"/>
+              <a:t>Dependency injection is type of </a:t>
             </a:r>
             <a:r>
               <a:rPr lang="en-US" dirty="0" err="1" smtClean="0"/>
@@ -7359,57 +7667,14 @@
             <a:endParaRPr lang="en-US" dirty="0" smtClean="0"/>
           </a:p>
           <a:p>
-            <a:pPr lvl="1"/>
-            <a:r>
-              <a:rPr lang="en-US" dirty="0" smtClean="0"/>
-              <a:t>Dependency injection example demonstrated inversion of control</a:t>
-            </a:r>
-            <a:endParaRPr lang="en-GB" dirty="0" smtClean="0"/>
-          </a:p>
-          <a:p>
-            <a:r>
-              <a:rPr lang="en-US" dirty="0" smtClean="0"/>
-              <a:t>Moved java book library selection and initiations out of </a:t>
-            </a:r>
-            <a:r>
-              <a:rPr lang="en-US" dirty="0" err="1" smtClean="0"/>
-              <a:t>bookreader</a:t>
-            </a:r>
-            <a:r>
-              <a:rPr lang="en-US" dirty="0" smtClean="0"/>
-              <a:t> to main</a:t>
-            </a:r>
-          </a:p>
-        </p:txBody>
-      </p:sp>
-      <p:pic>
-        <p:nvPicPr>
-          <p:cNvPr id="5" name="Picture 4"/>
-          <p:cNvPicPr>
-            <a:picLocks noChangeAspect="1"/>
-          </p:cNvPicPr>
-          <p:nvPr/>
-        </p:nvPicPr>
-        <p:blipFill>
-          <a:blip r:embed="rId2"/>
-          <a:stretch>
-            <a:fillRect/>
-          </a:stretch>
-        </p:blipFill>
-        <p:spPr>
-          <a:xfrm>
-            <a:off x="1813277" y="2986793"/>
-            <a:ext cx="8154811" cy="3271633"/>
-          </a:xfrm>
-          <a:prstGeom prst="rect">
-            <a:avLst/>
-          </a:prstGeom>
-        </p:spPr>
-      </p:pic>
+            <a:endParaRPr lang="en-GB" dirty="0"/>
+          </a:p>
+        </p:txBody>
+      </p:sp>
     </p:spTree>
     <p:extLst>
       <p:ext uri="{BB962C8B-B14F-4D97-AF65-F5344CB8AC3E}">
-        <p14:creationId xmlns:p14="http://schemas.microsoft.com/office/powerpoint/2010/main" val="3448462862"/>
+        <p14:creationId xmlns:p14="http://schemas.microsoft.com/office/powerpoint/2010/main" val="214061530"/>
       </p:ext>
     </p:extLst>
   </p:cSld>
@@ -7459,6 +7724,144 @@
           <a:lstStyle/>
           <a:p>
             <a:r>
+              <a:rPr lang="en-US" dirty="0" smtClean="0"/>
+              <a:t>Inversion control of example</a:t>
+            </a:r>
+            <a:endParaRPr lang="en-GB" dirty="0"/>
+          </a:p>
+        </p:txBody>
+      </p:sp>
+      <p:sp>
+        <p:nvSpPr>
+          <p:cNvPr id="3" name="Content Placeholder 2"/>
+          <p:cNvSpPr>
+            <a:spLocks noGrp="1"/>
+          </p:cNvSpPr>
+          <p:nvPr>
+            <p:ph idx="1"/>
+          </p:nvPr>
+        </p:nvSpPr>
+        <p:spPr>
+          <a:xfrm>
+            <a:off x="1097280" y="1870781"/>
+            <a:ext cx="10515600" cy="1899708"/>
+          </a:xfrm>
+        </p:spPr>
+        <p:txBody>
+          <a:bodyPr/>
+          <a:lstStyle/>
+          <a:p>
+            <a:r>
+              <a:rPr lang="en-US" dirty="0" smtClean="0"/>
+              <a:t>Previously use </a:t>
+            </a:r>
+            <a:r>
+              <a:rPr lang="en-US" dirty="0" err="1" smtClean="0"/>
+              <a:t>ioc</a:t>
+            </a:r>
+            <a:endParaRPr lang="en-US" dirty="0" smtClean="0"/>
+          </a:p>
+          <a:p>
+            <a:pPr lvl="1"/>
+            <a:r>
+              <a:rPr lang="en-US" dirty="0" smtClean="0"/>
+              <a:t>Dependency injection example demonstrated inversion of control</a:t>
+            </a:r>
+            <a:endParaRPr lang="en-GB" dirty="0" smtClean="0"/>
+          </a:p>
+          <a:p>
+            <a:r>
+              <a:rPr lang="en-US" dirty="0" smtClean="0"/>
+              <a:t>Moved java book library selection and initiations out of </a:t>
+            </a:r>
+            <a:r>
+              <a:rPr lang="en-US" dirty="0" err="1" smtClean="0"/>
+              <a:t>bookreader</a:t>
+            </a:r>
+            <a:r>
+              <a:rPr lang="en-US" dirty="0" smtClean="0"/>
+              <a:t> to main</a:t>
+            </a:r>
+          </a:p>
+        </p:txBody>
+      </p:sp>
+      <p:pic>
+        <p:nvPicPr>
+          <p:cNvPr id="5" name="Picture 4"/>
+          <p:cNvPicPr>
+            <a:picLocks noChangeAspect="1"/>
+          </p:cNvPicPr>
+          <p:nvPr/>
+        </p:nvPicPr>
+        <p:blipFill>
+          <a:blip r:embed="rId2"/>
+          <a:stretch>
+            <a:fillRect/>
+          </a:stretch>
+        </p:blipFill>
+        <p:spPr>
+          <a:xfrm>
+            <a:off x="2003354" y="3144838"/>
+            <a:ext cx="8154811" cy="3271633"/>
+          </a:xfrm>
+          <a:prstGeom prst="rect">
+            <a:avLst/>
+          </a:prstGeom>
+        </p:spPr>
+      </p:pic>
+    </p:spTree>
+    <p:extLst>
+      <p:ext uri="{BB962C8B-B14F-4D97-AF65-F5344CB8AC3E}">
+        <p14:creationId xmlns:p14="http://schemas.microsoft.com/office/powerpoint/2010/main" val="3448462862"/>
+      </p:ext>
+    </p:extLst>
+  </p:cSld>
+  <p:clrMapOvr>
+    <a:masterClrMapping/>
+  </p:clrMapOvr>
+  <p:timing>
+    <p:tnLst>
+      <p:par>
+        <p:cTn id="1" dur="indefinite" restart="never" nodeType="tmRoot"/>
+      </p:par>
+    </p:tnLst>
+  </p:timing>
+</p:sld>
+</file>
+
+<file path=ppt/slides/slide43.xml><?xml version="1.0" encoding="utf-8"?>
+<p:sld xmlns:a="http://schemas.openxmlformats.org/drawingml/2006/main" xmlns:r="http://schemas.openxmlformats.org/officeDocument/2006/relationships" xmlns:p="http://schemas.openxmlformats.org/presentationml/2006/main">
+  <p:cSld>
+    <p:spTree>
+      <p:nvGrpSpPr>
+        <p:cNvPr id="1" name=""/>
+        <p:cNvGrpSpPr/>
+        <p:nvPr/>
+      </p:nvGrpSpPr>
+      <p:grpSpPr>
+        <a:xfrm>
+          <a:off x="0" y="0"/>
+          <a:ext cx="0" cy="0"/>
+          <a:chOff x="0" y="0"/>
+          <a:chExt cx="0" cy="0"/>
+        </a:xfrm>
+      </p:grpSpPr>
+      <p:sp>
+        <p:nvSpPr>
+          <p:cNvPr id="2" name="Title 1"/>
+          <p:cNvSpPr>
+            <a:spLocks noGrp="1"/>
+          </p:cNvSpPr>
+          <p:nvPr>
+            <p:ph type="title"/>
+          </p:nvPr>
+        </p:nvSpPr>
+        <p:spPr/>
+        <p:txBody>
+          <a:bodyPr/>
+          <a:lstStyle/>
+          <a:p>
+            <a:r>
               <a:rPr lang="en-US" dirty="0" err="1" smtClean="0"/>
               <a:t>Ioc</a:t>
             </a:r>
@@ -7580,7 +7983,7 @@
 </p:sld>
 </file>
 
-<file path=ppt/slides/slide43.xml><?xml version="1.0" encoding="utf-8"?>
+<file path=ppt/slides/slide44.xml><?xml version="1.0" encoding="utf-8"?>
 <p:sld xmlns:a="http://schemas.openxmlformats.org/drawingml/2006/main" xmlns:r="http://schemas.openxmlformats.org/officeDocument/2006/relationships" xmlns:p="http://schemas.openxmlformats.org/presentationml/2006/main">
   <p:cSld>
     <p:spTree>
@@ -7692,126 +8095,6 @@
 </p:sld>
 </file>
 
-<file path=ppt/slides/slide44.xml><?xml version="1.0" encoding="utf-8"?>
-<p:sld xmlns:a="http://schemas.openxmlformats.org/drawingml/2006/main" xmlns:r="http://schemas.openxmlformats.org/officeDocument/2006/relationships" xmlns:p="http://schemas.openxmlformats.org/presentationml/2006/main">
-  <p:cSld>
-    <p:spTree>
-      <p:nvGrpSpPr>
-        <p:cNvPr id="1" name=""/>
-        <p:cNvGrpSpPr/>
-        <p:nvPr/>
-      </p:nvGrpSpPr>
-      <p:grpSpPr>
-        <a:xfrm>
-          <a:off x="0" y="0"/>
-          <a:ext cx="0" cy="0"/>
-          <a:chOff x="0" y="0"/>
-          <a:chExt cx="0" cy="0"/>
-        </a:xfrm>
-      </p:grpSpPr>
-      <p:sp>
-        <p:nvSpPr>
-          <p:cNvPr id="2" name="Title 1"/>
-          <p:cNvSpPr>
-            <a:spLocks noGrp="1"/>
-          </p:cNvSpPr>
-          <p:nvPr>
-            <p:ph type="title"/>
-          </p:nvPr>
-        </p:nvSpPr>
-        <p:spPr/>
-        <p:txBody>
-          <a:bodyPr/>
-          <a:lstStyle/>
-          <a:p>
-            <a:r>
-              <a:rPr lang="en-US" dirty="0" smtClean="0"/>
-              <a:t>Model analysis</a:t>
-            </a:r>
-            <a:endParaRPr lang="en-GB" dirty="0"/>
-          </a:p>
-        </p:txBody>
-      </p:sp>
-      <p:sp>
-        <p:nvSpPr>
-          <p:cNvPr id="3" name="Content Placeholder 2"/>
-          <p:cNvSpPr>
-            <a:spLocks noGrp="1"/>
-          </p:cNvSpPr>
-          <p:nvPr>
-            <p:ph idx="1"/>
-          </p:nvPr>
-        </p:nvSpPr>
-        <p:spPr>
-          <a:xfrm>
-            <a:off x="1097280" y="1825625"/>
-            <a:ext cx="9829800" cy="1075619"/>
-          </a:xfrm>
-        </p:spPr>
-        <p:txBody>
-          <a:bodyPr/>
-          <a:lstStyle/>
-          <a:p>
-            <a:r>
-              <a:rPr lang="en-US" dirty="0" smtClean="0"/>
-              <a:t>Dynamic implementation choices</a:t>
-            </a:r>
-          </a:p>
-          <a:p>
-            <a:r>
-              <a:rPr lang="en-US" dirty="0" smtClean="0"/>
-              <a:t>Portable model configuration</a:t>
-            </a:r>
-          </a:p>
-          <a:p>
-            <a:endParaRPr lang="en-GB" dirty="0"/>
-          </a:p>
-        </p:txBody>
-      </p:sp>
-      <p:pic>
-        <p:nvPicPr>
-          <p:cNvPr id="4" name="Picture 3"/>
-          <p:cNvPicPr>
-            <a:picLocks noChangeAspect="1"/>
-          </p:cNvPicPr>
-          <p:nvPr/>
-        </p:nvPicPr>
-        <p:blipFill>
-          <a:blip r:embed="rId2"/>
-          <a:stretch>
-            <a:fillRect/>
-          </a:stretch>
-        </p:blipFill>
-        <p:spPr>
-          <a:xfrm>
-            <a:off x="4830934" y="1825625"/>
-            <a:ext cx="5611288" cy="4352218"/>
-          </a:xfrm>
-          <a:prstGeom prst="rect">
-            <a:avLst/>
-          </a:prstGeom>
-        </p:spPr>
-      </p:pic>
-    </p:spTree>
-    <p:extLst>
-      <p:ext uri="{BB962C8B-B14F-4D97-AF65-F5344CB8AC3E}">
-        <p14:creationId xmlns:p14="http://schemas.microsoft.com/office/powerpoint/2010/main" val="3821526456"/>
-      </p:ext>
-    </p:extLst>
-  </p:cSld>
-  <p:clrMapOvr>
-    <a:masterClrMapping/>
-  </p:clrMapOvr>
-  <p:timing>
-    <p:tnLst>
-      <p:par>
-        <p:cTn id="1" dur="indefinite" restart="never" nodeType="tmRoot"/>
-      </p:par>
-    </p:tnLst>
-  </p:timing>
-</p:sld>
-</file>
-
 <file path=ppt/slides/slide45.xml><?xml version="1.0" encoding="utf-8"?>
 <p:sld xmlns:a="http://schemas.openxmlformats.org/drawingml/2006/main" xmlns:r="http://schemas.openxmlformats.org/officeDocument/2006/relationships" xmlns:p="http://schemas.openxmlformats.org/presentationml/2006/main">
   <p:cSld>
@@ -7846,7 +8129,7 @@
           <a:p>
             <a:r>
               <a:rPr lang="en-US" dirty="0" smtClean="0"/>
-              <a:t>Summary </a:t>
+              <a:t>Model analysis</a:t>
             </a:r>
             <a:endParaRPr lang="en-GB" dirty="0"/>
           </a:p>
@@ -7862,96 +8145,60 @@
             <p:ph idx="1"/>
           </p:nvPr>
         </p:nvSpPr>
-        <p:spPr/>
-        <p:txBody>
-          <a:bodyPr>
-            <a:normAutofit/>
-          </a:bodyPr>
-          <a:lstStyle/>
-          <a:p>
-            <a:r>
-              <a:rPr lang="en-US" dirty="0" smtClean="0"/>
-              <a:t>Develop </a:t>
-            </a:r>
-            <a:r>
-              <a:rPr lang="en-US" dirty="0" err="1" smtClean="0"/>
-              <a:t>pojos</a:t>
-            </a:r>
-            <a:endParaRPr lang="en-US" dirty="0" smtClean="0"/>
-          </a:p>
-          <a:p>
-            <a:pPr lvl="1"/>
-            <a:r>
-              <a:rPr lang="en-US" dirty="0" smtClean="0"/>
-              <a:t>Avoid framework dependencies</a:t>
-            </a:r>
-          </a:p>
-          <a:p>
-            <a:pPr lvl="1"/>
-            <a:r>
-              <a:rPr lang="en-US" dirty="0" smtClean="0"/>
-              <a:t>Capture business logic</a:t>
-            </a:r>
-          </a:p>
-          <a:p>
-            <a:pPr lvl="1"/>
-            <a:r>
-              <a:rPr lang="en-US" dirty="0" smtClean="0"/>
-              <a:t>Avoid implementation commitments by using inversion of control and dependency injection patterns</a:t>
-            </a:r>
-          </a:p>
-          <a:p>
-            <a:r>
-              <a:rPr lang="en-US" dirty="0" smtClean="0"/>
-              <a:t>Create a new xml file, applicationcontext.xml, based on spring-beans.xsd</a:t>
-            </a:r>
-          </a:p>
-          <a:p>
-            <a:pPr lvl="1"/>
-            <a:r>
-              <a:rPr lang="en-US" dirty="0" smtClean="0"/>
-              <a:t>Place applicationcontext.xml in the class path</a:t>
-            </a:r>
-          </a:p>
-          <a:p>
-            <a:r>
-              <a:rPr lang="en-US" dirty="0" smtClean="0"/>
-              <a:t>Register </a:t>
-            </a:r>
-            <a:r>
-              <a:rPr lang="en-US" dirty="0" err="1" smtClean="0"/>
-              <a:t>pojos</a:t>
-            </a:r>
-            <a:endParaRPr lang="en-US" dirty="0" smtClean="0"/>
-          </a:p>
-          <a:p>
-            <a:pPr lvl="1"/>
-            <a:r>
-              <a:rPr lang="en-US" dirty="0" smtClean="0"/>
-              <a:t>Declare </a:t>
-            </a:r>
-            <a:r>
-              <a:rPr lang="en-US" dirty="0" err="1" smtClean="0"/>
-              <a:t>pojos</a:t>
-            </a:r>
-            <a:r>
-              <a:rPr lang="en-US" dirty="0" smtClean="0"/>
-              <a:t> using xml bean elements</a:t>
-            </a:r>
-          </a:p>
-          <a:p>
-            <a:pPr lvl="1"/>
-            <a:r>
-              <a:rPr lang="en-US" dirty="0" smtClean="0"/>
-              <a:t>Use bean attributes id and classes for specifying the name and the type </a:t>
-            </a:r>
-          </a:p>
-        </p:txBody>
-      </p:sp>
+        <p:spPr>
+          <a:xfrm>
+            <a:off x="7143401" y="1965960"/>
+            <a:ext cx="4619622" cy="1075619"/>
+          </a:xfrm>
+        </p:spPr>
+        <p:txBody>
+          <a:bodyPr/>
+          <a:lstStyle/>
+          <a:p>
+            <a:r>
+              <a:rPr lang="en-US" dirty="0" smtClean="0"/>
+              <a:t>Dynamic implementation choices</a:t>
+            </a:r>
+          </a:p>
+          <a:p>
+            <a:r>
+              <a:rPr lang="en-US" dirty="0" smtClean="0"/>
+              <a:t>Portable model configuration</a:t>
+            </a:r>
+          </a:p>
+          <a:p>
+            <a:endParaRPr lang="en-GB" dirty="0"/>
+          </a:p>
+        </p:txBody>
+      </p:sp>
+      <p:pic>
+        <p:nvPicPr>
+          <p:cNvPr id="4" name="Picture 3"/>
+          <p:cNvPicPr>
+            <a:picLocks noChangeAspect="1"/>
+          </p:cNvPicPr>
+          <p:nvPr/>
+        </p:nvPicPr>
+        <p:blipFill>
+          <a:blip r:embed="rId2"/>
+          <a:stretch>
+            <a:fillRect/>
+          </a:stretch>
+        </p:blipFill>
+        <p:spPr>
+          <a:xfrm>
+            <a:off x="857956" y="1965959"/>
+            <a:ext cx="5896332" cy="4573303"/>
+          </a:xfrm>
+          <a:prstGeom prst="rect">
+            <a:avLst/>
+          </a:prstGeom>
+        </p:spPr>
+      </p:pic>
     </p:spTree>
     <p:extLst>
       <p:ext uri="{BB962C8B-B14F-4D97-AF65-F5344CB8AC3E}">
-        <p14:creationId xmlns:p14="http://schemas.microsoft.com/office/powerpoint/2010/main" val="4225781113"/>
+        <p14:creationId xmlns:p14="http://schemas.microsoft.com/office/powerpoint/2010/main" val="3821526456"/>
       </p:ext>
     </p:extLst>
   </p:cSld>
@@ -8002,6 +8249,162 @@
           <a:p>
             <a:r>
               <a:rPr lang="en-US" dirty="0" smtClean="0"/>
+              <a:t>Summary </a:t>
+            </a:r>
+            <a:endParaRPr lang="en-GB" dirty="0"/>
+          </a:p>
+        </p:txBody>
+      </p:sp>
+      <p:sp>
+        <p:nvSpPr>
+          <p:cNvPr id="3" name="Content Placeholder 2"/>
+          <p:cNvSpPr>
+            <a:spLocks noGrp="1"/>
+          </p:cNvSpPr>
+          <p:nvPr>
+            <p:ph idx="1"/>
+          </p:nvPr>
+        </p:nvSpPr>
+        <p:spPr/>
+        <p:txBody>
+          <a:bodyPr>
+            <a:normAutofit/>
+          </a:bodyPr>
+          <a:lstStyle/>
+          <a:p>
+            <a:r>
+              <a:rPr lang="en-US" dirty="0" smtClean="0"/>
+              <a:t>Develop </a:t>
+            </a:r>
+            <a:r>
+              <a:rPr lang="en-US" dirty="0" err="1" smtClean="0"/>
+              <a:t>pojos</a:t>
+            </a:r>
+            <a:endParaRPr lang="en-US" dirty="0" smtClean="0"/>
+          </a:p>
+          <a:p>
+            <a:pPr lvl="1"/>
+            <a:r>
+              <a:rPr lang="en-US" dirty="0" smtClean="0"/>
+              <a:t>Avoid framework dependencies</a:t>
+            </a:r>
+          </a:p>
+          <a:p>
+            <a:pPr lvl="1"/>
+            <a:r>
+              <a:rPr lang="en-US" dirty="0" smtClean="0"/>
+              <a:t>Capture business logic</a:t>
+            </a:r>
+          </a:p>
+          <a:p>
+            <a:pPr lvl="1"/>
+            <a:r>
+              <a:rPr lang="en-US" dirty="0" smtClean="0"/>
+              <a:t>Avoid implementation commitments by using inversion of control and dependency injection patterns</a:t>
+            </a:r>
+          </a:p>
+          <a:p>
+            <a:r>
+              <a:rPr lang="en-US" dirty="0" smtClean="0"/>
+              <a:t>Create a new xml file, applicationcontext.xml, based on spring-beans.xsd</a:t>
+            </a:r>
+          </a:p>
+          <a:p>
+            <a:pPr lvl="1"/>
+            <a:r>
+              <a:rPr lang="en-US" dirty="0" smtClean="0"/>
+              <a:t>Place applicationcontext.xml in the class path</a:t>
+            </a:r>
+          </a:p>
+          <a:p>
+            <a:r>
+              <a:rPr lang="en-US" dirty="0" smtClean="0"/>
+              <a:t>Register </a:t>
+            </a:r>
+            <a:r>
+              <a:rPr lang="en-US" dirty="0" err="1" smtClean="0"/>
+              <a:t>pojos</a:t>
+            </a:r>
+            <a:endParaRPr lang="en-US" dirty="0" smtClean="0"/>
+          </a:p>
+          <a:p>
+            <a:pPr lvl="1"/>
+            <a:r>
+              <a:rPr lang="en-US" dirty="0" smtClean="0"/>
+              <a:t>Declare </a:t>
+            </a:r>
+            <a:r>
+              <a:rPr lang="en-US" dirty="0" err="1" smtClean="0"/>
+              <a:t>pojos</a:t>
+            </a:r>
+            <a:r>
+              <a:rPr lang="en-US" dirty="0" smtClean="0"/>
+              <a:t> using xml bean elements</a:t>
+            </a:r>
+          </a:p>
+          <a:p>
+            <a:pPr lvl="1"/>
+            <a:r>
+              <a:rPr lang="en-US" dirty="0" smtClean="0"/>
+              <a:t>Use bean attributes id and classes for specifying the name and the type </a:t>
+            </a:r>
+          </a:p>
+        </p:txBody>
+      </p:sp>
+    </p:spTree>
+    <p:extLst>
+      <p:ext uri="{BB962C8B-B14F-4D97-AF65-F5344CB8AC3E}">
+        <p14:creationId xmlns:p14="http://schemas.microsoft.com/office/powerpoint/2010/main" val="4225781113"/>
+      </p:ext>
+    </p:extLst>
+  </p:cSld>
+  <p:clrMapOvr>
+    <a:masterClrMapping/>
+  </p:clrMapOvr>
+  <p:timing>
+    <p:tnLst>
+      <p:par>
+        <p:cTn id="1" dur="indefinite" restart="never" nodeType="tmRoot"/>
+      </p:par>
+    </p:tnLst>
+  </p:timing>
+</p:sld>
+</file>
+
+<file path=ppt/slides/slide47.xml><?xml version="1.0" encoding="utf-8"?>
+<p:sld xmlns:a="http://schemas.openxmlformats.org/drawingml/2006/main" xmlns:r="http://schemas.openxmlformats.org/officeDocument/2006/relationships" xmlns:p="http://schemas.openxmlformats.org/presentationml/2006/main">
+  <p:cSld>
+    <p:spTree>
+      <p:nvGrpSpPr>
+        <p:cNvPr id="1" name=""/>
+        <p:cNvGrpSpPr/>
+        <p:nvPr/>
+      </p:nvGrpSpPr>
+      <p:grpSpPr>
+        <a:xfrm>
+          <a:off x="0" y="0"/>
+          <a:ext cx="0" cy="0"/>
+          <a:chOff x="0" y="0"/>
+          <a:chExt cx="0" cy="0"/>
+        </a:xfrm>
+      </p:grpSpPr>
+      <p:sp>
+        <p:nvSpPr>
+          <p:cNvPr id="2" name="Title 1"/>
+          <p:cNvSpPr>
+            <a:spLocks noGrp="1"/>
+          </p:cNvSpPr>
+          <p:nvPr>
+            <p:ph type="title"/>
+          </p:nvPr>
+        </p:nvSpPr>
+        <p:spPr/>
+        <p:txBody>
+          <a:bodyPr/>
+          <a:lstStyle/>
+          <a:p>
+            <a:r>
+              <a:rPr lang="en-US" dirty="0" smtClean="0"/>
               <a:t>Summary</a:t>
             </a:r>
             <a:endParaRPr lang="en-GB" dirty="0"/>
@@ -8018,7 +8421,12 @@
             <p:ph idx="1"/>
           </p:nvPr>
         </p:nvSpPr>
-        <p:spPr/>
+        <p:spPr>
+          <a:xfrm>
+            <a:off x="1145649" y="2068689"/>
+            <a:ext cx="9872871" cy="4038600"/>
+          </a:xfrm>
+        </p:spPr>
         <p:txBody>
           <a:bodyPr/>
           <a:lstStyle/>
@@ -8040,7 +8448,31 @@
             <a:pPr lvl="1"/>
             <a:r>
               <a:rPr lang="en-US" dirty="0" smtClean="0"/>
-              <a:t>Use the bean factory implementation </a:t>
+              <a:t>Use the </a:t>
+            </a:r>
+            <a:r>
+              <a:rPr lang="en-US" dirty="0" err="1" smtClean="0"/>
+              <a:t>A</a:t>
+            </a:r>
+            <a:r>
+              <a:rPr lang="en-US" dirty="0" err="1" smtClean="0"/>
+              <a:t>pplicationContext</a:t>
+            </a:r>
+            <a:r>
+              <a:rPr lang="en-US" dirty="0"/>
+              <a:t>/</a:t>
+            </a:r>
+            <a:r>
+              <a:rPr lang="en-US" dirty="0" err="1" smtClean="0"/>
+              <a:t>BeanFactory</a:t>
+            </a:r>
+            <a:r>
+              <a:rPr lang="en-US" dirty="0" smtClean="0"/>
+              <a:t> </a:t>
+            </a:r>
+            <a:r>
+              <a:rPr lang="en-US" dirty="0" smtClean="0"/>
+              <a:t>implementation </a:t>
             </a:r>
           </a:p>
           <a:p>
@@ -8111,8 +8543,32 @@
           <a:p>
             <a:r>
               <a:rPr lang="en-US" dirty="0" smtClean="0"/>
-              <a:t>Specifying the object name for the method parameters</a:t>
-            </a:r>
+              <a:t>Specifying the object name for the method </a:t>
+            </a:r>
+            <a:r>
+              <a:rPr lang="en-US" dirty="0" smtClean="0"/>
+              <a:t>parameters</a:t>
+            </a:r>
+          </a:p>
+          <a:p>
+            <a:pPr lvl="1"/>
+            <a:r>
+              <a:rPr lang="en-US" dirty="0" err="1" smtClean="0"/>
+              <a:t>context.getBean</a:t>
+            </a:r>
+            <a:r>
+              <a:rPr lang="en-US" dirty="0" smtClean="0"/>
+              <a:t>(“</a:t>
+            </a:r>
+            <a:r>
+              <a:rPr lang="en-US" dirty="0" err="1" smtClean="0"/>
+              <a:t>bookLibrary</a:t>
+            </a:r>
+            <a:r>
+              <a:rPr lang="en-US" dirty="0" smtClean="0"/>
+              <a:t>);</a:t>
+            </a:r>
+            <a:endParaRPr lang="en-US" dirty="0" smtClean="0"/>
           </a:p>
           <a:p>
             <a:pPr lvl="1"/>
@@ -8189,7 +8645,7 @@
           <a:p>
             <a:r>
               <a:rPr lang="en-US" dirty="0" smtClean="0"/>
-              <a:t>EJB approach</a:t>
+              <a:t>Software Model</a:t>
             </a:r>
             <a:endParaRPr lang="en-GB" dirty="0"/>
           </a:p>
@@ -8212,36 +8668,107 @@
           <a:p>
             <a:r>
               <a:rPr lang="en-US" dirty="0" smtClean="0"/>
-              <a:t>Complex products</a:t>
-            </a:r>
-          </a:p>
-          <a:p>
-            <a:r>
-              <a:rPr lang="en-US" dirty="0" smtClean="0"/>
-              <a:t>Unmaintainable systems</a:t>
-            </a:r>
-          </a:p>
-          <a:p>
-            <a:r>
-              <a:rPr lang="en-US" dirty="0" smtClean="0"/>
-              <a:t>Non-portable , framework committed business components</a:t>
-            </a:r>
-          </a:p>
-          <a:p>
-            <a:r>
-              <a:rPr lang="en-US" dirty="0" smtClean="0"/>
-              <a:t>Unpredictable systems</a:t>
-            </a:r>
-          </a:p>
-          <a:p>
-            <a:endParaRPr lang="en-US" dirty="0" smtClean="0"/>
-          </a:p>
-        </p:txBody>
-      </p:sp>
+              <a:t>Solutions are complex</a:t>
+            </a:r>
+          </a:p>
+          <a:p>
+            <a:r>
+              <a:rPr lang="en-US" dirty="0" smtClean="0"/>
+              <a:t>Requirements are constantly in flux</a:t>
+            </a:r>
+          </a:p>
+          <a:p>
+            <a:r>
+              <a:rPr lang="en-US" dirty="0" smtClean="0"/>
+              <a:t>Software architecture must be flexible</a:t>
+            </a:r>
+          </a:p>
+          <a:p>
+            <a:r>
+              <a:rPr lang="en-US" dirty="0" smtClean="0"/>
+              <a:t>Software components must be verifiable</a:t>
+            </a:r>
+          </a:p>
+          <a:p>
+            <a:r>
+              <a:rPr lang="en-US" dirty="0" smtClean="0"/>
+              <a:t>Software product must be easy validate</a:t>
+            </a:r>
+          </a:p>
+          <a:p>
+            <a:endParaRPr lang="en-GB" dirty="0"/>
+          </a:p>
+        </p:txBody>
+      </p:sp>
+      <p:pic>
+        <p:nvPicPr>
+          <p:cNvPr id="1026" name="Picture 2" descr="http://www.certitudo-gmbh.de/bilder/v_model_e.gif"/>
+          <p:cNvPicPr>
+            <a:picLocks noChangeAspect="1" noChangeArrowheads="1"/>
+          </p:cNvPicPr>
+          <p:nvPr/>
+        </p:nvPicPr>
+        <p:blipFill>
+          <a:blip r:embed="rId2">
+            <a:extLst>
+              <a:ext uri="{28A0092B-C50C-407E-A947-70E740481C1C}">
+                <a14:useLocalDpi xmlns:a14="http://schemas.microsoft.com/office/drawing/2010/main" val="0"/>
+              </a:ext>
+            </a:extLst>
+          </a:blip>
+          <a:srcRect/>
+          <a:stretch>
+            <a:fillRect/>
+          </a:stretch>
+        </p:blipFill>
+        <p:spPr bwMode="auto">
+          <a:xfrm>
+            <a:off x="6637866" y="3799200"/>
+            <a:ext cx="5165019" cy="2781164"/>
+          </a:xfrm>
+          <a:prstGeom prst="rect">
+            <a:avLst/>
+          </a:prstGeom>
+          <a:noFill/>
+          <a:extLst>
+            <a:ext uri="{909E8E84-426E-40DD-AFC4-6F175D3DCCD1}">
+              <a14:hiddenFill xmlns:a14="http://schemas.microsoft.com/office/drawing/2010/main">
+                <a:solidFill>
+                  <a:srgbClr val="FFFFFF"/>
+                </a:solidFill>
+              </a14:hiddenFill>
+            </a:ext>
+          </a:extLst>
+        </p:spPr>
+      </p:pic>
+      <p:pic>
+        <p:nvPicPr>
+          <p:cNvPr id="5" name="Picture 4"/>
+          <p:cNvPicPr>
+            <a:picLocks noChangeAspect="1"/>
+          </p:cNvPicPr>
+          <p:nvPr/>
+        </p:nvPicPr>
+        <p:blipFill>
+          <a:blip r:embed="rId3"/>
+          <a:stretch>
+            <a:fillRect/>
+          </a:stretch>
+        </p:blipFill>
+        <p:spPr>
+          <a:xfrm>
+            <a:off x="7817907" y="318664"/>
+            <a:ext cx="2105025" cy="3362325"/>
+          </a:xfrm>
+          <a:prstGeom prst="rect">
+            <a:avLst/>
+          </a:prstGeom>
+        </p:spPr>
+      </p:pic>
     </p:spTree>
     <p:extLst>
       <p:ext uri="{BB962C8B-B14F-4D97-AF65-F5344CB8AC3E}">
-        <p14:creationId xmlns:p14="http://schemas.microsoft.com/office/powerpoint/2010/main" val="2961042550"/>
+        <p14:creationId xmlns:p14="http://schemas.microsoft.com/office/powerpoint/2010/main" val="709691419"/>
       </p:ext>
     </p:extLst>
   </p:cSld>
@@ -8292,7 +8819,7 @@
           <a:p>
             <a:r>
               <a:rPr lang="en-US" dirty="0" smtClean="0"/>
-              <a:t>Spring approach</a:t>
+              <a:t>EJB approach</a:t>
             </a:r>
             <a:endParaRPr lang="en-GB" dirty="0"/>
           </a:p>
@@ -8315,45 +8842,36 @@
           <a:p>
             <a:r>
               <a:rPr lang="en-US" dirty="0" smtClean="0"/>
-              <a:t>Products based on simplicity</a:t>
-            </a:r>
-          </a:p>
-          <a:p>
-            <a:r>
-              <a:rPr lang="en-US" dirty="0" smtClean="0"/>
-              <a:t>Maintainable systems</a:t>
-            </a:r>
-          </a:p>
-          <a:p>
-            <a:r>
-              <a:rPr lang="en-US" dirty="0" smtClean="0"/>
-              <a:t>Framework-independent software</a:t>
-            </a:r>
-          </a:p>
-          <a:p>
-            <a:r>
-              <a:rPr lang="en-US" dirty="0" smtClean="0"/>
-              <a:t>Portable components</a:t>
-            </a:r>
-          </a:p>
-          <a:p>
-            <a:r>
-              <a:rPr lang="en-US" dirty="0" smtClean="0"/>
-              <a:t>Testable components</a:t>
-            </a:r>
-          </a:p>
-          <a:p>
-            <a:r>
-              <a:rPr lang="en-US" dirty="0" smtClean="0"/>
-              <a:t>Reliable and predictable systems</a:t>
-            </a:r>
+              <a:t>Complex products</a:t>
+            </a:r>
+          </a:p>
+          <a:p>
+            <a:r>
+              <a:rPr lang="en-US" dirty="0" smtClean="0"/>
+              <a:t>Unmaintainable systems</a:t>
+            </a:r>
+          </a:p>
+          <a:p>
+            <a:r>
+              <a:rPr lang="en-US" dirty="0" smtClean="0"/>
+              <a:t>Non-portable , framework committed business components</a:t>
+            </a:r>
+          </a:p>
+          <a:p>
+            <a:r>
+              <a:rPr lang="en-US" dirty="0" smtClean="0"/>
+              <a:t>Unpredictable systems</a:t>
+            </a:r>
+          </a:p>
+          <a:p>
+            <a:endParaRPr lang="en-US" dirty="0" smtClean="0"/>
           </a:p>
         </p:txBody>
       </p:sp>
     </p:spTree>
     <p:extLst>
       <p:ext uri="{BB962C8B-B14F-4D97-AF65-F5344CB8AC3E}">
-        <p14:creationId xmlns:p14="http://schemas.microsoft.com/office/powerpoint/2010/main" val="1670324513"/>
+        <p14:creationId xmlns:p14="http://schemas.microsoft.com/office/powerpoint/2010/main" val="2961042550"/>
       </p:ext>
     </p:extLst>
   </p:cSld>
@@ -8404,7 +8922,7 @@
           <a:p>
             <a:r>
               <a:rPr lang="en-US" dirty="0" smtClean="0"/>
-              <a:t>Pure java</a:t>
+              <a:t>Spring approach</a:t>
             </a:r>
             <a:endParaRPr lang="en-GB" dirty="0"/>
           </a:p>
@@ -8427,53 +8945,45 @@
           <a:p>
             <a:r>
               <a:rPr lang="en-US" dirty="0" smtClean="0"/>
-              <a:t>Founded on </a:t>
-            </a:r>
-            <a:r>
-              <a:rPr lang="vi-VN" dirty="0" smtClean="0"/>
-              <a:t>pojo-based development</a:t>
-            </a:r>
-          </a:p>
-          <a:p>
-            <a:pPr lvl="1"/>
-            <a:r>
-              <a:rPr lang="vi-VN" dirty="0" smtClean="0"/>
-              <a:t>Ordinary java classes that no special APIs</a:t>
-            </a:r>
-          </a:p>
-          <a:p>
-            <a:r>
-              <a:rPr lang="vi-VN" dirty="0" smtClean="0"/>
-              <a:t>Non-invasive for pre-existing pojos</a:t>
-            </a:r>
-          </a:p>
-          <a:p>
-            <a:r>
-              <a:rPr lang="vi-VN" dirty="0" smtClean="0"/>
-              <a:t>Rewards framework indenpendent business logic</a:t>
-            </a:r>
-          </a:p>
-          <a:p>
-            <a:r>
-              <a:rPr lang="vi-VN" dirty="0" smtClean="0"/>
-              <a:t>Encourages new software to be written as pojos</a:t>
-            </a:r>
-          </a:p>
-          <a:p>
-            <a:r>
-              <a:rPr lang="vi-VN" dirty="0" smtClean="0"/>
-              <a:t>Results in highly portable , reusable, and veriable software</a:t>
-            </a:r>
-          </a:p>
-          <a:p>
-            <a:endParaRPr lang="vi-VN" dirty="0" smtClean="0"/>
+              <a:t>Products based on simplicity</a:t>
+            </a:r>
+          </a:p>
+          <a:p>
+            <a:r>
+              <a:rPr lang="en-US" dirty="0" smtClean="0"/>
+              <a:t>Maintainable systems</a:t>
+            </a:r>
+          </a:p>
+          <a:p>
+            <a:r>
+              <a:rPr lang="en-US" dirty="0" smtClean="0"/>
+              <a:t>Framework-independent software</a:t>
+            </a:r>
+          </a:p>
+          <a:p>
+            <a:r>
+              <a:rPr lang="en-US" dirty="0" smtClean="0"/>
+              <a:t>Portable components</a:t>
+            </a:r>
+          </a:p>
+          <a:p>
+            <a:r>
+              <a:rPr lang="en-US" dirty="0" smtClean="0"/>
+              <a:t>Testable components</a:t>
+            </a:r>
+          </a:p>
+          <a:p>
+            <a:r>
+              <a:rPr lang="en-US" dirty="0" smtClean="0"/>
+              <a:t>Reliable and predictable systems</a:t>
+            </a:r>
           </a:p>
         </p:txBody>
       </p:sp>
     </p:spTree>
     <p:extLst>
       <p:ext uri="{BB962C8B-B14F-4D97-AF65-F5344CB8AC3E}">
-        <p14:creationId xmlns:p14="http://schemas.microsoft.com/office/powerpoint/2010/main" val="3299197094"/>
+        <p14:creationId xmlns:p14="http://schemas.microsoft.com/office/powerpoint/2010/main" val="1670324513"/>
       </p:ext>
     </p:extLst>
   </p:cSld>
@@ -8519,20 +9029,14 @@
         </p:nvSpPr>
         <p:spPr/>
         <p:txBody>
-          <a:bodyPr>
-            <a:normAutofit/>
-          </a:bodyPr>
-          <a:lstStyle/>
-          <a:p>
-            <a:r>
-              <a:rPr lang="vi-VN" dirty="0" smtClean="0">
-                <a:latin typeface="Calibri Light" panose="020F0302020204030204" pitchFamily="34" charset="0"/>
-              </a:rPr>
-              <a:t>More with less custom code</a:t>
-            </a:r>
-            <a:endParaRPr lang="en-GB" dirty="0">
-              <a:latin typeface="Calibri Light" panose="020F0302020204030204" pitchFamily="34" charset="0"/>
-            </a:endParaRPr>
+          <a:bodyPr/>
+          <a:lstStyle/>
+          <a:p>
+            <a:r>
+              <a:rPr lang="en-US" dirty="0" smtClean="0"/>
+              <a:t>Pure java</a:t>
+            </a:r>
+            <a:endParaRPr lang="en-GB" dirty="0"/>
           </a:p>
         </p:txBody>
       </p:sp>
@@ -8552,45 +9056,54 @@
           <a:lstStyle/>
           <a:p>
             <a:r>
+              <a:rPr lang="en-US" dirty="0" smtClean="0"/>
+              <a:t>Founded on </a:t>
+            </a:r>
+            <a:r>
               <a:rPr lang="vi-VN" dirty="0" smtClean="0"/>
-              <a:t>Expand capibilities with less code</a:t>
-            </a:r>
-          </a:p>
-          <a:p>
+              <a:t>pojo-based development</a:t>
+            </a:r>
+          </a:p>
+          <a:p>
+            <a:pPr lvl="1"/>
             <a:r>
               <a:rPr lang="vi-VN" dirty="0" smtClean="0"/>
-              <a:t>Entensive and tested service abstractions</a:t>
-            </a:r>
-          </a:p>
-          <a:p>
-            <a:pPr lvl="1"/>
+              <a:t>Ordinary java classes that no special APIs</a:t>
+            </a:r>
+          </a:p>
+          <a:p>
             <a:r>
               <a:rPr lang="vi-VN" dirty="0" smtClean="0"/>
-              <a:t>Mail, jms, jmx, jsf, jdbc, </a:t>
-            </a:r>
-            <a:endParaRPr lang="en-US" dirty="0" smtClean="0"/>
-          </a:p>
-          <a:p>
-            <a:r>
-              <a:rPr lang="en-US" dirty="0" smtClean="0"/>
-              <a:t>Replaces generic corporate libraries</a:t>
-            </a:r>
-          </a:p>
-          <a:p>
-            <a:r>
-              <a:rPr lang="en-US" dirty="0" smtClean="0"/>
-              <a:t>Mitigates custom integration because spring platform is easy to use</a:t>
-            </a:r>
-          </a:p>
-          <a:p>
-            <a:endParaRPr lang="en-GB" dirty="0"/>
+              <a:t>Non-invasive for pre-existing pojos</a:t>
+            </a:r>
+          </a:p>
+          <a:p>
+            <a:r>
+              <a:rPr lang="vi-VN" dirty="0" smtClean="0"/>
+              <a:t>Rewards framework indenpendent business logic</a:t>
+            </a:r>
+          </a:p>
+          <a:p>
+            <a:r>
+              <a:rPr lang="vi-VN" dirty="0" smtClean="0"/>
+              <a:t>Encourages new software to be written as pojos</a:t>
+            </a:r>
+          </a:p>
+          <a:p>
+            <a:r>
+              <a:rPr lang="vi-VN" dirty="0" smtClean="0"/>
+              <a:t>Results in highly portable , reusable, and veriable software</a:t>
+            </a:r>
+          </a:p>
+          <a:p>
+            <a:endParaRPr lang="vi-VN" dirty="0" smtClean="0"/>
           </a:p>
         </p:txBody>
       </p:sp>
     </p:spTree>
     <p:extLst>
       <p:ext uri="{BB962C8B-B14F-4D97-AF65-F5344CB8AC3E}">
-        <p14:creationId xmlns:p14="http://schemas.microsoft.com/office/powerpoint/2010/main" val="4246722712"/>
+        <p14:creationId xmlns:p14="http://schemas.microsoft.com/office/powerpoint/2010/main" val="3299197094"/>
       </p:ext>
     </p:extLst>
   </p:cSld>
@@ -8636,124 +9149,78 @@
         </p:nvSpPr>
         <p:spPr/>
         <p:txBody>
-          <a:bodyPr/>
-          <a:lstStyle/>
-          <a:p>
-            <a:r>
-              <a:rPr lang="en-US" dirty="0" smtClean="0"/>
-              <a:t>Modular</a:t>
-            </a:r>
-            <a:endParaRPr lang="en-GB" dirty="0"/>
-          </a:p>
-        </p:txBody>
-      </p:sp>
-      <p:sp>
-        <p:nvSpPr>
-          <p:cNvPr id="3" name="Content Placeholder 2"/>
-          <p:cNvSpPr>
-            <a:spLocks noGrp="1"/>
-          </p:cNvSpPr>
-          <p:nvPr>
-            <p:ph idx="1"/>
-          </p:nvPr>
-        </p:nvSpPr>
-        <p:spPr/>
-        <p:txBody>
           <a:bodyPr>
             <a:normAutofit/>
           </a:bodyPr>
           <a:lstStyle/>
           <a:p>
             <a:r>
-              <a:rPr lang="en-US" dirty="0" smtClean="0"/>
-              <a:t>Help only where needed</a:t>
+              <a:rPr lang="vi-VN" dirty="0" smtClean="0">
+                <a:latin typeface="Calibri Light" panose="020F0302020204030204" pitchFamily="34" charset="0"/>
+              </a:rPr>
+              <a:t>More with less custom code</a:t>
+            </a:r>
+            <a:endParaRPr lang="en-GB" dirty="0">
+              <a:latin typeface="Calibri Light" panose="020F0302020204030204" pitchFamily="34" charset="0"/>
+            </a:endParaRPr>
+          </a:p>
+        </p:txBody>
+      </p:sp>
+      <p:sp>
+        <p:nvSpPr>
+          <p:cNvPr id="3" name="Content Placeholder 2"/>
+          <p:cNvSpPr>
+            <a:spLocks noGrp="1"/>
+          </p:cNvSpPr>
+          <p:nvPr>
+            <p:ph idx="1"/>
+          </p:nvPr>
+        </p:nvSpPr>
+        <p:spPr/>
+        <p:txBody>
+          <a:bodyPr/>
+          <a:lstStyle/>
+          <a:p>
+            <a:r>
+              <a:rPr lang="vi-VN" dirty="0" smtClean="0"/>
+              <a:t>Expand capibilities with less code</a:t>
+            </a:r>
+          </a:p>
+          <a:p>
+            <a:r>
+              <a:rPr lang="vi-VN" dirty="0" smtClean="0"/>
+              <a:t>Entensive and tested service abstractions</a:t>
             </a:r>
           </a:p>
           <a:p>
             <a:pPr lvl="1"/>
             <a:r>
-              <a:rPr lang="en-US" dirty="0" smtClean="0"/>
-              <a:t>Modularity allows only relevant components to be introduced to the application</a:t>
-            </a:r>
-          </a:p>
-          <a:p>
-            <a:pPr lvl="1"/>
-            <a:r>
-              <a:rPr lang="en-US" dirty="0" smtClean="0"/>
-              <a:t>For instance choose one:</a:t>
-            </a:r>
-          </a:p>
-          <a:p>
-            <a:pPr lvl="2"/>
-            <a:r>
-              <a:rPr lang="en-US" dirty="0" smtClean="0"/>
-              <a:t>Spring bean factory</a:t>
-            </a:r>
-          </a:p>
-          <a:p>
-            <a:pPr lvl="2"/>
-            <a:r>
-              <a:rPr lang="en-US" dirty="0" smtClean="0"/>
-              <a:t>Spring </a:t>
-            </a:r>
-            <a:r>
-              <a:rPr lang="en-US" dirty="0" err="1" smtClean="0"/>
-              <a:t>jmx</a:t>
+              <a:rPr lang="vi-VN" dirty="0" smtClean="0"/>
+              <a:t>Mail, jms, jmx, jsf, jdbc, </a:t>
             </a:r>
             <a:endParaRPr lang="en-US" dirty="0" smtClean="0"/>
           </a:p>
           <a:p>
-            <a:pPr lvl="2"/>
-            <a:r>
-              <a:rPr lang="en-US" dirty="0" smtClean="0"/>
-              <a:t>Spring </a:t>
-            </a:r>
-            <a:r>
-              <a:rPr lang="en-US" dirty="0" err="1" smtClean="0"/>
-              <a:t>jdbc</a:t>
-            </a:r>
+            <a:r>
+              <a:rPr lang="en-US" dirty="0" smtClean="0"/>
+              <a:t>Replaces generic corporate libraries</a:t>
+            </a:r>
+          </a:p>
+          <a:p>
+            <a:r>
+              <a:rPr lang="en-US" dirty="0" smtClean="0"/>
+              <a:t>Mitigates custom integration because spring platform is easy to use</a:t>
+            </a:r>
+          </a:p>
+          <a:p>
             <a:endParaRPr lang="en-GB" dirty="0"/>
-          </a:p>
-          <a:p>
-            <a:pPr lvl="1"/>
-            <a:r>
-              <a:rPr lang="en-US" dirty="0" smtClean="0"/>
-              <a:t>Framework can be interfaced in deep or shallow layers</a:t>
-            </a:r>
-          </a:p>
-          <a:p>
-            <a:pPr lvl="1"/>
-            <a:r>
-              <a:rPr lang="en-US" dirty="0" smtClean="0"/>
-              <a:t>Interfaces are consistent at each layer</a:t>
-            </a:r>
-          </a:p>
-          <a:p>
-            <a:r>
-              <a:rPr lang="en-US" dirty="0" smtClean="0"/>
-              <a:t>Turn-key solution</a:t>
-            </a:r>
-          </a:p>
-          <a:p>
-            <a:pPr lvl="1"/>
-            <a:r>
-              <a:rPr lang="en-US" dirty="0" smtClean="0"/>
-              <a:t>Spring components can be integrated fast, with minimal effort and predictable results</a:t>
-            </a:r>
-          </a:p>
-          <a:p>
-            <a:pPr lvl="1"/>
-            <a:r>
-              <a:rPr lang="en-US" dirty="0" smtClean="0"/>
-              <a:t>Interfaces are clear and consistent</a:t>
-            </a:r>
           </a:p>
         </p:txBody>
       </p:sp>
     </p:spTree>
     <p:extLst>
       <p:ext uri="{BB962C8B-B14F-4D97-AF65-F5344CB8AC3E}">
-        <p14:creationId xmlns:p14="http://schemas.microsoft.com/office/powerpoint/2010/main" val="3463312489"/>
+        <p14:creationId xmlns:p14="http://schemas.microsoft.com/office/powerpoint/2010/main" val="4246722712"/>
       </p:ext>
     </p:extLst>
   </p:cSld>
